--- a/Lecture_28.pptx
+++ b/Lecture_28.pptx
@@ -15,15 +15,14 @@
     <p:sldId id="263" r:id="rId9"/>
     <p:sldId id="265" r:id="rId10"/>
     <p:sldId id="266" r:id="rId11"/>
-    <p:sldId id="267" r:id="rId12"/>
-    <p:sldId id="269" r:id="rId13"/>
-    <p:sldId id="270" r:id="rId14"/>
-    <p:sldId id="271" r:id="rId15"/>
-    <p:sldId id="272" r:id="rId16"/>
-    <p:sldId id="273" r:id="rId17"/>
-    <p:sldId id="274" r:id="rId18"/>
-    <p:sldId id="275" r:id="rId19"/>
-    <p:sldId id="276" r:id="rId20"/>
+    <p:sldId id="269" r:id="rId12"/>
+    <p:sldId id="270" r:id="rId13"/>
+    <p:sldId id="271" r:id="rId14"/>
+    <p:sldId id="272" r:id="rId15"/>
+    <p:sldId id="273" r:id="rId16"/>
+    <p:sldId id="274" r:id="rId17"/>
+    <p:sldId id="275" r:id="rId18"/>
+    <p:sldId id="276" r:id="rId19"/>
   </p:sldIdLst>
   <p:sldSz cx="12192000" cy="6858000"/>
   <p:notesSz cx="6858000" cy="9144000"/>
@@ -3760,171 +3759,595 @@
   <p:clrMapOvr>
     <a:masterClrMapping/>
   </p:clrMapOvr>
+  <p:timing>
+    <p:tnLst>
+      <p:par>
+        <p:cTn id="1" dur="indefinite" restart="never" nodeType="tmRoot">
+          <p:childTnLst>
+            <p:seq concurrent="1" nextAc="seek">
+              <p:cTn id="2" dur="indefinite" nodeType="mainSeq">
+                <p:childTnLst>
+                  <p:par>
+                    <p:cTn id="3" fill="hold">
+                      <p:stCondLst>
+                        <p:cond delay="indefinite"/>
+                      </p:stCondLst>
+                      <p:childTnLst>
+                        <p:par>
+                          <p:cTn id="4" fill="hold">
+                            <p:stCondLst>
+                              <p:cond delay="0"/>
+                            </p:stCondLst>
+                            <p:childTnLst>
+                              <p:par>
+                                <p:cTn id="5" presetID="1" presetClass="entr" presetSubtype="0" fill="hold" grpId="0" nodeType="clickEffect">
+                                  <p:stCondLst>
+                                    <p:cond delay="0"/>
+                                  </p:stCondLst>
+                                  <p:childTnLst>
+                                    <p:set>
+                                      <p:cBhvr>
+                                        <p:cTn id="6" dur="1" fill="hold">
+                                          <p:stCondLst>
+                                            <p:cond delay="0"/>
+                                          </p:stCondLst>
+                                        </p:cTn>
+                                        <p:tgtEl>
+                                          <p:spTgt spid="3">
+                                            <p:txEl>
+                                              <p:pRg st="0" end="0"/>
+                                            </p:txEl>
+                                          </p:spTgt>
+                                        </p:tgtEl>
+                                        <p:attrNameLst>
+                                          <p:attrName>style.visibility</p:attrName>
+                                        </p:attrNameLst>
+                                      </p:cBhvr>
+                                      <p:to>
+                                        <p:strVal val="visible"/>
+                                      </p:to>
+                                    </p:set>
+                                  </p:childTnLst>
+                                </p:cTn>
+                              </p:par>
+                            </p:childTnLst>
+                          </p:cTn>
+                        </p:par>
+                      </p:childTnLst>
+                    </p:cTn>
+                  </p:par>
+                  <p:par>
+                    <p:cTn id="7" fill="hold">
+                      <p:stCondLst>
+                        <p:cond delay="indefinite"/>
+                      </p:stCondLst>
+                      <p:childTnLst>
+                        <p:par>
+                          <p:cTn id="8" fill="hold">
+                            <p:stCondLst>
+                              <p:cond delay="0"/>
+                            </p:stCondLst>
+                            <p:childTnLst>
+                              <p:par>
+                                <p:cTn id="9" presetID="1" presetClass="entr" presetSubtype="0" fill="hold" grpId="0" nodeType="clickEffect">
+                                  <p:stCondLst>
+                                    <p:cond delay="0"/>
+                                  </p:stCondLst>
+                                  <p:childTnLst>
+                                    <p:set>
+                                      <p:cBhvr>
+                                        <p:cTn id="10" dur="1" fill="hold">
+                                          <p:stCondLst>
+                                            <p:cond delay="0"/>
+                                          </p:stCondLst>
+                                        </p:cTn>
+                                        <p:tgtEl>
+                                          <p:spTgt spid="3">
+                                            <p:txEl>
+                                              <p:pRg st="1" end="1"/>
+                                            </p:txEl>
+                                          </p:spTgt>
+                                        </p:tgtEl>
+                                        <p:attrNameLst>
+                                          <p:attrName>style.visibility</p:attrName>
+                                        </p:attrNameLst>
+                                      </p:cBhvr>
+                                      <p:to>
+                                        <p:strVal val="visible"/>
+                                      </p:to>
+                                    </p:set>
+                                  </p:childTnLst>
+                                </p:cTn>
+                              </p:par>
+                            </p:childTnLst>
+                          </p:cTn>
+                        </p:par>
+                      </p:childTnLst>
+                    </p:cTn>
+                  </p:par>
+                  <p:par>
+                    <p:cTn id="11" fill="hold">
+                      <p:stCondLst>
+                        <p:cond delay="indefinite"/>
+                      </p:stCondLst>
+                      <p:childTnLst>
+                        <p:par>
+                          <p:cTn id="12" fill="hold">
+                            <p:stCondLst>
+                              <p:cond delay="0"/>
+                            </p:stCondLst>
+                            <p:childTnLst>
+                              <p:par>
+                                <p:cTn id="13" presetID="1" presetClass="entr" presetSubtype="0" fill="hold" grpId="0" nodeType="clickEffect">
+                                  <p:stCondLst>
+                                    <p:cond delay="0"/>
+                                  </p:stCondLst>
+                                  <p:childTnLst>
+                                    <p:set>
+                                      <p:cBhvr>
+                                        <p:cTn id="14" dur="1" fill="hold">
+                                          <p:stCondLst>
+                                            <p:cond delay="0"/>
+                                          </p:stCondLst>
+                                        </p:cTn>
+                                        <p:tgtEl>
+                                          <p:spTgt spid="3">
+                                            <p:txEl>
+                                              <p:pRg st="2" end="2"/>
+                                            </p:txEl>
+                                          </p:spTgt>
+                                        </p:tgtEl>
+                                        <p:attrNameLst>
+                                          <p:attrName>style.visibility</p:attrName>
+                                        </p:attrNameLst>
+                                      </p:cBhvr>
+                                      <p:to>
+                                        <p:strVal val="visible"/>
+                                      </p:to>
+                                    </p:set>
+                                  </p:childTnLst>
+                                </p:cTn>
+                              </p:par>
+                            </p:childTnLst>
+                          </p:cTn>
+                        </p:par>
+                      </p:childTnLst>
+                    </p:cTn>
+                  </p:par>
+                  <p:par>
+                    <p:cTn id="15" fill="hold">
+                      <p:stCondLst>
+                        <p:cond delay="indefinite"/>
+                      </p:stCondLst>
+                      <p:childTnLst>
+                        <p:par>
+                          <p:cTn id="16" fill="hold">
+                            <p:stCondLst>
+                              <p:cond delay="0"/>
+                            </p:stCondLst>
+                            <p:childTnLst>
+                              <p:par>
+                                <p:cTn id="17" presetID="1" presetClass="entr" presetSubtype="0" fill="hold" grpId="0" nodeType="clickEffect">
+                                  <p:stCondLst>
+                                    <p:cond delay="0"/>
+                                  </p:stCondLst>
+                                  <p:childTnLst>
+                                    <p:set>
+                                      <p:cBhvr>
+                                        <p:cTn id="18" dur="1" fill="hold">
+                                          <p:stCondLst>
+                                            <p:cond delay="0"/>
+                                          </p:stCondLst>
+                                        </p:cTn>
+                                        <p:tgtEl>
+                                          <p:spTgt spid="3">
+                                            <p:txEl>
+                                              <p:pRg st="3" end="3"/>
+                                            </p:txEl>
+                                          </p:spTgt>
+                                        </p:tgtEl>
+                                        <p:attrNameLst>
+                                          <p:attrName>style.visibility</p:attrName>
+                                        </p:attrNameLst>
+                                      </p:cBhvr>
+                                      <p:to>
+                                        <p:strVal val="visible"/>
+                                      </p:to>
+                                    </p:set>
+                                  </p:childTnLst>
+                                </p:cTn>
+                              </p:par>
+                            </p:childTnLst>
+                          </p:cTn>
+                        </p:par>
+                      </p:childTnLst>
+                    </p:cTn>
+                  </p:par>
+                  <p:par>
+                    <p:cTn id="19" fill="hold">
+                      <p:stCondLst>
+                        <p:cond delay="indefinite"/>
+                      </p:stCondLst>
+                      <p:childTnLst>
+                        <p:par>
+                          <p:cTn id="20" fill="hold">
+                            <p:stCondLst>
+                              <p:cond delay="0"/>
+                            </p:stCondLst>
+                            <p:childTnLst>
+                              <p:par>
+                                <p:cTn id="21" presetID="1" presetClass="entr" presetSubtype="0" fill="hold" grpId="0" nodeType="clickEffect">
+                                  <p:stCondLst>
+                                    <p:cond delay="0"/>
+                                  </p:stCondLst>
+                                  <p:childTnLst>
+                                    <p:set>
+                                      <p:cBhvr>
+                                        <p:cTn id="22" dur="1" fill="hold">
+                                          <p:stCondLst>
+                                            <p:cond delay="0"/>
+                                          </p:stCondLst>
+                                        </p:cTn>
+                                        <p:tgtEl>
+                                          <p:spTgt spid="3">
+                                            <p:txEl>
+                                              <p:pRg st="4" end="4"/>
+                                            </p:txEl>
+                                          </p:spTgt>
+                                        </p:tgtEl>
+                                        <p:attrNameLst>
+                                          <p:attrName>style.visibility</p:attrName>
+                                        </p:attrNameLst>
+                                      </p:cBhvr>
+                                      <p:to>
+                                        <p:strVal val="visible"/>
+                                      </p:to>
+                                    </p:set>
+                                  </p:childTnLst>
+                                </p:cTn>
+                              </p:par>
+                            </p:childTnLst>
+                          </p:cTn>
+                        </p:par>
+                      </p:childTnLst>
+                    </p:cTn>
+                  </p:par>
+                  <p:par>
+                    <p:cTn id="23" fill="hold">
+                      <p:stCondLst>
+                        <p:cond delay="indefinite"/>
+                      </p:stCondLst>
+                      <p:childTnLst>
+                        <p:par>
+                          <p:cTn id="24" fill="hold">
+                            <p:stCondLst>
+                              <p:cond delay="0"/>
+                            </p:stCondLst>
+                            <p:childTnLst>
+                              <p:par>
+                                <p:cTn id="25" presetID="1" presetClass="entr" presetSubtype="0" fill="hold" grpId="0" nodeType="clickEffect">
+                                  <p:stCondLst>
+                                    <p:cond delay="0"/>
+                                  </p:stCondLst>
+                                  <p:childTnLst>
+                                    <p:set>
+                                      <p:cBhvr>
+                                        <p:cTn id="26" dur="1" fill="hold">
+                                          <p:stCondLst>
+                                            <p:cond delay="0"/>
+                                          </p:stCondLst>
+                                        </p:cTn>
+                                        <p:tgtEl>
+                                          <p:spTgt spid="3">
+                                            <p:txEl>
+                                              <p:pRg st="5" end="5"/>
+                                            </p:txEl>
+                                          </p:spTgt>
+                                        </p:tgtEl>
+                                        <p:attrNameLst>
+                                          <p:attrName>style.visibility</p:attrName>
+                                        </p:attrNameLst>
+                                      </p:cBhvr>
+                                      <p:to>
+                                        <p:strVal val="visible"/>
+                                      </p:to>
+                                    </p:set>
+                                  </p:childTnLst>
+                                </p:cTn>
+                              </p:par>
+                            </p:childTnLst>
+                          </p:cTn>
+                        </p:par>
+                      </p:childTnLst>
+                    </p:cTn>
+                  </p:par>
+                  <p:par>
+                    <p:cTn id="27" fill="hold">
+                      <p:stCondLst>
+                        <p:cond delay="indefinite"/>
+                      </p:stCondLst>
+                      <p:childTnLst>
+                        <p:par>
+                          <p:cTn id="28" fill="hold">
+                            <p:stCondLst>
+                              <p:cond delay="0"/>
+                            </p:stCondLst>
+                            <p:childTnLst>
+                              <p:par>
+                                <p:cTn id="29" presetID="1" presetClass="entr" presetSubtype="0" fill="hold" grpId="0" nodeType="clickEffect">
+                                  <p:stCondLst>
+                                    <p:cond delay="0"/>
+                                  </p:stCondLst>
+                                  <p:childTnLst>
+                                    <p:set>
+                                      <p:cBhvr>
+                                        <p:cTn id="30" dur="1" fill="hold">
+                                          <p:stCondLst>
+                                            <p:cond delay="0"/>
+                                          </p:stCondLst>
+                                        </p:cTn>
+                                        <p:tgtEl>
+                                          <p:spTgt spid="3">
+                                            <p:txEl>
+                                              <p:pRg st="6" end="6"/>
+                                            </p:txEl>
+                                          </p:spTgt>
+                                        </p:tgtEl>
+                                        <p:attrNameLst>
+                                          <p:attrName>style.visibility</p:attrName>
+                                        </p:attrNameLst>
+                                      </p:cBhvr>
+                                      <p:to>
+                                        <p:strVal val="visible"/>
+                                      </p:to>
+                                    </p:set>
+                                  </p:childTnLst>
+                                </p:cTn>
+                              </p:par>
+                              <p:par>
+                                <p:cTn id="31" presetID="1" presetClass="entr" presetSubtype="0" fill="hold" grpId="0" nodeType="withEffect">
+                                  <p:stCondLst>
+                                    <p:cond delay="0"/>
+                                  </p:stCondLst>
+                                  <p:childTnLst>
+                                    <p:set>
+                                      <p:cBhvr>
+                                        <p:cTn id="32" dur="1" fill="hold">
+                                          <p:stCondLst>
+                                            <p:cond delay="0"/>
+                                          </p:stCondLst>
+                                        </p:cTn>
+                                        <p:tgtEl>
+                                          <p:spTgt spid="3">
+                                            <p:txEl>
+                                              <p:pRg st="7" end="7"/>
+                                            </p:txEl>
+                                          </p:spTgt>
+                                        </p:tgtEl>
+                                        <p:attrNameLst>
+                                          <p:attrName>style.visibility</p:attrName>
+                                        </p:attrNameLst>
+                                      </p:cBhvr>
+                                      <p:to>
+                                        <p:strVal val="visible"/>
+                                      </p:to>
+                                    </p:set>
+                                  </p:childTnLst>
+                                </p:cTn>
+                              </p:par>
+                            </p:childTnLst>
+                          </p:cTn>
+                        </p:par>
+                      </p:childTnLst>
+                    </p:cTn>
+                  </p:par>
+                  <p:par>
+                    <p:cTn id="33" fill="hold">
+                      <p:stCondLst>
+                        <p:cond delay="indefinite"/>
+                      </p:stCondLst>
+                      <p:childTnLst>
+                        <p:par>
+                          <p:cTn id="34" fill="hold">
+                            <p:stCondLst>
+                              <p:cond delay="0"/>
+                            </p:stCondLst>
+                            <p:childTnLst>
+                              <p:par>
+                                <p:cTn id="35" presetID="1" presetClass="entr" presetSubtype="0" fill="hold" grpId="0" nodeType="clickEffect">
+                                  <p:stCondLst>
+                                    <p:cond delay="0"/>
+                                  </p:stCondLst>
+                                  <p:childTnLst>
+                                    <p:set>
+                                      <p:cBhvr>
+                                        <p:cTn id="36" dur="1" fill="hold">
+                                          <p:stCondLst>
+                                            <p:cond delay="0"/>
+                                          </p:stCondLst>
+                                        </p:cTn>
+                                        <p:tgtEl>
+                                          <p:spTgt spid="3">
+                                            <p:txEl>
+                                              <p:pRg st="8" end="8"/>
+                                            </p:txEl>
+                                          </p:spTgt>
+                                        </p:tgtEl>
+                                        <p:attrNameLst>
+                                          <p:attrName>style.visibility</p:attrName>
+                                        </p:attrNameLst>
+                                      </p:cBhvr>
+                                      <p:to>
+                                        <p:strVal val="visible"/>
+                                      </p:to>
+                                    </p:set>
+                                  </p:childTnLst>
+                                </p:cTn>
+                              </p:par>
+                            </p:childTnLst>
+                          </p:cTn>
+                        </p:par>
+                      </p:childTnLst>
+                    </p:cTn>
+                  </p:par>
+                  <p:par>
+                    <p:cTn id="37" fill="hold">
+                      <p:stCondLst>
+                        <p:cond delay="indefinite"/>
+                      </p:stCondLst>
+                      <p:childTnLst>
+                        <p:par>
+                          <p:cTn id="38" fill="hold">
+                            <p:stCondLst>
+                              <p:cond delay="0"/>
+                            </p:stCondLst>
+                            <p:childTnLst>
+                              <p:par>
+                                <p:cTn id="39" presetID="1" presetClass="entr" presetSubtype="0" fill="hold" grpId="0" nodeType="clickEffect">
+                                  <p:stCondLst>
+                                    <p:cond delay="0"/>
+                                  </p:stCondLst>
+                                  <p:childTnLst>
+                                    <p:set>
+                                      <p:cBhvr>
+                                        <p:cTn id="40" dur="1" fill="hold">
+                                          <p:stCondLst>
+                                            <p:cond delay="0"/>
+                                          </p:stCondLst>
+                                        </p:cTn>
+                                        <p:tgtEl>
+                                          <p:spTgt spid="3">
+                                            <p:txEl>
+                                              <p:pRg st="9" end="9"/>
+                                            </p:txEl>
+                                          </p:spTgt>
+                                        </p:tgtEl>
+                                        <p:attrNameLst>
+                                          <p:attrName>style.visibility</p:attrName>
+                                        </p:attrNameLst>
+                                      </p:cBhvr>
+                                      <p:to>
+                                        <p:strVal val="visible"/>
+                                      </p:to>
+                                    </p:set>
+                                  </p:childTnLst>
+                                </p:cTn>
+                              </p:par>
+                            </p:childTnLst>
+                          </p:cTn>
+                        </p:par>
+                      </p:childTnLst>
+                    </p:cTn>
+                  </p:par>
+                  <p:par>
+                    <p:cTn id="41" fill="hold">
+                      <p:stCondLst>
+                        <p:cond delay="indefinite"/>
+                      </p:stCondLst>
+                      <p:childTnLst>
+                        <p:par>
+                          <p:cTn id="42" fill="hold">
+                            <p:stCondLst>
+                              <p:cond delay="0"/>
+                            </p:stCondLst>
+                            <p:childTnLst>
+                              <p:par>
+                                <p:cTn id="43" presetID="1" presetClass="entr" presetSubtype="0" fill="hold" grpId="0" nodeType="clickEffect">
+                                  <p:stCondLst>
+                                    <p:cond delay="0"/>
+                                  </p:stCondLst>
+                                  <p:childTnLst>
+                                    <p:set>
+                                      <p:cBhvr>
+                                        <p:cTn id="44" dur="1" fill="hold">
+                                          <p:stCondLst>
+                                            <p:cond delay="0"/>
+                                          </p:stCondLst>
+                                        </p:cTn>
+                                        <p:tgtEl>
+                                          <p:spTgt spid="3">
+                                            <p:txEl>
+                                              <p:pRg st="10" end="10"/>
+                                            </p:txEl>
+                                          </p:spTgt>
+                                        </p:tgtEl>
+                                        <p:attrNameLst>
+                                          <p:attrName>style.visibility</p:attrName>
+                                        </p:attrNameLst>
+                                      </p:cBhvr>
+                                      <p:to>
+                                        <p:strVal val="visible"/>
+                                      </p:to>
+                                    </p:set>
+                                  </p:childTnLst>
+                                </p:cTn>
+                              </p:par>
+                              <p:par>
+                                <p:cTn id="45" presetID="1" presetClass="entr" presetSubtype="0" fill="hold" grpId="0" nodeType="withEffect">
+                                  <p:stCondLst>
+                                    <p:cond delay="0"/>
+                                  </p:stCondLst>
+                                  <p:childTnLst>
+                                    <p:set>
+                                      <p:cBhvr>
+                                        <p:cTn id="46" dur="1" fill="hold">
+                                          <p:stCondLst>
+                                            <p:cond delay="0"/>
+                                          </p:stCondLst>
+                                        </p:cTn>
+                                        <p:tgtEl>
+                                          <p:spTgt spid="3">
+                                            <p:txEl>
+                                              <p:pRg st="11" end="11"/>
+                                            </p:txEl>
+                                          </p:spTgt>
+                                        </p:tgtEl>
+                                        <p:attrNameLst>
+                                          <p:attrName>style.visibility</p:attrName>
+                                        </p:attrNameLst>
+                                      </p:cBhvr>
+                                      <p:to>
+                                        <p:strVal val="visible"/>
+                                      </p:to>
+                                    </p:set>
+                                  </p:childTnLst>
+                                </p:cTn>
+                              </p:par>
+                            </p:childTnLst>
+                          </p:cTn>
+                        </p:par>
+                      </p:childTnLst>
+                    </p:cTn>
+                  </p:par>
+                </p:childTnLst>
+              </p:cTn>
+              <p:prevCondLst>
+                <p:cond evt="onPrev" delay="0">
+                  <p:tgtEl>
+                    <p:sldTgt/>
+                  </p:tgtEl>
+                </p:cond>
+              </p:prevCondLst>
+              <p:nextCondLst>
+                <p:cond evt="onNext" delay="0">
+                  <p:tgtEl>
+                    <p:sldTgt/>
+                  </p:tgtEl>
+                </p:cond>
+              </p:nextCondLst>
+            </p:seq>
+          </p:childTnLst>
+        </p:cTn>
+      </p:par>
+    </p:tnLst>
+    <p:bldLst>
+      <p:bldP spid="3" grpId="0" build="p"/>
+    </p:bldLst>
+  </p:timing>
 </p:sld>
 </file>
 
 <file path=ppt/slides/slide11.xml><?xml version="1.0" encoding="utf-8"?>
-<p:sld xmlns:a="http://schemas.openxmlformats.org/drawingml/2006/main" xmlns:r="http://schemas.openxmlformats.org/officeDocument/2006/relationships" xmlns:p="http://schemas.openxmlformats.org/presentationml/2006/main">
-  <p:cSld>
-    <p:spTree>
-      <p:nvGrpSpPr>
-        <p:cNvPr id="1" name=""/>
-        <p:cNvGrpSpPr/>
-        <p:nvPr/>
-      </p:nvGrpSpPr>
-      <p:grpSpPr>
-        <a:xfrm>
-          <a:off x="0" y="0"/>
-          <a:ext cx="0" cy="0"/>
-          <a:chOff x="0" y="0"/>
-          <a:chExt cx="0" cy="0"/>
-        </a:xfrm>
-      </p:grpSpPr>
-      <p:sp>
-        <p:nvSpPr>
-          <p:cNvPr id="2" name="Title 1">
-            <a:extLst>
-              <a:ext uri="{FF2B5EF4-FFF2-40B4-BE49-F238E27FC236}">
-                <a16:creationId xmlns:a16="http://schemas.microsoft.com/office/drawing/2014/main" id="{C664928D-A5EA-4432-B22E-C627A24C5B37}"/>
-              </a:ext>
-            </a:extLst>
-          </p:cNvPr>
-          <p:cNvSpPr>
-            <a:spLocks noGrp="1"/>
-          </p:cNvSpPr>
-          <p:nvPr>
-            <p:ph type="title"/>
-          </p:nvPr>
-        </p:nvSpPr>
-        <p:spPr>
-          <a:xfrm>
-            <a:off x="0" y="1"/>
-            <a:ext cx="12192000" cy="1130156"/>
-          </a:xfrm>
-        </p:spPr>
-        <p:txBody>
-          <a:bodyPr/>
-          <a:lstStyle/>
-          <a:p>
-            <a:r>
-              <a:rPr lang="en-US" dirty="0"/>
-              <a:t>AD tree</a:t>
-            </a:r>
-          </a:p>
-        </p:txBody>
-      </p:sp>
-      <p:sp>
-        <p:nvSpPr>
-          <p:cNvPr id="3" name="Content Placeholder 2">
-            <a:extLst>
-              <a:ext uri="{FF2B5EF4-FFF2-40B4-BE49-F238E27FC236}">
-                <a16:creationId xmlns:a16="http://schemas.microsoft.com/office/drawing/2014/main" id="{47B541F4-AD08-4C2B-863C-0CC1627EEE65}"/>
-              </a:ext>
-            </a:extLst>
-          </p:cNvPr>
-          <p:cNvSpPr>
-            <a:spLocks noGrp="1"/>
-          </p:cNvSpPr>
-          <p:nvPr>
-            <p:ph idx="1"/>
-          </p:nvPr>
-        </p:nvSpPr>
-        <p:spPr>
-          <a:xfrm>
-            <a:off x="0" y="1130157"/>
-            <a:ext cx="3957036" cy="5727842"/>
-          </a:xfrm>
-        </p:spPr>
-        <p:txBody>
-          <a:bodyPr>
-            <a:normAutofit fontScale="92500" lnSpcReduction="20000"/>
-          </a:bodyPr>
-          <a:lstStyle/>
-          <a:p>
-            <a:r>
-              <a:rPr lang="en-US" dirty="0"/>
-              <a:t>A) Reduced version of weather data, using only humidity, windy, and play</a:t>
-            </a:r>
-          </a:p>
-          <a:p>
-            <a:r>
-              <a:rPr lang="en-US" dirty="0"/>
-              <a:t>B) AD tree for this data</a:t>
-            </a:r>
-          </a:p>
-          <a:p>
-            <a:r>
-              <a:rPr lang="en-US" dirty="0"/>
-              <a:t>Each node tells how many instances exhibit the attribute values tested along the path from the root to node</a:t>
-            </a:r>
-          </a:p>
-          <a:p>
-            <a:r>
-              <a:rPr lang="en-US" dirty="0"/>
-              <a:t>Example: leftmost leaf says there is one instance with values </a:t>
-            </a:r>
-            <a:r>
-              <a:rPr lang="en-US" i="1" dirty="0"/>
-              <a:t>humidity=normal, windy=true, play=no, </a:t>
-            </a:r>
-            <a:r>
-              <a:rPr lang="en-US" dirty="0"/>
-              <a:t>and rightmost leaf says there are 5 instances with </a:t>
-            </a:r>
-            <a:r>
-              <a:rPr lang="en-US" i="1" dirty="0"/>
-              <a:t>play=no</a:t>
-            </a:r>
-          </a:p>
-          <a:p>
-            <a:endParaRPr lang="en-US" dirty="0"/>
-          </a:p>
-        </p:txBody>
-      </p:sp>
-      <p:pic>
-        <p:nvPicPr>
-          <p:cNvPr id="4" name="Picture 3">
-            <a:extLst>
-              <a:ext uri="{FF2B5EF4-FFF2-40B4-BE49-F238E27FC236}">
-                <a16:creationId xmlns:a16="http://schemas.microsoft.com/office/drawing/2014/main" id="{7237885B-6C0D-46A2-A8BC-DA1923797F38}"/>
-              </a:ext>
-            </a:extLst>
-          </p:cNvPr>
-          <p:cNvPicPr>
-            <a:picLocks noChangeAspect="1"/>
-          </p:cNvPicPr>
-          <p:nvPr/>
-        </p:nvPicPr>
-        <p:blipFill>
-          <a:blip r:embed="rId2"/>
-          <a:stretch>
-            <a:fillRect/>
-          </a:stretch>
-        </p:blipFill>
-        <p:spPr>
-          <a:xfrm>
-            <a:off x="3957035" y="-1"/>
-            <a:ext cx="8234965" cy="6858000"/>
-          </a:xfrm>
-          <a:prstGeom prst="rect">
-            <a:avLst/>
-          </a:prstGeom>
-        </p:spPr>
-      </p:pic>
-    </p:spTree>
-    <p:extLst>
-      <p:ext uri="{BB962C8B-B14F-4D97-AF65-F5344CB8AC3E}">
-        <p14:creationId xmlns:p14="http://schemas.microsoft.com/office/powerpoint/2010/main" val="3085569559"/>
-      </p:ext>
-    </p:extLst>
-  </p:cSld>
-  <p:clrMapOvr>
-    <a:masterClrMapping/>
-  </p:clrMapOvr>
-</p:sld>
-</file>
-
-<file path=ppt/slides/slide12.xml><?xml version="1.0" encoding="utf-8"?>
 <p:sld xmlns:a="http://schemas.openxmlformats.org/drawingml/2006/main" xmlns:r="http://schemas.openxmlformats.org/officeDocument/2006/relationships" xmlns:p="http://schemas.openxmlformats.org/presentationml/2006/main">
   <p:cSld>
     <p:spTree>
@@ -3964,7 +4387,9 @@
           </a:xfrm>
         </p:spPr>
         <p:txBody>
-          <a:bodyPr/>
+          <a:bodyPr>
+            <a:normAutofit fontScale="77500" lnSpcReduction="20000"/>
+          </a:bodyPr>
           <a:lstStyle/>
           <a:p>
             <a:r>
@@ -3977,6 +4402,45 @@
               <a:rPr lang="en-US" dirty="0"/>
               <a:t>PyMC3 strives to make Bayesian modeling as simple and painless as possible, allowing users to focus on their scientific problem</a:t>
             </a:r>
+          </a:p>
+          <a:p>
+            <a:r>
+              <a:rPr lang="en-US" dirty="0"/>
+              <a:t>Examples on </a:t>
+            </a:r>
+            <a:r>
+              <a:rPr lang="en-US" dirty="0" err="1"/>
+              <a:t>moodle</a:t>
+            </a:r>
+            <a:r>
+              <a:rPr lang="en-US" dirty="0"/>
+              <a:t>: calculate probability grass is wet (</a:t>
+            </a:r>
+            <a:r>
+              <a:rPr lang="en-US" i="1" dirty="0"/>
+              <a:t>bayesian_network.py</a:t>
+            </a:r>
+            <a:r>
+              <a:rPr lang="en-US" dirty="0"/>
+              <a:t>) and estimate change point in a time series of coal mining disasters (</a:t>
+            </a:r>
+            <a:r>
+              <a:rPr lang="en-US" i="1" dirty="0"/>
+              <a:t>coal_mining_pymc3.py</a:t>
+            </a:r>
+            <a:r>
+              <a:rPr lang="en-US" dirty="0"/>
+              <a:t>)</a:t>
+            </a:r>
+          </a:p>
+          <a:p>
+            <a:r>
+              <a:rPr lang="en-US" dirty="0">
+                <a:hlinkClick r:id="rId2"/>
+              </a:rPr>
+              <a:t>https://docs.pymc.io/notebooks/getting_started.html</a:t>
+            </a:r>
+            <a:endParaRPr lang="en-US" dirty="0"/>
           </a:p>
         </p:txBody>
       </p:sp>
@@ -3995,7 +4459,7 @@
           <p:nvPr/>
         </p:nvPicPr>
         <p:blipFill>
-          <a:blip r:embed="rId2"/>
+          <a:blip r:embed="rId3"/>
           <a:stretch>
             <a:fillRect/>
           </a:stretch>
@@ -4024,8 +4488,8 @@
         </p:nvSpPr>
         <p:spPr>
           <a:xfrm>
-            <a:off x="0" y="6478617"/>
-            <a:ext cx="11569566" cy="369332"/>
+            <a:off x="9795310" y="6446925"/>
+            <a:ext cx="2396690" cy="379383"/>
           </a:xfrm>
           <a:prstGeom prst="rect">
             <a:avLst/>
@@ -4040,7 +4504,7 @@
           <a:p>
             <a:r>
               <a:rPr lang="en-US" dirty="0">
-                <a:hlinkClick r:id="rId3"/>
+                <a:hlinkClick r:id="rId4"/>
               </a:rPr>
               <a:t>https://docs.pymc.io/</a:t>
             </a:r>
@@ -4058,10 +4522,239 @@
   <p:clrMapOvr>
     <a:masterClrMapping/>
   </p:clrMapOvr>
+  <p:timing>
+    <p:tnLst>
+      <p:par>
+        <p:cTn id="1" dur="indefinite" restart="never" nodeType="tmRoot">
+          <p:childTnLst>
+            <p:seq concurrent="1" nextAc="seek">
+              <p:cTn id="2" dur="indefinite" nodeType="mainSeq">
+                <p:childTnLst>
+                  <p:par>
+                    <p:cTn id="3" fill="hold">
+                      <p:stCondLst>
+                        <p:cond delay="indefinite"/>
+                      </p:stCondLst>
+                      <p:childTnLst>
+                        <p:par>
+                          <p:cTn id="4" fill="hold">
+                            <p:stCondLst>
+                              <p:cond delay="0"/>
+                            </p:stCondLst>
+                            <p:childTnLst>
+                              <p:par>
+                                <p:cTn id="5" presetID="1" presetClass="entr" presetSubtype="0" fill="hold" grpId="0" nodeType="clickEffect">
+                                  <p:stCondLst>
+                                    <p:cond delay="0"/>
+                                  </p:stCondLst>
+                                  <p:childTnLst>
+                                    <p:set>
+                                      <p:cBhvr>
+                                        <p:cTn id="6" dur="1" fill="hold">
+                                          <p:stCondLst>
+                                            <p:cond delay="0"/>
+                                          </p:stCondLst>
+                                        </p:cTn>
+                                        <p:tgtEl>
+                                          <p:spTgt spid="3">
+                                            <p:txEl>
+                                              <p:pRg st="0" end="0"/>
+                                            </p:txEl>
+                                          </p:spTgt>
+                                        </p:tgtEl>
+                                        <p:attrNameLst>
+                                          <p:attrName>style.visibility</p:attrName>
+                                        </p:attrNameLst>
+                                      </p:cBhvr>
+                                      <p:to>
+                                        <p:strVal val="visible"/>
+                                      </p:to>
+                                    </p:set>
+                                  </p:childTnLst>
+                                </p:cTn>
+                              </p:par>
+                            </p:childTnLst>
+                          </p:cTn>
+                        </p:par>
+                      </p:childTnLst>
+                    </p:cTn>
+                  </p:par>
+                  <p:par>
+                    <p:cTn id="7" fill="hold">
+                      <p:stCondLst>
+                        <p:cond delay="indefinite"/>
+                      </p:stCondLst>
+                      <p:childTnLst>
+                        <p:par>
+                          <p:cTn id="8" fill="hold">
+                            <p:stCondLst>
+                              <p:cond delay="0"/>
+                            </p:stCondLst>
+                            <p:childTnLst>
+                              <p:par>
+                                <p:cTn id="9" presetID="1" presetClass="entr" presetSubtype="0" fill="hold" grpId="0" nodeType="clickEffect">
+                                  <p:stCondLst>
+                                    <p:cond delay="0"/>
+                                  </p:stCondLst>
+                                  <p:childTnLst>
+                                    <p:set>
+                                      <p:cBhvr>
+                                        <p:cTn id="10" dur="1" fill="hold">
+                                          <p:stCondLst>
+                                            <p:cond delay="0"/>
+                                          </p:stCondLst>
+                                        </p:cTn>
+                                        <p:tgtEl>
+                                          <p:spTgt spid="3">
+                                            <p:txEl>
+                                              <p:pRg st="1" end="1"/>
+                                            </p:txEl>
+                                          </p:spTgt>
+                                        </p:tgtEl>
+                                        <p:attrNameLst>
+                                          <p:attrName>style.visibility</p:attrName>
+                                        </p:attrNameLst>
+                                      </p:cBhvr>
+                                      <p:to>
+                                        <p:strVal val="visible"/>
+                                      </p:to>
+                                    </p:set>
+                                  </p:childTnLst>
+                                </p:cTn>
+                              </p:par>
+                            </p:childTnLst>
+                          </p:cTn>
+                        </p:par>
+                      </p:childTnLst>
+                    </p:cTn>
+                  </p:par>
+                  <p:par>
+                    <p:cTn id="11" fill="hold">
+                      <p:stCondLst>
+                        <p:cond delay="indefinite"/>
+                      </p:stCondLst>
+                      <p:childTnLst>
+                        <p:par>
+                          <p:cTn id="12" fill="hold">
+                            <p:stCondLst>
+                              <p:cond delay="0"/>
+                            </p:stCondLst>
+                            <p:childTnLst>
+                              <p:par>
+                                <p:cTn id="13" presetID="1" presetClass="entr" presetSubtype="0" fill="hold" grpId="0" nodeType="clickEffect">
+                                  <p:stCondLst>
+                                    <p:cond delay="0"/>
+                                  </p:stCondLst>
+                                  <p:childTnLst>
+                                    <p:set>
+                                      <p:cBhvr>
+                                        <p:cTn id="14" dur="1" fill="hold">
+                                          <p:stCondLst>
+                                            <p:cond delay="0"/>
+                                          </p:stCondLst>
+                                        </p:cTn>
+                                        <p:tgtEl>
+                                          <p:spTgt spid="3">
+                                            <p:txEl>
+                                              <p:pRg st="2" end="2"/>
+                                            </p:txEl>
+                                          </p:spTgt>
+                                        </p:tgtEl>
+                                        <p:attrNameLst>
+                                          <p:attrName>style.visibility</p:attrName>
+                                        </p:attrNameLst>
+                                      </p:cBhvr>
+                                      <p:to>
+                                        <p:strVal val="visible"/>
+                                      </p:to>
+                                    </p:set>
+                                  </p:childTnLst>
+                                </p:cTn>
+                              </p:par>
+                            </p:childTnLst>
+                          </p:cTn>
+                        </p:par>
+                      </p:childTnLst>
+                    </p:cTn>
+                  </p:par>
+                  <p:par>
+                    <p:cTn id="15" fill="hold">
+                      <p:stCondLst>
+                        <p:cond delay="indefinite"/>
+                      </p:stCondLst>
+                      <p:childTnLst>
+                        <p:par>
+                          <p:cTn id="16" fill="hold">
+                            <p:stCondLst>
+                              <p:cond delay="0"/>
+                            </p:stCondLst>
+                            <p:childTnLst>
+                              <p:par>
+                                <p:cTn id="17" presetID="1" presetClass="entr" presetSubtype="0" fill="hold" grpId="0" nodeType="clickEffect">
+                                  <p:stCondLst>
+                                    <p:cond delay="0"/>
+                                  </p:stCondLst>
+                                  <p:childTnLst>
+                                    <p:set>
+                                      <p:cBhvr>
+                                        <p:cTn id="18" dur="1" fill="hold">
+                                          <p:stCondLst>
+                                            <p:cond delay="0"/>
+                                          </p:stCondLst>
+                                        </p:cTn>
+                                        <p:tgtEl>
+                                          <p:spTgt spid="3">
+                                            <p:txEl>
+                                              <p:pRg st="3" end="3"/>
+                                            </p:txEl>
+                                          </p:spTgt>
+                                        </p:tgtEl>
+                                        <p:attrNameLst>
+                                          <p:attrName>style.visibility</p:attrName>
+                                        </p:attrNameLst>
+                                      </p:cBhvr>
+                                      <p:to>
+                                        <p:strVal val="visible"/>
+                                      </p:to>
+                                    </p:set>
+                                  </p:childTnLst>
+                                </p:cTn>
+                              </p:par>
+                            </p:childTnLst>
+                          </p:cTn>
+                        </p:par>
+                      </p:childTnLst>
+                    </p:cTn>
+                  </p:par>
+                </p:childTnLst>
+              </p:cTn>
+              <p:prevCondLst>
+                <p:cond evt="onPrev" delay="0">
+                  <p:tgtEl>
+                    <p:sldTgt/>
+                  </p:tgtEl>
+                </p:cond>
+              </p:prevCondLst>
+              <p:nextCondLst>
+                <p:cond evt="onNext" delay="0">
+                  <p:tgtEl>
+                    <p:sldTgt/>
+                  </p:tgtEl>
+                </p:cond>
+              </p:nextCondLst>
+            </p:seq>
+          </p:childTnLst>
+        </p:cTn>
+      </p:par>
+    </p:tnLst>
+    <p:bldLst>
+      <p:bldP spid="3" grpId="0" build="p"/>
+    </p:bldLst>
+  </p:timing>
 </p:sld>
 </file>
 
-<file path=ppt/slides/slide13.xml><?xml version="1.0" encoding="utf-8"?>
+<file path=ppt/slides/slide12.xml><?xml version="1.0" encoding="utf-8"?>
 <p:sld xmlns:a="http://schemas.openxmlformats.org/drawingml/2006/main" xmlns:r="http://schemas.openxmlformats.org/officeDocument/2006/relationships" xmlns:p="http://schemas.openxmlformats.org/presentationml/2006/main">
   <p:cSld>
     <p:spTree>
@@ -4105,7 +4798,7 @@
           <a:lstStyle/>
           <a:p>
             <a:r>
-              <a:rPr lang="en-US" dirty="0"/>
+              <a:rPr lang="en-US" b="1" dirty="0"/>
               <a:t>Clustering and probability density estimation</a:t>
             </a:r>
           </a:p>
@@ -4231,10 +4924,435 @@
   <p:clrMapOvr>
     <a:masterClrMapping/>
   </p:clrMapOvr>
+  <p:timing>
+    <p:tnLst>
+      <p:par>
+        <p:cTn id="1" dur="indefinite" restart="never" nodeType="tmRoot">
+          <p:childTnLst>
+            <p:seq concurrent="1" nextAc="seek">
+              <p:cTn id="2" dur="indefinite" nodeType="mainSeq">
+                <p:childTnLst>
+                  <p:par>
+                    <p:cTn id="3" fill="hold">
+                      <p:stCondLst>
+                        <p:cond delay="indefinite"/>
+                      </p:stCondLst>
+                      <p:childTnLst>
+                        <p:par>
+                          <p:cTn id="4" fill="hold">
+                            <p:stCondLst>
+                              <p:cond delay="0"/>
+                            </p:stCondLst>
+                            <p:childTnLst>
+                              <p:par>
+                                <p:cTn id="5" presetID="1" presetClass="entr" presetSubtype="0" fill="hold" grpId="0" nodeType="clickEffect">
+                                  <p:stCondLst>
+                                    <p:cond delay="0"/>
+                                  </p:stCondLst>
+                                  <p:childTnLst>
+                                    <p:set>
+                                      <p:cBhvr>
+                                        <p:cTn id="6" dur="1" fill="hold">
+                                          <p:stCondLst>
+                                            <p:cond delay="0"/>
+                                          </p:stCondLst>
+                                        </p:cTn>
+                                        <p:tgtEl>
+                                          <p:spTgt spid="3">
+                                            <p:txEl>
+                                              <p:pRg st="0" end="0"/>
+                                            </p:txEl>
+                                          </p:spTgt>
+                                        </p:tgtEl>
+                                        <p:attrNameLst>
+                                          <p:attrName>style.visibility</p:attrName>
+                                        </p:attrNameLst>
+                                      </p:cBhvr>
+                                      <p:to>
+                                        <p:strVal val="visible"/>
+                                      </p:to>
+                                    </p:set>
+                                  </p:childTnLst>
+                                </p:cTn>
+                              </p:par>
+                            </p:childTnLst>
+                          </p:cTn>
+                        </p:par>
+                      </p:childTnLst>
+                    </p:cTn>
+                  </p:par>
+                  <p:par>
+                    <p:cTn id="7" fill="hold">
+                      <p:stCondLst>
+                        <p:cond delay="indefinite"/>
+                      </p:stCondLst>
+                      <p:childTnLst>
+                        <p:par>
+                          <p:cTn id="8" fill="hold">
+                            <p:stCondLst>
+                              <p:cond delay="0"/>
+                            </p:stCondLst>
+                            <p:childTnLst>
+                              <p:par>
+                                <p:cTn id="9" presetID="1" presetClass="entr" presetSubtype="0" fill="hold" grpId="0" nodeType="clickEffect">
+                                  <p:stCondLst>
+                                    <p:cond delay="0"/>
+                                  </p:stCondLst>
+                                  <p:childTnLst>
+                                    <p:set>
+                                      <p:cBhvr>
+                                        <p:cTn id="10" dur="1" fill="hold">
+                                          <p:stCondLst>
+                                            <p:cond delay="0"/>
+                                          </p:stCondLst>
+                                        </p:cTn>
+                                        <p:tgtEl>
+                                          <p:spTgt spid="3">
+                                            <p:txEl>
+                                              <p:pRg st="1" end="1"/>
+                                            </p:txEl>
+                                          </p:spTgt>
+                                        </p:tgtEl>
+                                        <p:attrNameLst>
+                                          <p:attrName>style.visibility</p:attrName>
+                                        </p:attrNameLst>
+                                      </p:cBhvr>
+                                      <p:to>
+                                        <p:strVal val="visible"/>
+                                      </p:to>
+                                    </p:set>
+                                  </p:childTnLst>
+                                </p:cTn>
+                              </p:par>
+                            </p:childTnLst>
+                          </p:cTn>
+                        </p:par>
+                      </p:childTnLst>
+                    </p:cTn>
+                  </p:par>
+                  <p:par>
+                    <p:cTn id="11" fill="hold">
+                      <p:stCondLst>
+                        <p:cond delay="indefinite"/>
+                      </p:stCondLst>
+                      <p:childTnLst>
+                        <p:par>
+                          <p:cTn id="12" fill="hold">
+                            <p:stCondLst>
+                              <p:cond delay="0"/>
+                            </p:stCondLst>
+                            <p:childTnLst>
+                              <p:par>
+                                <p:cTn id="13" presetID="1" presetClass="entr" presetSubtype="0" fill="hold" grpId="0" nodeType="clickEffect">
+                                  <p:stCondLst>
+                                    <p:cond delay="0"/>
+                                  </p:stCondLst>
+                                  <p:childTnLst>
+                                    <p:set>
+                                      <p:cBhvr>
+                                        <p:cTn id="14" dur="1" fill="hold">
+                                          <p:stCondLst>
+                                            <p:cond delay="0"/>
+                                          </p:stCondLst>
+                                        </p:cTn>
+                                        <p:tgtEl>
+                                          <p:spTgt spid="3">
+                                            <p:txEl>
+                                              <p:pRg st="2" end="2"/>
+                                            </p:txEl>
+                                          </p:spTgt>
+                                        </p:tgtEl>
+                                        <p:attrNameLst>
+                                          <p:attrName>style.visibility</p:attrName>
+                                        </p:attrNameLst>
+                                      </p:cBhvr>
+                                      <p:to>
+                                        <p:strVal val="visible"/>
+                                      </p:to>
+                                    </p:set>
+                                  </p:childTnLst>
+                                </p:cTn>
+                              </p:par>
+                            </p:childTnLst>
+                          </p:cTn>
+                        </p:par>
+                      </p:childTnLst>
+                    </p:cTn>
+                  </p:par>
+                  <p:par>
+                    <p:cTn id="15" fill="hold">
+                      <p:stCondLst>
+                        <p:cond delay="indefinite"/>
+                      </p:stCondLst>
+                      <p:childTnLst>
+                        <p:par>
+                          <p:cTn id="16" fill="hold">
+                            <p:stCondLst>
+                              <p:cond delay="0"/>
+                            </p:stCondLst>
+                            <p:childTnLst>
+                              <p:par>
+                                <p:cTn id="17" presetID="1" presetClass="entr" presetSubtype="0" fill="hold" grpId="0" nodeType="clickEffect">
+                                  <p:stCondLst>
+                                    <p:cond delay="0"/>
+                                  </p:stCondLst>
+                                  <p:childTnLst>
+                                    <p:set>
+                                      <p:cBhvr>
+                                        <p:cTn id="18" dur="1" fill="hold">
+                                          <p:stCondLst>
+                                            <p:cond delay="0"/>
+                                          </p:stCondLst>
+                                        </p:cTn>
+                                        <p:tgtEl>
+                                          <p:spTgt spid="3">
+                                            <p:txEl>
+                                              <p:pRg st="3" end="3"/>
+                                            </p:txEl>
+                                          </p:spTgt>
+                                        </p:tgtEl>
+                                        <p:attrNameLst>
+                                          <p:attrName>style.visibility</p:attrName>
+                                        </p:attrNameLst>
+                                      </p:cBhvr>
+                                      <p:to>
+                                        <p:strVal val="visible"/>
+                                      </p:to>
+                                    </p:set>
+                                  </p:childTnLst>
+                                </p:cTn>
+                              </p:par>
+                            </p:childTnLst>
+                          </p:cTn>
+                        </p:par>
+                      </p:childTnLst>
+                    </p:cTn>
+                  </p:par>
+                  <p:par>
+                    <p:cTn id="19" fill="hold">
+                      <p:stCondLst>
+                        <p:cond delay="indefinite"/>
+                      </p:stCondLst>
+                      <p:childTnLst>
+                        <p:par>
+                          <p:cTn id="20" fill="hold">
+                            <p:stCondLst>
+                              <p:cond delay="0"/>
+                            </p:stCondLst>
+                            <p:childTnLst>
+                              <p:par>
+                                <p:cTn id="21" presetID="1" presetClass="entr" presetSubtype="0" fill="hold" grpId="0" nodeType="clickEffect">
+                                  <p:stCondLst>
+                                    <p:cond delay="0"/>
+                                  </p:stCondLst>
+                                  <p:childTnLst>
+                                    <p:set>
+                                      <p:cBhvr>
+                                        <p:cTn id="22" dur="1" fill="hold">
+                                          <p:stCondLst>
+                                            <p:cond delay="0"/>
+                                          </p:stCondLst>
+                                        </p:cTn>
+                                        <p:tgtEl>
+                                          <p:spTgt spid="3">
+                                            <p:txEl>
+                                              <p:pRg st="4" end="4"/>
+                                            </p:txEl>
+                                          </p:spTgt>
+                                        </p:tgtEl>
+                                        <p:attrNameLst>
+                                          <p:attrName>style.visibility</p:attrName>
+                                        </p:attrNameLst>
+                                      </p:cBhvr>
+                                      <p:to>
+                                        <p:strVal val="visible"/>
+                                      </p:to>
+                                    </p:set>
+                                  </p:childTnLst>
+                                </p:cTn>
+                              </p:par>
+                            </p:childTnLst>
+                          </p:cTn>
+                        </p:par>
+                      </p:childTnLst>
+                    </p:cTn>
+                  </p:par>
+                  <p:par>
+                    <p:cTn id="23" fill="hold">
+                      <p:stCondLst>
+                        <p:cond delay="indefinite"/>
+                      </p:stCondLst>
+                      <p:childTnLst>
+                        <p:par>
+                          <p:cTn id="24" fill="hold">
+                            <p:stCondLst>
+                              <p:cond delay="0"/>
+                            </p:stCondLst>
+                            <p:childTnLst>
+                              <p:par>
+                                <p:cTn id="25" presetID="1" presetClass="entr" presetSubtype="0" fill="hold" grpId="0" nodeType="clickEffect">
+                                  <p:stCondLst>
+                                    <p:cond delay="0"/>
+                                  </p:stCondLst>
+                                  <p:childTnLst>
+                                    <p:set>
+                                      <p:cBhvr>
+                                        <p:cTn id="26" dur="1" fill="hold">
+                                          <p:stCondLst>
+                                            <p:cond delay="0"/>
+                                          </p:stCondLst>
+                                        </p:cTn>
+                                        <p:tgtEl>
+                                          <p:spTgt spid="3">
+                                            <p:txEl>
+                                              <p:pRg st="5" end="5"/>
+                                            </p:txEl>
+                                          </p:spTgt>
+                                        </p:tgtEl>
+                                        <p:attrNameLst>
+                                          <p:attrName>style.visibility</p:attrName>
+                                        </p:attrNameLst>
+                                      </p:cBhvr>
+                                      <p:to>
+                                        <p:strVal val="visible"/>
+                                      </p:to>
+                                    </p:set>
+                                  </p:childTnLst>
+                                </p:cTn>
+                              </p:par>
+                            </p:childTnLst>
+                          </p:cTn>
+                        </p:par>
+                      </p:childTnLst>
+                    </p:cTn>
+                  </p:par>
+                  <p:par>
+                    <p:cTn id="27" fill="hold">
+                      <p:stCondLst>
+                        <p:cond delay="indefinite"/>
+                      </p:stCondLst>
+                      <p:childTnLst>
+                        <p:par>
+                          <p:cTn id="28" fill="hold">
+                            <p:stCondLst>
+                              <p:cond delay="0"/>
+                            </p:stCondLst>
+                            <p:childTnLst>
+                              <p:par>
+                                <p:cTn id="29" presetID="1" presetClass="entr" presetSubtype="0" fill="hold" grpId="0" nodeType="clickEffect">
+                                  <p:stCondLst>
+                                    <p:cond delay="0"/>
+                                  </p:stCondLst>
+                                  <p:childTnLst>
+                                    <p:set>
+                                      <p:cBhvr>
+                                        <p:cTn id="30" dur="1" fill="hold">
+                                          <p:stCondLst>
+                                            <p:cond delay="0"/>
+                                          </p:stCondLst>
+                                        </p:cTn>
+                                        <p:tgtEl>
+                                          <p:spTgt spid="3">
+                                            <p:txEl>
+                                              <p:pRg st="6" end="6"/>
+                                            </p:txEl>
+                                          </p:spTgt>
+                                        </p:tgtEl>
+                                        <p:attrNameLst>
+                                          <p:attrName>style.visibility</p:attrName>
+                                        </p:attrNameLst>
+                                      </p:cBhvr>
+                                      <p:to>
+                                        <p:strVal val="visible"/>
+                                      </p:to>
+                                    </p:set>
+                                  </p:childTnLst>
+                                </p:cTn>
+                              </p:par>
+                            </p:childTnLst>
+                          </p:cTn>
+                        </p:par>
+                      </p:childTnLst>
+                    </p:cTn>
+                  </p:par>
+                  <p:par>
+                    <p:cTn id="31" fill="hold">
+                      <p:stCondLst>
+                        <p:cond delay="indefinite"/>
+                      </p:stCondLst>
+                      <p:childTnLst>
+                        <p:par>
+                          <p:cTn id="32" fill="hold">
+                            <p:stCondLst>
+                              <p:cond delay="0"/>
+                            </p:stCondLst>
+                            <p:childTnLst>
+                              <p:par>
+                                <p:cTn id="33" presetID="1" presetClass="entr" presetSubtype="0" fill="hold" grpId="0" nodeType="clickEffect">
+                                  <p:stCondLst>
+                                    <p:cond delay="0"/>
+                                  </p:stCondLst>
+                                  <p:childTnLst>
+                                    <p:set>
+                                      <p:cBhvr>
+                                        <p:cTn id="34" dur="1" fill="hold">
+                                          <p:stCondLst>
+                                            <p:cond delay="0"/>
+                                          </p:stCondLst>
+                                        </p:cTn>
+                                        <p:tgtEl>
+                                          <p:spTgt spid="3">
+                                            <p:txEl>
+                                              <p:pRg st="7" end="7"/>
+                                            </p:txEl>
+                                          </p:spTgt>
+                                        </p:tgtEl>
+                                        <p:attrNameLst>
+                                          <p:attrName>style.visibility</p:attrName>
+                                        </p:attrNameLst>
+                                      </p:cBhvr>
+                                      <p:to>
+                                        <p:strVal val="visible"/>
+                                      </p:to>
+                                    </p:set>
+                                  </p:childTnLst>
+                                </p:cTn>
+                              </p:par>
+                            </p:childTnLst>
+                          </p:cTn>
+                        </p:par>
+                      </p:childTnLst>
+                    </p:cTn>
+                  </p:par>
+                </p:childTnLst>
+              </p:cTn>
+              <p:prevCondLst>
+                <p:cond evt="onPrev" delay="0">
+                  <p:tgtEl>
+                    <p:sldTgt/>
+                  </p:tgtEl>
+                </p:cond>
+              </p:prevCondLst>
+              <p:nextCondLst>
+                <p:cond evt="onNext" delay="0">
+                  <p:tgtEl>
+                    <p:sldTgt/>
+                  </p:tgtEl>
+                </p:cond>
+              </p:nextCondLst>
+            </p:seq>
+          </p:childTnLst>
+        </p:cTn>
+      </p:par>
+    </p:tnLst>
+    <p:bldLst>
+      <p:bldP spid="3" grpId="0" build="p"/>
+    </p:bldLst>
+  </p:timing>
 </p:sld>
 </file>
 
-<file path=ppt/slides/slide14.xml><?xml version="1.0" encoding="utf-8"?>
+<file path=ppt/slides/slide13.xml><?xml version="1.0" encoding="utf-8"?>
 <p:sld xmlns:a="http://schemas.openxmlformats.org/drawingml/2006/main" xmlns:r="http://schemas.openxmlformats.org/officeDocument/2006/relationships" xmlns:p="http://schemas.openxmlformats.org/presentationml/2006/main">
   <p:cSld>
     <p:spTree>
@@ -4363,10 +5481,386 @@
   <p:clrMapOvr>
     <a:masterClrMapping/>
   </p:clrMapOvr>
+  <p:timing>
+    <p:tnLst>
+      <p:par>
+        <p:cTn id="1" dur="indefinite" restart="never" nodeType="tmRoot">
+          <p:childTnLst>
+            <p:seq concurrent="1" nextAc="seek">
+              <p:cTn id="2" dur="indefinite" nodeType="mainSeq">
+                <p:childTnLst>
+                  <p:par>
+                    <p:cTn id="3" fill="hold">
+                      <p:stCondLst>
+                        <p:cond delay="indefinite"/>
+                      </p:stCondLst>
+                      <p:childTnLst>
+                        <p:par>
+                          <p:cTn id="4" fill="hold">
+                            <p:stCondLst>
+                              <p:cond delay="0"/>
+                            </p:stCondLst>
+                            <p:childTnLst>
+                              <p:par>
+                                <p:cTn id="5" presetID="1" presetClass="entr" presetSubtype="0" fill="hold" grpId="0" nodeType="clickEffect">
+                                  <p:stCondLst>
+                                    <p:cond delay="0"/>
+                                  </p:stCondLst>
+                                  <p:childTnLst>
+                                    <p:set>
+                                      <p:cBhvr>
+                                        <p:cTn id="6" dur="1" fill="hold">
+                                          <p:stCondLst>
+                                            <p:cond delay="0"/>
+                                          </p:stCondLst>
+                                        </p:cTn>
+                                        <p:tgtEl>
+                                          <p:spTgt spid="3">
+                                            <p:txEl>
+                                              <p:pRg st="0" end="0"/>
+                                            </p:txEl>
+                                          </p:spTgt>
+                                        </p:tgtEl>
+                                        <p:attrNameLst>
+                                          <p:attrName>style.visibility</p:attrName>
+                                        </p:attrNameLst>
+                                      </p:cBhvr>
+                                      <p:to>
+                                        <p:strVal val="visible"/>
+                                      </p:to>
+                                    </p:set>
+                                  </p:childTnLst>
+                                </p:cTn>
+                              </p:par>
+                            </p:childTnLst>
+                          </p:cTn>
+                        </p:par>
+                      </p:childTnLst>
+                    </p:cTn>
+                  </p:par>
+                  <p:par>
+                    <p:cTn id="7" fill="hold">
+                      <p:stCondLst>
+                        <p:cond delay="indefinite"/>
+                      </p:stCondLst>
+                      <p:childTnLst>
+                        <p:par>
+                          <p:cTn id="8" fill="hold">
+                            <p:stCondLst>
+                              <p:cond delay="0"/>
+                            </p:stCondLst>
+                            <p:childTnLst>
+                              <p:par>
+                                <p:cTn id="9" presetID="1" presetClass="entr" presetSubtype="0" fill="hold" grpId="0" nodeType="clickEffect">
+                                  <p:stCondLst>
+                                    <p:cond delay="0"/>
+                                  </p:stCondLst>
+                                  <p:childTnLst>
+                                    <p:set>
+                                      <p:cBhvr>
+                                        <p:cTn id="10" dur="1" fill="hold">
+                                          <p:stCondLst>
+                                            <p:cond delay="0"/>
+                                          </p:stCondLst>
+                                        </p:cTn>
+                                        <p:tgtEl>
+                                          <p:spTgt spid="3">
+                                            <p:txEl>
+                                              <p:pRg st="1" end="1"/>
+                                            </p:txEl>
+                                          </p:spTgt>
+                                        </p:tgtEl>
+                                        <p:attrNameLst>
+                                          <p:attrName>style.visibility</p:attrName>
+                                        </p:attrNameLst>
+                                      </p:cBhvr>
+                                      <p:to>
+                                        <p:strVal val="visible"/>
+                                      </p:to>
+                                    </p:set>
+                                  </p:childTnLst>
+                                </p:cTn>
+                              </p:par>
+                            </p:childTnLst>
+                          </p:cTn>
+                        </p:par>
+                      </p:childTnLst>
+                    </p:cTn>
+                  </p:par>
+                  <p:par>
+                    <p:cTn id="11" fill="hold">
+                      <p:stCondLst>
+                        <p:cond delay="indefinite"/>
+                      </p:stCondLst>
+                      <p:childTnLst>
+                        <p:par>
+                          <p:cTn id="12" fill="hold">
+                            <p:stCondLst>
+                              <p:cond delay="0"/>
+                            </p:stCondLst>
+                            <p:childTnLst>
+                              <p:par>
+                                <p:cTn id="13" presetID="1" presetClass="entr" presetSubtype="0" fill="hold" grpId="0" nodeType="clickEffect">
+                                  <p:stCondLst>
+                                    <p:cond delay="0"/>
+                                  </p:stCondLst>
+                                  <p:childTnLst>
+                                    <p:set>
+                                      <p:cBhvr>
+                                        <p:cTn id="14" dur="1" fill="hold">
+                                          <p:stCondLst>
+                                            <p:cond delay="0"/>
+                                          </p:stCondLst>
+                                        </p:cTn>
+                                        <p:tgtEl>
+                                          <p:spTgt spid="3">
+                                            <p:txEl>
+                                              <p:pRg st="2" end="2"/>
+                                            </p:txEl>
+                                          </p:spTgt>
+                                        </p:tgtEl>
+                                        <p:attrNameLst>
+                                          <p:attrName>style.visibility</p:attrName>
+                                        </p:attrNameLst>
+                                      </p:cBhvr>
+                                      <p:to>
+                                        <p:strVal val="visible"/>
+                                      </p:to>
+                                    </p:set>
+                                  </p:childTnLst>
+                                </p:cTn>
+                              </p:par>
+                            </p:childTnLst>
+                          </p:cTn>
+                        </p:par>
+                      </p:childTnLst>
+                    </p:cTn>
+                  </p:par>
+                  <p:par>
+                    <p:cTn id="15" fill="hold">
+                      <p:stCondLst>
+                        <p:cond delay="indefinite"/>
+                      </p:stCondLst>
+                      <p:childTnLst>
+                        <p:par>
+                          <p:cTn id="16" fill="hold">
+                            <p:stCondLst>
+                              <p:cond delay="0"/>
+                            </p:stCondLst>
+                            <p:childTnLst>
+                              <p:par>
+                                <p:cTn id="17" presetID="1" presetClass="entr" presetSubtype="0" fill="hold" grpId="0" nodeType="clickEffect">
+                                  <p:stCondLst>
+                                    <p:cond delay="0"/>
+                                  </p:stCondLst>
+                                  <p:childTnLst>
+                                    <p:set>
+                                      <p:cBhvr>
+                                        <p:cTn id="18" dur="1" fill="hold">
+                                          <p:stCondLst>
+                                            <p:cond delay="0"/>
+                                          </p:stCondLst>
+                                        </p:cTn>
+                                        <p:tgtEl>
+                                          <p:spTgt spid="3">
+                                            <p:txEl>
+                                              <p:pRg st="3" end="3"/>
+                                            </p:txEl>
+                                          </p:spTgt>
+                                        </p:tgtEl>
+                                        <p:attrNameLst>
+                                          <p:attrName>style.visibility</p:attrName>
+                                        </p:attrNameLst>
+                                      </p:cBhvr>
+                                      <p:to>
+                                        <p:strVal val="visible"/>
+                                      </p:to>
+                                    </p:set>
+                                  </p:childTnLst>
+                                </p:cTn>
+                              </p:par>
+                            </p:childTnLst>
+                          </p:cTn>
+                        </p:par>
+                      </p:childTnLst>
+                    </p:cTn>
+                  </p:par>
+                  <p:par>
+                    <p:cTn id="19" fill="hold">
+                      <p:stCondLst>
+                        <p:cond delay="indefinite"/>
+                      </p:stCondLst>
+                      <p:childTnLst>
+                        <p:par>
+                          <p:cTn id="20" fill="hold">
+                            <p:stCondLst>
+                              <p:cond delay="0"/>
+                            </p:stCondLst>
+                            <p:childTnLst>
+                              <p:par>
+                                <p:cTn id="21" presetID="1" presetClass="entr" presetSubtype="0" fill="hold" grpId="0" nodeType="clickEffect">
+                                  <p:stCondLst>
+                                    <p:cond delay="0"/>
+                                  </p:stCondLst>
+                                  <p:childTnLst>
+                                    <p:set>
+                                      <p:cBhvr>
+                                        <p:cTn id="22" dur="1" fill="hold">
+                                          <p:stCondLst>
+                                            <p:cond delay="0"/>
+                                          </p:stCondLst>
+                                        </p:cTn>
+                                        <p:tgtEl>
+                                          <p:spTgt spid="3">
+                                            <p:txEl>
+                                              <p:pRg st="4" end="4"/>
+                                            </p:txEl>
+                                          </p:spTgt>
+                                        </p:tgtEl>
+                                        <p:attrNameLst>
+                                          <p:attrName>style.visibility</p:attrName>
+                                        </p:attrNameLst>
+                                      </p:cBhvr>
+                                      <p:to>
+                                        <p:strVal val="visible"/>
+                                      </p:to>
+                                    </p:set>
+                                  </p:childTnLst>
+                                </p:cTn>
+                              </p:par>
+                            </p:childTnLst>
+                          </p:cTn>
+                        </p:par>
+                      </p:childTnLst>
+                    </p:cTn>
+                  </p:par>
+                  <p:par>
+                    <p:cTn id="23" fill="hold">
+                      <p:stCondLst>
+                        <p:cond delay="indefinite"/>
+                      </p:stCondLst>
+                      <p:childTnLst>
+                        <p:par>
+                          <p:cTn id="24" fill="hold">
+                            <p:stCondLst>
+                              <p:cond delay="0"/>
+                            </p:stCondLst>
+                            <p:childTnLst>
+                              <p:par>
+                                <p:cTn id="25" presetID="1" presetClass="entr" presetSubtype="0" fill="hold" grpId="0" nodeType="clickEffect">
+                                  <p:stCondLst>
+                                    <p:cond delay="0"/>
+                                  </p:stCondLst>
+                                  <p:childTnLst>
+                                    <p:set>
+                                      <p:cBhvr>
+                                        <p:cTn id="26" dur="1" fill="hold">
+                                          <p:stCondLst>
+                                            <p:cond delay="0"/>
+                                          </p:stCondLst>
+                                        </p:cTn>
+                                        <p:tgtEl>
+                                          <p:spTgt spid="3">
+                                            <p:txEl>
+                                              <p:pRg st="5" end="5"/>
+                                            </p:txEl>
+                                          </p:spTgt>
+                                        </p:tgtEl>
+                                        <p:attrNameLst>
+                                          <p:attrName>style.visibility</p:attrName>
+                                        </p:attrNameLst>
+                                      </p:cBhvr>
+                                      <p:to>
+                                        <p:strVal val="visible"/>
+                                      </p:to>
+                                    </p:set>
+                                  </p:childTnLst>
+                                </p:cTn>
+                              </p:par>
+                            </p:childTnLst>
+                          </p:cTn>
+                        </p:par>
+                      </p:childTnLst>
+                    </p:cTn>
+                  </p:par>
+                  <p:par>
+                    <p:cTn id="27" fill="hold">
+                      <p:stCondLst>
+                        <p:cond delay="indefinite"/>
+                      </p:stCondLst>
+                      <p:childTnLst>
+                        <p:par>
+                          <p:cTn id="28" fill="hold">
+                            <p:stCondLst>
+                              <p:cond delay="0"/>
+                            </p:stCondLst>
+                            <p:childTnLst>
+                              <p:par>
+                                <p:cTn id="29" presetID="1" presetClass="entr" presetSubtype="0" fill="hold" grpId="0" nodeType="clickEffect">
+                                  <p:stCondLst>
+                                    <p:cond delay="0"/>
+                                  </p:stCondLst>
+                                  <p:childTnLst>
+                                    <p:set>
+                                      <p:cBhvr>
+                                        <p:cTn id="30" dur="1" fill="hold">
+                                          <p:stCondLst>
+                                            <p:cond delay="0"/>
+                                          </p:stCondLst>
+                                        </p:cTn>
+                                        <p:tgtEl>
+                                          <p:spTgt spid="3">
+                                            <p:txEl>
+                                              <p:pRg st="6" end="6"/>
+                                            </p:txEl>
+                                          </p:spTgt>
+                                        </p:tgtEl>
+                                        <p:attrNameLst>
+                                          <p:attrName>style.visibility</p:attrName>
+                                        </p:attrNameLst>
+                                      </p:cBhvr>
+                                      <p:to>
+                                        <p:strVal val="visible"/>
+                                      </p:to>
+                                    </p:set>
+                                  </p:childTnLst>
+                                </p:cTn>
+                              </p:par>
+                            </p:childTnLst>
+                          </p:cTn>
+                        </p:par>
+                      </p:childTnLst>
+                    </p:cTn>
+                  </p:par>
+                </p:childTnLst>
+              </p:cTn>
+              <p:prevCondLst>
+                <p:cond evt="onPrev" delay="0">
+                  <p:tgtEl>
+                    <p:sldTgt/>
+                  </p:tgtEl>
+                </p:cond>
+              </p:prevCondLst>
+              <p:nextCondLst>
+                <p:cond evt="onNext" delay="0">
+                  <p:tgtEl>
+                    <p:sldTgt/>
+                  </p:tgtEl>
+                </p:cond>
+              </p:nextCondLst>
+            </p:seq>
+          </p:childTnLst>
+        </p:cTn>
+      </p:par>
+    </p:tnLst>
+    <p:bldLst>
+      <p:bldP spid="3" grpId="0" build="p"/>
+    </p:bldLst>
+  </p:timing>
 </p:sld>
 </file>
 
-<file path=ppt/slides/slide15.xml><?xml version="1.0" encoding="utf-8"?>
+<file path=ppt/slides/slide14.xml><?xml version="1.0" encoding="utf-8"?>
 <p:sld xmlns:a="http://schemas.openxmlformats.org/drawingml/2006/main" xmlns:r="http://schemas.openxmlformats.org/officeDocument/2006/relationships" xmlns:p="http://schemas.openxmlformats.org/presentationml/2006/main">
   <p:cSld>
     <p:spTree>
@@ -4903,7 +6397,11 @@
                 </a14:m>
                 <a:r>
                   <a:rPr lang="en-US" dirty="0"/>
-                  <a:t>. This is the finite mixture problem</a:t>
+                  <a:t>. </a:t>
+                </a:r>
+                <a:r>
+                  <a:rPr lang="en-US" u="sng" dirty="0"/>
+                  <a:t>This is the finite mixture problem</a:t>
                 </a:r>
               </a:p>
             </p:txBody>
@@ -4993,10 +6491,190 @@
   <p:clrMapOvr>
     <a:masterClrMapping/>
   </p:clrMapOvr>
+  <p:timing>
+    <p:tnLst>
+      <p:par>
+        <p:cTn id="1" dur="indefinite" restart="never" nodeType="tmRoot">
+          <p:childTnLst>
+            <p:seq concurrent="1" nextAc="seek">
+              <p:cTn id="2" dur="indefinite" nodeType="mainSeq">
+                <p:childTnLst>
+                  <p:par>
+                    <p:cTn id="3" fill="hold">
+                      <p:stCondLst>
+                        <p:cond delay="indefinite"/>
+                      </p:stCondLst>
+                      <p:childTnLst>
+                        <p:par>
+                          <p:cTn id="4" fill="hold">
+                            <p:stCondLst>
+                              <p:cond delay="0"/>
+                            </p:stCondLst>
+                            <p:childTnLst>
+                              <p:par>
+                                <p:cTn id="5" presetID="1" presetClass="entr" presetSubtype="0" fill="hold" grpId="0" nodeType="clickEffect">
+                                  <p:stCondLst>
+                                    <p:cond delay="0"/>
+                                  </p:stCondLst>
+                                  <p:childTnLst>
+                                    <p:set>
+                                      <p:cBhvr>
+                                        <p:cTn id="6" dur="1" fill="hold">
+                                          <p:stCondLst>
+                                            <p:cond delay="0"/>
+                                          </p:stCondLst>
+                                        </p:cTn>
+                                        <p:tgtEl>
+                                          <p:spTgt spid="3">
+                                            <p:txEl>
+                                              <p:pRg st="0" end="0"/>
+                                            </p:txEl>
+                                          </p:spTgt>
+                                        </p:tgtEl>
+                                        <p:attrNameLst>
+                                          <p:attrName>style.visibility</p:attrName>
+                                        </p:attrNameLst>
+                                      </p:cBhvr>
+                                      <p:to>
+                                        <p:strVal val="visible"/>
+                                      </p:to>
+                                    </p:set>
+                                  </p:childTnLst>
+                                </p:cTn>
+                              </p:par>
+                            </p:childTnLst>
+                          </p:cTn>
+                        </p:par>
+                      </p:childTnLst>
+                    </p:cTn>
+                  </p:par>
+                  <p:par>
+                    <p:cTn id="7" fill="hold">
+                      <p:stCondLst>
+                        <p:cond delay="indefinite"/>
+                      </p:stCondLst>
+                      <p:childTnLst>
+                        <p:par>
+                          <p:cTn id="8" fill="hold">
+                            <p:stCondLst>
+                              <p:cond delay="0"/>
+                            </p:stCondLst>
+                            <p:childTnLst>
+                              <p:par>
+                                <p:cTn id="9" presetID="1" presetClass="entr" presetSubtype="0" fill="hold" grpId="0" nodeType="clickEffect">
+                                  <p:stCondLst>
+                                    <p:cond delay="0"/>
+                                  </p:stCondLst>
+                                  <p:childTnLst>
+                                    <p:set>
+                                      <p:cBhvr>
+                                        <p:cTn id="10" dur="1" fill="hold">
+                                          <p:stCondLst>
+                                            <p:cond delay="0"/>
+                                          </p:stCondLst>
+                                        </p:cTn>
+                                        <p:tgtEl>
+                                          <p:spTgt spid="3">
+                                            <p:txEl>
+                                              <p:pRg st="1" end="1"/>
+                                            </p:txEl>
+                                          </p:spTgt>
+                                        </p:tgtEl>
+                                        <p:attrNameLst>
+                                          <p:attrName>style.visibility</p:attrName>
+                                        </p:attrNameLst>
+                                      </p:cBhvr>
+                                      <p:to>
+                                        <p:strVal val="visible"/>
+                                      </p:to>
+                                    </p:set>
+                                  </p:childTnLst>
+                                </p:cTn>
+                              </p:par>
+                            </p:childTnLst>
+                          </p:cTn>
+                        </p:par>
+                      </p:childTnLst>
+                    </p:cTn>
+                  </p:par>
+                  <p:par>
+                    <p:cTn id="11" fill="hold">
+                      <p:stCondLst>
+                        <p:cond delay="indefinite"/>
+                      </p:stCondLst>
+                      <p:childTnLst>
+                        <p:par>
+                          <p:cTn id="12" fill="hold">
+                            <p:stCondLst>
+                              <p:cond delay="0"/>
+                            </p:stCondLst>
+                            <p:childTnLst>
+                              <p:par>
+                                <p:cTn id="13" presetID="1" presetClass="entr" presetSubtype="0" fill="hold" grpId="0" nodeType="clickEffect">
+                                  <p:stCondLst>
+                                    <p:cond delay="0"/>
+                                  </p:stCondLst>
+                                  <p:childTnLst>
+                                    <p:set>
+                                      <p:cBhvr>
+                                        <p:cTn id="14" dur="1" fill="hold">
+                                          <p:stCondLst>
+                                            <p:cond delay="0"/>
+                                          </p:stCondLst>
+                                        </p:cTn>
+                                        <p:tgtEl>
+                                          <p:spTgt spid="3">
+                                            <p:txEl>
+                                              <p:pRg st="2" end="2"/>
+                                            </p:txEl>
+                                          </p:spTgt>
+                                        </p:tgtEl>
+                                        <p:attrNameLst>
+                                          <p:attrName>style.visibility</p:attrName>
+                                        </p:attrNameLst>
+                                      </p:cBhvr>
+                                      <p:to>
+                                        <p:strVal val="visible"/>
+                                      </p:to>
+                                    </p:set>
+                                  </p:childTnLst>
+                                </p:cTn>
+                              </p:par>
+                            </p:childTnLst>
+                          </p:cTn>
+                        </p:par>
+                      </p:childTnLst>
+                    </p:cTn>
+                  </p:par>
+                </p:childTnLst>
+              </p:cTn>
+              <p:prevCondLst>
+                <p:cond evt="onPrev" delay="0">
+                  <p:tgtEl>
+                    <p:sldTgt/>
+                  </p:tgtEl>
+                </p:cond>
+              </p:prevCondLst>
+              <p:nextCondLst>
+                <p:cond evt="onNext" delay="0">
+                  <p:tgtEl>
+                    <p:sldTgt/>
+                  </p:tgtEl>
+                </p:cond>
+              </p:nextCondLst>
+            </p:seq>
+          </p:childTnLst>
+        </p:cTn>
+      </p:par>
+    </p:tnLst>
+    <p:bldLst>
+      <p:bldP spid="3" grpId="0" build="p"/>
+    </p:bldLst>
+  </p:timing>
 </p:sld>
 </file>
 
-<file path=ppt/slides/slide16.xml><?xml version="1.0" encoding="utf-8"?>
+<file path=ppt/slides/slide15.xml><?xml version="1.0" encoding="utf-8"?>
 <p:sld xmlns:a="http://schemas.openxmlformats.org/drawingml/2006/main" xmlns:r="http://schemas.openxmlformats.org/officeDocument/2006/relationships" xmlns:p="http://schemas.openxmlformats.org/presentationml/2006/main">
   <p:cSld>
     <p:spTree>
@@ -5082,7 +6760,7 @@
               <a:p>
                 <a:r>
                   <a:rPr lang="en-US" dirty="0"/>
-                  <a:t>Just estimate mean and std for samples A, B using formula for mean and std:</a:t>
+                  <a:t>Just estimate mean and std for samples A, B using formula for mean and var:</a:t>
                 </a:r>
               </a:p>
               <a:p>
@@ -6555,10 +8233,484 @@
   <p:clrMapOvr>
     <a:masterClrMapping/>
   </p:clrMapOvr>
+  <p:timing>
+    <p:tnLst>
+      <p:par>
+        <p:cTn id="1" dur="indefinite" restart="never" nodeType="tmRoot">
+          <p:childTnLst>
+            <p:seq concurrent="1" nextAc="seek">
+              <p:cTn id="2" dur="indefinite" nodeType="mainSeq">
+                <p:childTnLst>
+                  <p:par>
+                    <p:cTn id="3" fill="hold">
+                      <p:stCondLst>
+                        <p:cond delay="indefinite"/>
+                      </p:stCondLst>
+                      <p:childTnLst>
+                        <p:par>
+                          <p:cTn id="4" fill="hold">
+                            <p:stCondLst>
+                              <p:cond delay="0"/>
+                            </p:stCondLst>
+                            <p:childTnLst>
+                              <p:par>
+                                <p:cTn id="5" presetID="1" presetClass="entr" presetSubtype="0" fill="hold" grpId="0" nodeType="clickEffect">
+                                  <p:stCondLst>
+                                    <p:cond delay="0"/>
+                                  </p:stCondLst>
+                                  <p:childTnLst>
+                                    <p:set>
+                                      <p:cBhvr>
+                                        <p:cTn id="6" dur="1" fill="hold">
+                                          <p:stCondLst>
+                                            <p:cond delay="0"/>
+                                          </p:stCondLst>
+                                        </p:cTn>
+                                        <p:tgtEl>
+                                          <p:spTgt spid="3">
+                                            <p:txEl>
+                                              <p:pRg st="0" end="0"/>
+                                            </p:txEl>
+                                          </p:spTgt>
+                                        </p:tgtEl>
+                                        <p:attrNameLst>
+                                          <p:attrName>style.visibility</p:attrName>
+                                        </p:attrNameLst>
+                                      </p:cBhvr>
+                                      <p:to>
+                                        <p:strVal val="visible"/>
+                                      </p:to>
+                                    </p:set>
+                                  </p:childTnLst>
+                                </p:cTn>
+                              </p:par>
+                            </p:childTnLst>
+                          </p:cTn>
+                        </p:par>
+                      </p:childTnLst>
+                    </p:cTn>
+                  </p:par>
+                  <p:par>
+                    <p:cTn id="7" fill="hold">
+                      <p:stCondLst>
+                        <p:cond delay="indefinite"/>
+                      </p:stCondLst>
+                      <p:childTnLst>
+                        <p:par>
+                          <p:cTn id="8" fill="hold">
+                            <p:stCondLst>
+                              <p:cond delay="0"/>
+                            </p:stCondLst>
+                            <p:childTnLst>
+                              <p:par>
+                                <p:cTn id="9" presetID="1" presetClass="entr" presetSubtype="0" fill="hold" grpId="0" nodeType="clickEffect">
+                                  <p:stCondLst>
+                                    <p:cond delay="0"/>
+                                  </p:stCondLst>
+                                  <p:childTnLst>
+                                    <p:set>
+                                      <p:cBhvr>
+                                        <p:cTn id="10" dur="1" fill="hold">
+                                          <p:stCondLst>
+                                            <p:cond delay="0"/>
+                                          </p:stCondLst>
+                                        </p:cTn>
+                                        <p:tgtEl>
+                                          <p:spTgt spid="3">
+                                            <p:txEl>
+                                              <p:pRg st="1" end="1"/>
+                                            </p:txEl>
+                                          </p:spTgt>
+                                        </p:tgtEl>
+                                        <p:attrNameLst>
+                                          <p:attrName>style.visibility</p:attrName>
+                                        </p:attrNameLst>
+                                      </p:cBhvr>
+                                      <p:to>
+                                        <p:strVal val="visible"/>
+                                      </p:to>
+                                    </p:set>
+                                  </p:childTnLst>
+                                </p:cTn>
+                              </p:par>
+                            </p:childTnLst>
+                          </p:cTn>
+                        </p:par>
+                      </p:childTnLst>
+                    </p:cTn>
+                  </p:par>
+                  <p:par>
+                    <p:cTn id="11" fill="hold">
+                      <p:stCondLst>
+                        <p:cond delay="indefinite"/>
+                      </p:stCondLst>
+                      <p:childTnLst>
+                        <p:par>
+                          <p:cTn id="12" fill="hold">
+                            <p:stCondLst>
+                              <p:cond delay="0"/>
+                            </p:stCondLst>
+                            <p:childTnLst>
+                              <p:par>
+                                <p:cTn id="13" presetID="1" presetClass="entr" presetSubtype="0" fill="hold" grpId="0" nodeType="clickEffect">
+                                  <p:stCondLst>
+                                    <p:cond delay="0"/>
+                                  </p:stCondLst>
+                                  <p:childTnLst>
+                                    <p:set>
+                                      <p:cBhvr>
+                                        <p:cTn id="14" dur="1" fill="hold">
+                                          <p:stCondLst>
+                                            <p:cond delay="0"/>
+                                          </p:stCondLst>
+                                        </p:cTn>
+                                        <p:tgtEl>
+                                          <p:spTgt spid="3">
+                                            <p:txEl>
+                                              <p:pRg st="2" end="2"/>
+                                            </p:txEl>
+                                          </p:spTgt>
+                                        </p:tgtEl>
+                                        <p:attrNameLst>
+                                          <p:attrName>style.visibility</p:attrName>
+                                        </p:attrNameLst>
+                                      </p:cBhvr>
+                                      <p:to>
+                                        <p:strVal val="visible"/>
+                                      </p:to>
+                                    </p:set>
+                                  </p:childTnLst>
+                                </p:cTn>
+                              </p:par>
+                            </p:childTnLst>
+                          </p:cTn>
+                        </p:par>
+                      </p:childTnLst>
+                    </p:cTn>
+                  </p:par>
+                  <p:par>
+                    <p:cTn id="15" fill="hold">
+                      <p:stCondLst>
+                        <p:cond delay="indefinite"/>
+                      </p:stCondLst>
+                      <p:childTnLst>
+                        <p:par>
+                          <p:cTn id="16" fill="hold">
+                            <p:stCondLst>
+                              <p:cond delay="0"/>
+                            </p:stCondLst>
+                            <p:childTnLst>
+                              <p:par>
+                                <p:cTn id="17" presetID="1" presetClass="entr" presetSubtype="0" fill="hold" grpId="0" nodeType="clickEffect">
+                                  <p:stCondLst>
+                                    <p:cond delay="0"/>
+                                  </p:stCondLst>
+                                  <p:childTnLst>
+                                    <p:set>
+                                      <p:cBhvr>
+                                        <p:cTn id="18" dur="1" fill="hold">
+                                          <p:stCondLst>
+                                            <p:cond delay="0"/>
+                                          </p:stCondLst>
+                                        </p:cTn>
+                                        <p:tgtEl>
+                                          <p:spTgt spid="3">
+                                            <p:txEl>
+                                              <p:pRg st="3" end="3"/>
+                                            </p:txEl>
+                                          </p:spTgt>
+                                        </p:tgtEl>
+                                        <p:attrNameLst>
+                                          <p:attrName>style.visibility</p:attrName>
+                                        </p:attrNameLst>
+                                      </p:cBhvr>
+                                      <p:to>
+                                        <p:strVal val="visible"/>
+                                      </p:to>
+                                    </p:set>
+                                  </p:childTnLst>
+                                </p:cTn>
+                              </p:par>
+                            </p:childTnLst>
+                          </p:cTn>
+                        </p:par>
+                      </p:childTnLst>
+                    </p:cTn>
+                  </p:par>
+                  <p:par>
+                    <p:cTn id="19" fill="hold">
+                      <p:stCondLst>
+                        <p:cond delay="indefinite"/>
+                      </p:stCondLst>
+                      <p:childTnLst>
+                        <p:par>
+                          <p:cTn id="20" fill="hold">
+                            <p:stCondLst>
+                              <p:cond delay="0"/>
+                            </p:stCondLst>
+                            <p:childTnLst>
+                              <p:par>
+                                <p:cTn id="21" presetID="1" presetClass="entr" presetSubtype="0" fill="hold" grpId="0" nodeType="clickEffect">
+                                  <p:stCondLst>
+                                    <p:cond delay="0"/>
+                                  </p:stCondLst>
+                                  <p:childTnLst>
+                                    <p:set>
+                                      <p:cBhvr>
+                                        <p:cTn id="22" dur="1" fill="hold">
+                                          <p:stCondLst>
+                                            <p:cond delay="0"/>
+                                          </p:stCondLst>
+                                        </p:cTn>
+                                        <p:tgtEl>
+                                          <p:spTgt spid="3">
+                                            <p:txEl>
+                                              <p:pRg st="4" end="4"/>
+                                            </p:txEl>
+                                          </p:spTgt>
+                                        </p:tgtEl>
+                                        <p:attrNameLst>
+                                          <p:attrName>style.visibility</p:attrName>
+                                        </p:attrNameLst>
+                                      </p:cBhvr>
+                                      <p:to>
+                                        <p:strVal val="visible"/>
+                                      </p:to>
+                                    </p:set>
+                                  </p:childTnLst>
+                                </p:cTn>
+                              </p:par>
+                            </p:childTnLst>
+                          </p:cTn>
+                        </p:par>
+                      </p:childTnLst>
+                    </p:cTn>
+                  </p:par>
+                  <p:par>
+                    <p:cTn id="23" fill="hold">
+                      <p:stCondLst>
+                        <p:cond delay="indefinite"/>
+                      </p:stCondLst>
+                      <p:childTnLst>
+                        <p:par>
+                          <p:cTn id="24" fill="hold">
+                            <p:stCondLst>
+                              <p:cond delay="0"/>
+                            </p:stCondLst>
+                            <p:childTnLst>
+                              <p:par>
+                                <p:cTn id="25" presetID="1" presetClass="entr" presetSubtype="0" fill="hold" grpId="0" nodeType="clickEffect">
+                                  <p:stCondLst>
+                                    <p:cond delay="0"/>
+                                  </p:stCondLst>
+                                  <p:childTnLst>
+                                    <p:set>
+                                      <p:cBhvr>
+                                        <p:cTn id="26" dur="1" fill="hold">
+                                          <p:stCondLst>
+                                            <p:cond delay="0"/>
+                                          </p:stCondLst>
+                                        </p:cTn>
+                                        <p:tgtEl>
+                                          <p:spTgt spid="3">
+                                            <p:txEl>
+                                              <p:pRg st="5" end="5"/>
+                                            </p:txEl>
+                                          </p:spTgt>
+                                        </p:tgtEl>
+                                        <p:attrNameLst>
+                                          <p:attrName>style.visibility</p:attrName>
+                                        </p:attrNameLst>
+                                      </p:cBhvr>
+                                      <p:to>
+                                        <p:strVal val="visible"/>
+                                      </p:to>
+                                    </p:set>
+                                  </p:childTnLst>
+                                </p:cTn>
+                              </p:par>
+                            </p:childTnLst>
+                          </p:cTn>
+                        </p:par>
+                      </p:childTnLst>
+                    </p:cTn>
+                  </p:par>
+                  <p:par>
+                    <p:cTn id="27" fill="hold">
+                      <p:stCondLst>
+                        <p:cond delay="indefinite"/>
+                      </p:stCondLst>
+                      <p:childTnLst>
+                        <p:par>
+                          <p:cTn id="28" fill="hold">
+                            <p:stCondLst>
+                              <p:cond delay="0"/>
+                            </p:stCondLst>
+                            <p:childTnLst>
+                              <p:par>
+                                <p:cTn id="29" presetID="1" presetClass="entr" presetSubtype="0" fill="hold" grpId="0" nodeType="clickEffect">
+                                  <p:stCondLst>
+                                    <p:cond delay="0"/>
+                                  </p:stCondLst>
+                                  <p:childTnLst>
+                                    <p:set>
+                                      <p:cBhvr>
+                                        <p:cTn id="30" dur="1" fill="hold">
+                                          <p:stCondLst>
+                                            <p:cond delay="0"/>
+                                          </p:stCondLst>
+                                        </p:cTn>
+                                        <p:tgtEl>
+                                          <p:spTgt spid="3">
+                                            <p:txEl>
+                                              <p:pRg st="6" end="6"/>
+                                            </p:txEl>
+                                          </p:spTgt>
+                                        </p:tgtEl>
+                                        <p:attrNameLst>
+                                          <p:attrName>style.visibility</p:attrName>
+                                        </p:attrNameLst>
+                                      </p:cBhvr>
+                                      <p:to>
+                                        <p:strVal val="visible"/>
+                                      </p:to>
+                                    </p:set>
+                                  </p:childTnLst>
+                                </p:cTn>
+                              </p:par>
+                            </p:childTnLst>
+                          </p:cTn>
+                        </p:par>
+                      </p:childTnLst>
+                    </p:cTn>
+                  </p:par>
+                  <p:par>
+                    <p:cTn id="31" fill="hold">
+                      <p:stCondLst>
+                        <p:cond delay="indefinite"/>
+                      </p:stCondLst>
+                      <p:childTnLst>
+                        <p:par>
+                          <p:cTn id="32" fill="hold">
+                            <p:stCondLst>
+                              <p:cond delay="0"/>
+                            </p:stCondLst>
+                            <p:childTnLst>
+                              <p:par>
+                                <p:cTn id="33" presetID="1" presetClass="entr" presetSubtype="0" fill="hold" grpId="0" nodeType="clickEffect">
+                                  <p:stCondLst>
+                                    <p:cond delay="0"/>
+                                  </p:stCondLst>
+                                  <p:childTnLst>
+                                    <p:set>
+                                      <p:cBhvr>
+                                        <p:cTn id="34" dur="1" fill="hold">
+                                          <p:stCondLst>
+                                            <p:cond delay="0"/>
+                                          </p:stCondLst>
+                                        </p:cTn>
+                                        <p:tgtEl>
+                                          <p:spTgt spid="3">
+                                            <p:txEl>
+                                              <p:pRg st="7" end="7"/>
+                                            </p:txEl>
+                                          </p:spTgt>
+                                        </p:tgtEl>
+                                        <p:attrNameLst>
+                                          <p:attrName>style.visibility</p:attrName>
+                                        </p:attrNameLst>
+                                      </p:cBhvr>
+                                      <p:to>
+                                        <p:strVal val="visible"/>
+                                      </p:to>
+                                    </p:set>
+                                  </p:childTnLst>
+                                </p:cTn>
+                              </p:par>
+                            </p:childTnLst>
+                          </p:cTn>
+                        </p:par>
+                      </p:childTnLst>
+                    </p:cTn>
+                  </p:par>
+                  <p:par>
+                    <p:cTn id="35" fill="hold">
+                      <p:stCondLst>
+                        <p:cond delay="indefinite"/>
+                      </p:stCondLst>
+                      <p:childTnLst>
+                        <p:par>
+                          <p:cTn id="36" fill="hold">
+                            <p:stCondLst>
+                              <p:cond delay="0"/>
+                            </p:stCondLst>
+                            <p:childTnLst>
+                              <p:par>
+                                <p:cTn id="37" presetID="1" presetClass="entr" presetSubtype="0" fill="hold" grpId="0" nodeType="clickEffect">
+                                  <p:stCondLst>
+                                    <p:cond delay="0"/>
+                                  </p:stCondLst>
+                                  <p:childTnLst>
+                                    <p:set>
+                                      <p:cBhvr>
+                                        <p:cTn id="38" dur="1" fill="hold">
+                                          <p:stCondLst>
+                                            <p:cond delay="0"/>
+                                          </p:stCondLst>
+                                        </p:cTn>
+                                        <p:tgtEl>
+                                          <p:spTgt spid="3">
+                                            <p:txEl>
+                                              <p:pRg st="8" end="8"/>
+                                            </p:txEl>
+                                          </p:spTgt>
+                                        </p:tgtEl>
+                                        <p:attrNameLst>
+                                          <p:attrName>style.visibility</p:attrName>
+                                        </p:attrNameLst>
+                                      </p:cBhvr>
+                                      <p:to>
+                                        <p:strVal val="visible"/>
+                                      </p:to>
+                                    </p:set>
+                                  </p:childTnLst>
+                                </p:cTn>
+                              </p:par>
+                            </p:childTnLst>
+                          </p:cTn>
+                        </p:par>
+                      </p:childTnLst>
+                    </p:cTn>
+                  </p:par>
+                </p:childTnLst>
+              </p:cTn>
+              <p:prevCondLst>
+                <p:cond evt="onPrev" delay="0">
+                  <p:tgtEl>
+                    <p:sldTgt/>
+                  </p:tgtEl>
+                </p:cond>
+              </p:prevCondLst>
+              <p:nextCondLst>
+                <p:cond evt="onNext" delay="0">
+                  <p:tgtEl>
+                    <p:sldTgt/>
+                  </p:tgtEl>
+                </p:cond>
+              </p:nextCondLst>
+            </p:seq>
+          </p:childTnLst>
+        </p:cTn>
+      </p:par>
+    </p:tnLst>
+    <p:bldLst>
+      <p:bldP spid="3" grpId="0" build="p"/>
+    </p:bldLst>
+  </p:timing>
 </p:sld>
 </file>
 
-<file path=ppt/slides/slide17.xml><?xml version="1.0" encoding="utf-8"?>
+<file path=ppt/slides/slide16.xml><?xml version="1.0" encoding="utf-8"?>
 <p:sld xmlns:a="http://schemas.openxmlformats.org/drawingml/2006/main" xmlns:r="http://schemas.openxmlformats.org/officeDocument/2006/relationships" xmlns:p="http://schemas.openxmlformats.org/presentationml/2006/main">
   <p:cSld>
     <p:spTree>
@@ -6634,43 +8786,67 @@
             </p:spPr>
             <p:txBody>
               <a:bodyPr>
-                <a:normAutofit lnSpcReduction="10000"/>
+                <a:normAutofit fontScale="92500"/>
               </a:bodyPr>
               <a:lstStyle/>
               <a:p>
                 <a:r>
+                  <a:rPr lang="en-US" i="1" dirty="0"/>
+                  <a:t>Problem: </a:t>
+                </a:r>
+                <a:r>
                   <a:rPr lang="en-US" dirty="0"/>
-                  <a:t>The problem is don’t know the 5 parameters, or the instance’s class labels A/B</a:t>
+                  <a:t>we don’t know the 5 parameters, or the instance’s class labels A/B</a:t>
                 </a:r>
               </a:p>
               <a:p>
                 <a:r>
+                  <a:rPr lang="en-US" i="1" dirty="0"/>
+                  <a:t>Solution: </a:t>
+                </a:r>
+                <a:r>
                   <a:rPr lang="en-US" dirty="0"/>
-                  <a:t>Solution: adopt procedure used for k-means clustering, and iterate</a:t>
+                  <a:t>adopt procedure used for k-means clustering, and iterate:</a:t>
                 </a:r>
               </a:p>
               <a:p>
                 <a:r>
-                  <a:rPr lang="en-US" dirty="0"/>
-                  <a:t>Start with initial guess for 5 parameters</a:t>
+                  <a:rPr lang="en-US" i="1" dirty="0"/>
+                  <a:t>1) Start with initial guess for 5 parameters</a:t>
                 </a:r>
               </a:p>
               <a:p>
                 <a:r>
-                  <a:rPr lang="en-US" dirty="0"/>
-                  <a:t>Use this guess to calculate cluster probabilities for each instance (expectation)</a:t>
+                  <a:rPr lang="en-US" i="1" dirty="0"/>
+                  <a:t>2) Use this guess to calculate cluster probabilities for each instance (</a:t>
+                </a:r>
+                <a:r>
+                  <a:rPr lang="en-US" b="1" dirty="0"/>
+                  <a:t>expectation</a:t>
+                </a:r>
+                <a:r>
+                  <a:rPr lang="en-US" i="1" dirty="0"/>
+                  <a:t>)</a:t>
                 </a:r>
               </a:p>
               <a:p>
                 <a:r>
-                  <a:rPr lang="en-US" dirty="0"/>
-                  <a:t>Use these probabilities to re-estimate the parameters (maximization)</a:t>
+                  <a:rPr lang="en-US" i="1" dirty="0"/>
+                  <a:t>3) Use these probabilities to re-estimate the parameters (</a:t>
+                </a:r>
+                <a:r>
+                  <a:rPr lang="en-US" b="1" dirty="0"/>
+                  <a:t>maximization</a:t>
+                </a:r>
+                <a:r>
+                  <a:rPr lang="en-US" i="1" dirty="0"/>
+                  <a:t>)</a:t>
                 </a:r>
               </a:p>
               <a:p>
                 <a:r>
-                  <a:rPr lang="en-US" dirty="0"/>
-                  <a:t>Repeat</a:t>
+                  <a:rPr lang="en-US" i="1" dirty="0"/>
+                  <a:t>4) Repeat</a:t>
                 </a:r>
               </a:p>
               <a:p>
@@ -6679,7 +8855,7 @@
                   <a:t>This is an instance of the </a:t>
                 </a:r>
                 <a:r>
-                  <a:rPr lang="en-US" i="1" dirty="0"/>
+                  <a:rPr lang="en-US" b="1" dirty="0"/>
                   <a:t>expectation-maximization</a:t>
                 </a:r>
                 <a:r>
@@ -7463,6 +9639,53 @@
               <a:p>
                 <a:r>
                   <a:rPr lang="en-US" dirty="0"/>
+                  <a:t>Where </a:t>
+                </a:r>
+                <a14:m>
+                  <m:oMath xmlns:m="http://schemas.openxmlformats.org/officeDocument/2006/math">
+                    <m:sSub>
+                      <m:sSubPr>
+                        <m:ctrlPr>
+                          <a:rPr lang="en-US" i="1" smtClean="0">
+                            <a:latin typeface="Cambria Math" panose="02040503050406030204" pitchFamily="18" charset="0"/>
+                          </a:rPr>
+                        </m:ctrlPr>
+                      </m:sSubPr>
+                      <m:e>
+                        <m:r>
+                          <a:rPr lang="en-US" b="0" i="1" smtClean="0">
+                            <a:latin typeface="Cambria Math" panose="02040503050406030204" pitchFamily="18" charset="0"/>
+                          </a:rPr>
+                          <m:t>𝑤</m:t>
+                        </m:r>
+                      </m:e>
+                      <m:sub>
+                        <m:r>
+                          <a:rPr lang="en-US" b="0" i="1" smtClean="0">
+                            <a:latin typeface="Cambria Math" panose="02040503050406030204" pitchFamily="18" charset="0"/>
+                          </a:rPr>
+                          <m:t>𝑖</m:t>
+                        </m:r>
+                      </m:sub>
+                    </m:sSub>
+                  </m:oMath>
+                </a14:m>
+                <a:r>
+                  <a:rPr lang="en-US" dirty="0"/>
+                  <a:t> is probability that instance </a:t>
+                </a:r>
+                <a:r>
+                  <a:rPr lang="en-US" dirty="0" err="1"/>
+                  <a:t>i</a:t>
+                </a:r>
+                <a:r>
+                  <a:rPr lang="en-US" dirty="0"/>
+                  <a:t> belongs to cluster A</a:t>
+                </a:r>
+              </a:p>
+              <a:p>
+                <a:r>
+                  <a:rPr lang="en-US" dirty="0"/>
                   <a:t>Where now the </a:t>
                 </a:r>
                 <a14:m>
@@ -7538,7 +9761,7 @@
               <a:blipFill>
                 <a:blip r:embed="rId2"/>
                 <a:stretch>
-                  <a:fillRect l="-900" t="-2256" r="-200"/>
+                  <a:fillRect l="-750" t="-1538" b="-1641"/>
                 </a:stretch>
               </a:blipFill>
             </p:spPr>
@@ -7567,10 +9790,582 @@
   <p:clrMapOvr>
     <a:masterClrMapping/>
   </p:clrMapOvr>
+  <p:timing>
+    <p:tnLst>
+      <p:par>
+        <p:cTn id="1" dur="indefinite" restart="never" nodeType="tmRoot">
+          <p:childTnLst>
+            <p:seq concurrent="1" nextAc="seek">
+              <p:cTn id="2" dur="indefinite" nodeType="mainSeq">
+                <p:childTnLst>
+                  <p:par>
+                    <p:cTn id="3" fill="hold">
+                      <p:stCondLst>
+                        <p:cond delay="indefinite"/>
+                      </p:stCondLst>
+                      <p:childTnLst>
+                        <p:par>
+                          <p:cTn id="4" fill="hold">
+                            <p:stCondLst>
+                              <p:cond delay="0"/>
+                            </p:stCondLst>
+                            <p:childTnLst>
+                              <p:par>
+                                <p:cTn id="5" presetID="1" presetClass="entr" presetSubtype="0" fill="hold" grpId="0" nodeType="clickEffect">
+                                  <p:stCondLst>
+                                    <p:cond delay="0"/>
+                                  </p:stCondLst>
+                                  <p:childTnLst>
+                                    <p:set>
+                                      <p:cBhvr>
+                                        <p:cTn id="6" dur="1" fill="hold">
+                                          <p:stCondLst>
+                                            <p:cond delay="0"/>
+                                          </p:stCondLst>
+                                        </p:cTn>
+                                        <p:tgtEl>
+                                          <p:spTgt spid="3">
+                                            <p:txEl>
+                                              <p:pRg st="0" end="0"/>
+                                            </p:txEl>
+                                          </p:spTgt>
+                                        </p:tgtEl>
+                                        <p:attrNameLst>
+                                          <p:attrName>style.visibility</p:attrName>
+                                        </p:attrNameLst>
+                                      </p:cBhvr>
+                                      <p:to>
+                                        <p:strVal val="visible"/>
+                                      </p:to>
+                                    </p:set>
+                                  </p:childTnLst>
+                                </p:cTn>
+                              </p:par>
+                            </p:childTnLst>
+                          </p:cTn>
+                        </p:par>
+                      </p:childTnLst>
+                    </p:cTn>
+                  </p:par>
+                  <p:par>
+                    <p:cTn id="7" fill="hold">
+                      <p:stCondLst>
+                        <p:cond delay="indefinite"/>
+                      </p:stCondLst>
+                      <p:childTnLst>
+                        <p:par>
+                          <p:cTn id="8" fill="hold">
+                            <p:stCondLst>
+                              <p:cond delay="0"/>
+                            </p:stCondLst>
+                            <p:childTnLst>
+                              <p:par>
+                                <p:cTn id="9" presetID="1" presetClass="entr" presetSubtype="0" fill="hold" grpId="0" nodeType="clickEffect">
+                                  <p:stCondLst>
+                                    <p:cond delay="0"/>
+                                  </p:stCondLst>
+                                  <p:childTnLst>
+                                    <p:set>
+                                      <p:cBhvr>
+                                        <p:cTn id="10" dur="1" fill="hold">
+                                          <p:stCondLst>
+                                            <p:cond delay="0"/>
+                                          </p:stCondLst>
+                                        </p:cTn>
+                                        <p:tgtEl>
+                                          <p:spTgt spid="3">
+                                            <p:txEl>
+                                              <p:pRg st="1" end="1"/>
+                                            </p:txEl>
+                                          </p:spTgt>
+                                        </p:tgtEl>
+                                        <p:attrNameLst>
+                                          <p:attrName>style.visibility</p:attrName>
+                                        </p:attrNameLst>
+                                      </p:cBhvr>
+                                      <p:to>
+                                        <p:strVal val="visible"/>
+                                      </p:to>
+                                    </p:set>
+                                  </p:childTnLst>
+                                </p:cTn>
+                              </p:par>
+                            </p:childTnLst>
+                          </p:cTn>
+                        </p:par>
+                      </p:childTnLst>
+                    </p:cTn>
+                  </p:par>
+                  <p:par>
+                    <p:cTn id="11" fill="hold">
+                      <p:stCondLst>
+                        <p:cond delay="indefinite"/>
+                      </p:stCondLst>
+                      <p:childTnLst>
+                        <p:par>
+                          <p:cTn id="12" fill="hold">
+                            <p:stCondLst>
+                              <p:cond delay="0"/>
+                            </p:stCondLst>
+                            <p:childTnLst>
+                              <p:par>
+                                <p:cTn id="13" presetID="1" presetClass="entr" presetSubtype="0" fill="hold" grpId="0" nodeType="clickEffect">
+                                  <p:stCondLst>
+                                    <p:cond delay="0"/>
+                                  </p:stCondLst>
+                                  <p:childTnLst>
+                                    <p:set>
+                                      <p:cBhvr>
+                                        <p:cTn id="14" dur="1" fill="hold">
+                                          <p:stCondLst>
+                                            <p:cond delay="0"/>
+                                          </p:stCondLst>
+                                        </p:cTn>
+                                        <p:tgtEl>
+                                          <p:spTgt spid="3">
+                                            <p:txEl>
+                                              <p:pRg st="2" end="2"/>
+                                            </p:txEl>
+                                          </p:spTgt>
+                                        </p:tgtEl>
+                                        <p:attrNameLst>
+                                          <p:attrName>style.visibility</p:attrName>
+                                        </p:attrNameLst>
+                                      </p:cBhvr>
+                                      <p:to>
+                                        <p:strVal val="visible"/>
+                                      </p:to>
+                                    </p:set>
+                                  </p:childTnLst>
+                                </p:cTn>
+                              </p:par>
+                            </p:childTnLst>
+                          </p:cTn>
+                        </p:par>
+                      </p:childTnLst>
+                    </p:cTn>
+                  </p:par>
+                  <p:par>
+                    <p:cTn id="15" fill="hold">
+                      <p:stCondLst>
+                        <p:cond delay="indefinite"/>
+                      </p:stCondLst>
+                      <p:childTnLst>
+                        <p:par>
+                          <p:cTn id="16" fill="hold">
+                            <p:stCondLst>
+                              <p:cond delay="0"/>
+                            </p:stCondLst>
+                            <p:childTnLst>
+                              <p:par>
+                                <p:cTn id="17" presetID="1" presetClass="entr" presetSubtype="0" fill="hold" grpId="0" nodeType="clickEffect">
+                                  <p:stCondLst>
+                                    <p:cond delay="0"/>
+                                  </p:stCondLst>
+                                  <p:childTnLst>
+                                    <p:set>
+                                      <p:cBhvr>
+                                        <p:cTn id="18" dur="1" fill="hold">
+                                          <p:stCondLst>
+                                            <p:cond delay="0"/>
+                                          </p:stCondLst>
+                                        </p:cTn>
+                                        <p:tgtEl>
+                                          <p:spTgt spid="3">
+                                            <p:txEl>
+                                              <p:pRg st="3" end="3"/>
+                                            </p:txEl>
+                                          </p:spTgt>
+                                        </p:tgtEl>
+                                        <p:attrNameLst>
+                                          <p:attrName>style.visibility</p:attrName>
+                                        </p:attrNameLst>
+                                      </p:cBhvr>
+                                      <p:to>
+                                        <p:strVal val="visible"/>
+                                      </p:to>
+                                    </p:set>
+                                  </p:childTnLst>
+                                </p:cTn>
+                              </p:par>
+                            </p:childTnLst>
+                          </p:cTn>
+                        </p:par>
+                      </p:childTnLst>
+                    </p:cTn>
+                  </p:par>
+                  <p:par>
+                    <p:cTn id="19" fill="hold">
+                      <p:stCondLst>
+                        <p:cond delay="indefinite"/>
+                      </p:stCondLst>
+                      <p:childTnLst>
+                        <p:par>
+                          <p:cTn id="20" fill="hold">
+                            <p:stCondLst>
+                              <p:cond delay="0"/>
+                            </p:stCondLst>
+                            <p:childTnLst>
+                              <p:par>
+                                <p:cTn id="21" presetID="1" presetClass="entr" presetSubtype="0" fill="hold" grpId="0" nodeType="clickEffect">
+                                  <p:stCondLst>
+                                    <p:cond delay="0"/>
+                                  </p:stCondLst>
+                                  <p:childTnLst>
+                                    <p:set>
+                                      <p:cBhvr>
+                                        <p:cTn id="22" dur="1" fill="hold">
+                                          <p:stCondLst>
+                                            <p:cond delay="0"/>
+                                          </p:stCondLst>
+                                        </p:cTn>
+                                        <p:tgtEl>
+                                          <p:spTgt spid="3">
+                                            <p:txEl>
+                                              <p:pRg st="4" end="4"/>
+                                            </p:txEl>
+                                          </p:spTgt>
+                                        </p:tgtEl>
+                                        <p:attrNameLst>
+                                          <p:attrName>style.visibility</p:attrName>
+                                        </p:attrNameLst>
+                                      </p:cBhvr>
+                                      <p:to>
+                                        <p:strVal val="visible"/>
+                                      </p:to>
+                                    </p:set>
+                                  </p:childTnLst>
+                                </p:cTn>
+                              </p:par>
+                            </p:childTnLst>
+                          </p:cTn>
+                        </p:par>
+                      </p:childTnLst>
+                    </p:cTn>
+                  </p:par>
+                  <p:par>
+                    <p:cTn id="23" fill="hold">
+                      <p:stCondLst>
+                        <p:cond delay="indefinite"/>
+                      </p:stCondLst>
+                      <p:childTnLst>
+                        <p:par>
+                          <p:cTn id="24" fill="hold">
+                            <p:stCondLst>
+                              <p:cond delay="0"/>
+                            </p:stCondLst>
+                            <p:childTnLst>
+                              <p:par>
+                                <p:cTn id="25" presetID="1" presetClass="entr" presetSubtype="0" fill="hold" grpId="0" nodeType="clickEffect">
+                                  <p:stCondLst>
+                                    <p:cond delay="0"/>
+                                  </p:stCondLst>
+                                  <p:childTnLst>
+                                    <p:set>
+                                      <p:cBhvr>
+                                        <p:cTn id="26" dur="1" fill="hold">
+                                          <p:stCondLst>
+                                            <p:cond delay="0"/>
+                                          </p:stCondLst>
+                                        </p:cTn>
+                                        <p:tgtEl>
+                                          <p:spTgt spid="3">
+                                            <p:txEl>
+                                              <p:pRg st="5" end="5"/>
+                                            </p:txEl>
+                                          </p:spTgt>
+                                        </p:tgtEl>
+                                        <p:attrNameLst>
+                                          <p:attrName>style.visibility</p:attrName>
+                                        </p:attrNameLst>
+                                      </p:cBhvr>
+                                      <p:to>
+                                        <p:strVal val="visible"/>
+                                      </p:to>
+                                    </p:set>
+                                  </p:childTnLst>
+                                </p:cTn>
+                              </p:par>
+                            </p:childTnLst>
+                          </p:cTn>
+                        </p:par>
+                      </p:childTnLst>
+                    </p:cTn>
+                  </p:par>
+                  <p:par>
+                    <p:cTn id="27" fill="hold">
+                      <p:stCondLst>
+                        <p:cond delay="indefinite"/>
+                      </p:stCondLst>
+                      <p:childTnLst>
+                        <p:par>
+                          <p:cTn id="28" fill="hold">
+                            <p:stCondLst>
+                              <p:cond delay="0"/>
+                            </p:stCondLst>
+                            <p:childTnLst>
+                              <p:par>
+                                <p:cTn id="29" presetID="1" presetClass="entr" presetSubtype="0" fill="hold" grpId="0" nodeType="clickEffect">
+                                  <p:stCondLst>
+                                    <p:cond delay="0"/>
+                                  </p:stCondLst>
+                                  <p:childTnLst>
+                                    <p:set>
+                                      <p:cBhvr>
+                                        <p:cTn id="30" dur="1" fill="hold">
+                                          <p:stCondLst>
+                                            <p:cond delay="0"/>
+                                          </p:stCondLst>
+                                        </p:cTn>
+                                        <p:tgtEl>
+                                          <p:spTgt spid="3">
+                                            <p:txEl>
+                                              <p:pRg st="6" end="6"/>
+                                            </p:txEl>
+                                          </p:spTgt>
+                                        </p:tgtEl>
+                                        <p:attrNameLst>
+                                          <p:attrName>style.visibility</p:attrName>
+                                        </p:attrNameLst>
+                                      </p:cBhvr>
+                                      <p:to>
+                                        <p:strVal val="visible"/>
+                                      </p:to>
+                                    </p:set>
+                                  </p:childTnLst>
+                                </p:cTn>
+                              </p:par>
+                            </p:childTnLst>
+                          </p:cTn>
+                        </p:par>
+                      </p:childTnLst>
+                    </p:cTn>
+                  </p:par>
+                  <p:par>
+                    <p:cTn id="31" fill="hold">
+                      <p:stCondLst>
+                        <p:cond delay="indefinite"/>
+                      </p:stCondLst>
+                      <p:childTnLst>
+                        <p:par>
+                          <p:cTn id="32" fill="hold">
+                            <p:stCondLst>
+                              <p:cond delay="0"/>
+                            </p:stCondLst>
+                            <p:childTnLst>
+                              <p:par>
+                                <p:cTn id="33" presetID="1" presetClass="entr" presetSubtype="0" fill="hold" grpId="0" nodeType="clickEffect">
+                                  <p:stCondLst>
+                                    <p:cond delay="0"/>
+                                  </p:stCondLst>
+                                  <p:childTnLst>
+                                    <p:set>
+                                      <p:cBhvr>
+                                        <p:cTn id="34" dur="1" fill="hold">
+                                          <p:stCondLst>
+                                            <p:cond delay="0"/>
+                                          </p:stCondLst>
+                                        </p:cTn>
+                                        <p:tgtEl>
+                                          <p:spTgt spid="3">
+                                            <p:txEl>
+                                              <p:pRg st="7" end="7"/>
+                                            </p:txEl>
+                                          </p:spTgt>
+                                        </p:tgtEl>
+                                        <p:attrNameLst>
+                                          <p:attrName>style.visibility</p:attrName>
+                                        </p:attrNameLst>
+                                      </p:cBhvr>
+                                      <p:to>
+                                        <p:strVal val="visible"/>
+                                      </p:to>
+                                    </p:set>
+                                  </p:childTnLst>
+                                </p:cTn>
+                              </p:par>
+                            </p:childTnLst>
+                          </p:cTn>
+                        </p:par>
+                      </p:childTnLst>
+                    </p:cTn>
+                  </p:par>
+                  <p:par>
+                    <p:cTn id="35" fill="hold">
+                      <p:stCondLst>
+                        <p:cond delay="indefinite"/>
+                      </p:stCondLst>
+                      <p:childTnLst>
+                        <p:par>
+                          <p:cTn id="36" fill="hold">
+                            <p:stCondLst>
+                              <p:cond delay="0"/>
+                            </p:stCondLst>
+                            <p:childTnLst>
+                              <p:par>
+                                <p:cTn id="37" presetID="1" presetClass="entr" presetSubtype="0" fill="hold" grpId="0" nodeType="clickEffect">
+                                  <p:stCondLst>
+                                    <p:cond delay="0"/>
+                                  </p:stCondLst>
+                                  <p:childTnLst>
+                                    <p:set>
+                                      <p:cBhvr>
+                                        <p:cTn id="38" dur="1" fill="hold">
+                                          <p:stCondLst>
+                                            <p:cond delay="0"/>
+                                          </p:stCondLst>
+                                        </p:cTn>
+                                        <p:tgtEl>
+                                          <p:spTgt spid="3">
+                                            <p:txEl>
+                                              <p:pRg st="8" end="8"/>
+                                            </p:txEl>
+                                          </p:spTgt>
+                                        </p:tgtEl>
+                                        <p:attrNameLst>
+                                          <p:attrName>style.visibility</p:attrName>
+                                        </p:attrNameLst>
+                                      </p:cBhvr>
+                                      <p:to>
+                                        <p:strVal val="visible"/>
+                                      </p:to>
+                                    </p:set>
+                                  </p:childTnLst>
+                                </p:cTn>
+                              </p:par>
+                            </p:childTnLst>
+                          </p:cTn>
+                        </p:par>
+                      </p:childTnLst>
+                    </p:cTn>
+                  </p:par>
+                  <p:par>
+                    <p:cTn id="39" fill="hold">
+                      <p:stCondLst>
+                        <p:cond delay="indefinite"/>
+                      </p:stCondLst>
+                      <p:childTnLst>
+                        <p:par>
+                          <p:cTn id="40" fill="hold">
+                            <p:stCondLst>
+                              <p:cond delay="0"/>
+                            </p:stCondLst>
+                            <p:childTnLst>
+                              <p:par>
+                                <p:cTn id="41" presetID="1" presetClass="entr" presetSubtype="0" fill="hold" grpId="0" nodeType="clickEffect">
+                                  <p:stCondLst>
+                                    <p:cond delay="0"/>
+                                  </p:stCondLst>
+                                  <p:childTnLst>
+                                    <p:set>
+                                      <p:cBhvr>
+                                        <p:cTn id="42" dur="1" fill="hold">
+                                          <p:stCondLst>
+                                            <p:cond delay="0"/>
+                                          </p:stCondLst>
+                                        </p:cTn>
+                                        <p:tgtEl>
+                                          <p:spTgt spid="3">
+                                            <p:txEl>
+                                              <p:pRg st="9" end="9"/>
+                                            </p:txEl>
+                                          </p:spTgt>
+                                        </p:tgtEl>
+                                        <p:attrNameLst>
+                                          <p:attrName>style.visibility</p:attrName>
+                                        </p:attrNameLst>
+                                      </p:cBhvr>
+                                      <p:to>
+                                        <p:strVal val="visible"/>
+                                      </p:to>
+                                    </p:set>
+                                  </p:childTnLst>
+                                </p:cTn>
+                              </p:par>
+                            </p:childTnLst>
+                          </p:cTn>
+                        </p:par>
+                      </p:childTnLst>
+                    </p:cTn>
+                  </p:par>
+                  <p:par>
+                    <p:cTn id="43" fill="hold">
+                      <p:stCondLst>
+                        <p:cond delay="indefinite"/>
+                      </p:stCondLst>
+                      <p:childTnLst>
+                        <p:par>
+                          <p:cTn id="44" fill="hold">
+                            <p:stCondLst>
+                              <p:cond delay="0"/>
+                            </p:stCondLst>
+                            <p:childTnLst>
+                              <p:par>
+                                <p:cTn id="45" presetID="1" presetClass="entr" presetSubtype="0" fill="hold" grpId="0" nodeType="clickEffect">
+                                  <p:stCondLst>
+                                    <p:cond delay="0"/>
+                                  </p:stCondLst>
+                                  <p:childTnLst>
+                                    <p:set>
+                                      <p:cBhvr>
+                                        <p:cTn id="46" dur="1" fill="hold">
+                                          <p:stCondLst>
+                                            <p:cond delay="0"/>
+                                          </p:stCondLst>
+                                        </p:cTn>
+                                        <p:tgtEl>
+                                          <p:spTgt spid="3">
+                                            <p:txEl>
+                                              <p:pRg st="10" end="10"/>
+                                            </p:txEl>
+                                          </p:spTgt>
+                                        </p:tgtEl>
+                                        <p:attrNameLst>
+                                          <p:attrName>style.visibility</p:attrName>
+                                        </p:attrNameLst>
+                                      </p:cBhvr>
+                                      <p:to>
+                                        <p:strVal val="visible"/>
+                                      </p:to>
+                                    </p:set>
+                                  </p:childTnLst>
+                                </p:cTn>
+                              </p:par>
+                            </p:childTnLst>
+                          </p:cTn>
+                        </p:par>
+                      </p:childTnLst>
+                    </p:cTn>
+                  </p:par>
+                </p:childTnLst>
+              </p:cTn>
+              <p:prevCondLst>
+                <p:cond evt="onPrev" delay="0">
+                  <p:tgtEl>
+                    <p:sldTgt/>
+                  </p:tgtEl>
+                </p:cond>
+              </p:prevCondLst>
+              <p:nextCondLst>
+                <p:cond evt="onNext" delay="0">
+                  <p:tgtEl>
+                    <p:sldTgt/>
+                  </p:tgtEl>
+                </p:cond>
+              </p:nextCondLst>
+            </p:seq>
+          </p:childTnLst>
+        </p:cTn>
+      </p:par>
+    </p:tnLst>
+    <p:bldLst>
+      <p:bldP spid="3" grpId="0" build="p"/>
+    </p:bldLst>
+  </p:timing>
 </p:sld>
 </file>
 
-<file path=ppt/slides/slide18.xml><?xml version="1.0" encoding="utf-8"?>
+<file path=ppt/slides/slide17.xml><?xml version="1.0" encoding="utf-8"?>
 <p:sld xmlns:a="http://schemas.openxmlformats.org/drawingml/2006/main" xmlns:r="http://schemas.openxmlformats.org/officeDocument/2006/relationships" xmlns:p="http://schemas.openxmlformats.org/presentationml/2006/main">
   <p:cSld>
     <p:spTree>
@@ -8285,12 +11080,6 @@
                                   </m:sub>
                                 </m:sSub>
                                 <m:r>
-                                  <a:rPr lang="en-US" i="1">
-                                    <a:latin typeface="Cambria Math" panose="02040503050406030204" pitchFamily="18" charset="0"/>
-                                  </a:rPr>
-                                  <m:t>+</m:t>
-                                </m:r>
-                                <m:r>
                                   <a:rPr lang="en-US" b="0" i="1" smtClean="0">
                                     <a:latin typeface="Cambria Math" panose="02040503050406030204" pitchFamily="18" charset="0"/>
                                   </a:rPr>
@@ -8393,10 +11182,631 @@
   <p:clrMapOvr>
     <a:masterClrMapping/>
   </p:clrMapOvr>
+  <p:timing>
+    <p:tnLst>
+      <p:par>
+        <p:cTn id="1" dur="indefinite" restart="never" nodeType="tmRoot">
+          <p:childTnLst>
+            <p:seq concurrent="1" nextAc="seek">
+              <p:cTn id="2" dur="indefinite" nodeType="mainSeq">
+                <p:childTnLst>
+                  <p:par>
+                    <p:cTn id="3" fill="hold">
+                      <p:stCondLst>
+                        <p:cond delay="indefinite"/>
+                      </p:stCondLst>
+                      <p:childTnLst>
+                        <p:par>
+                          <p:cTn id="4" fill="hold">
+                            <p:stCondLst>
+                              <p:cond delay="0"/>
+                            </p:stCondLst>
+                            <p:childTnLst>
+                              <p:par>
+                                <p:cTn id="5" presetID="1" presetClass="entr" presetSubtype="0" fill="hold" grpId="0" nodeType="clickEffect">
+                                  <p:stCondLst>
+                                    <p:cond delay="0"/>
+                                  </p:stCondLst>
+                                  <p:childTnLst>
+                                    <p:set>
+                                      <p:cBhvr>
+                                        <p:cTn id="6" dur="1" fill="hold">
+                                          <p:stCondLst>
+                                            <p:cond delay="0"/>
+                                          </p:stCondLst>
+                                        </p:cTn>
+                                        <p:tgtEl>
+                                          <p:spTgt spid="3">
+                                            <p:txEl>
+                                              <p:pRg st="0" end="0"/>
+                                            </p:txEl>
+                                          </p:spTgt>
+                                        </p:tgtEl>
+                                        <p:attrNameLst>
+                                          <p:attrName>style.visibility</p:attrName>
+                                        </p:attrNameLst>
+                                      </p:cBhvr>
+                                      <p:to>
+                                        <p:strVal val="visible"/>
+                                      </p:to>
+                                    </p:set>
+                                  </p:childTnLst>
+                                </p:cTn>
+                              </p:par>
+                            </p:childTnLst>
+                          </p:cTn>
+                        </p:par>
+                      </p:childTnLst>
+                    </p:cTn>
+                  </p:par>
+                  <p:par>
+                    <p:cTn id="7" fill="hold">
+                      <p:stCondLst>
+                        <p:cond delay="indefinite"/>
+                      </p:stCondLst>
+                      <p:childTnLst>
+                        <p:par>
+                          <p:cTn id="8" fill="hold">
+                            <p:stCondLst>
+                              <p:cond delay="0"/>
+                            </p:stCondLst>
+                            <p:childTnLst>
+                              <p:par>
+                                <p:cTn id="9" presetID="1" presetClass="entr" presetSubtype="0" fill="hold" grpId="0" nodeType="clickEffect">
+                                  <p:stCondLst>
+                                    <p:cond delay="0"/>
+                                  </p:stCondLst>
+                                  <p:childTnLst>
+                                    <p:set>
+                                      <p:cBhvr>
+                                        <p:cTn id="10" dur="1" fill="hold">
+                                          <p:stCondLst>
+                                            <p:cond delay="0"/>
+                                          </p:stCondLst>
+                                        </p:cTn>
+                                        <p:tgtEl>
+                                          <p:spTgt spid="3">
+                                            <p:txEl>
+                                              <p:pRg st="1" end="1"/>
+                                            </p:txEl>
+                                          </p:spTgt>
+                                        </p:tgtEl>
+                                        <p:attrNameLst>
+                                          <p:attrName>style.visibility</p:attrName>
+                                        </p:attrNameLst>
+                                      </p:cBhvr>
+                                      <p:to>
+                                        <p:strVal val="visible"/>
+                                      </p:to>
+                                    </p:set>
+                                  </p:childTnLst>
+                                </p:cTn>
+                              </p:par>
+                            </p:childTnLst>
+                          </p:cTn>
+                        </p:par>
+                      </p:childTnLst>
+                    </p:cTn>
+                  </p:par>
+                  <p:par>
+                    <p:cTn id="11" fill="hold">
+                      <p:stCondLst>
+                        <p:cond delay="indefinite"/>
+                      </p:stCondLst>
+                      <p:childTnLst>
+                        <p:par>
+                          <p:cTn id="12" fill="hold">
+                            <p:stCondLst>
+                              <p:cond delay="0"/>
+                            </p:stCondLst>
+                            <p:childTnLst>
+                              <p:par>
+                                <p:cTn id="13" presetID="1" presetClass="entr" presetSubtype="0" fill="hold" grpId="0" nodeType="clickEffect">
+                                  <p:stCondLst>
+                                    <p:cond delay="0"/>
+                                  </p:stCondLst>
+                                  <p:childTnLst>
+                                    <p:set>
+                                      <p:cBhvr>
+                                        <p:cTn id="14" dur="1" fill="hold">
+                                          <p:stCondLst>
+                                            <p:cond delay="0"/>
+                                          </p:stCondLst>
+                                        </p:cTn>
+                                        <p:tgtEl>
+                                          <p:spTgt spid="3">
+                                            <p:txEl>
+                                              <p:pRg st="2" end="2"/>
+                                            </p:txEl>
+                                          </p:spTgt>
+                                        </p:tgtEl>
+                                        <p:attrNameLst>
+                                          <p:attrName>style.visibility</p:attrName>
+                                        </p:attrNameLst>
+                                      </p:cBhvr>
+                                      <p:to>
+                                        <p:strVal val="visible"/>
+                                      </p:to>
+                                    </p:set>
+                                  </p:childTnLst>
+                                </p:cTn>
+                              </p:par>
+                            </p:childTnLst>
+                          </p:cTn>
+                        </p:par>
+                      </p:childTnLst>
+                    </p:cTn>
+                  </p:par>
+                  <p:par>
+                    <p:cTn id="15" fill="hold">
+                      <p:stCondLst>
+                        <p:cond delay="indefinite"/>
+                      </p:stCondLst>
+                      <p:childTnLst>
+                        <p:par>
+                          <p:cTn id="16" fill="hold">
+                            <p:stCondLst>
+                              <p:cond delay="0"/>
+                            </p:stCondLst>
+                            <p:childTnLst>
+                              <p:par>
+                                <p:cTn id="17" presetID="1" presetClass="entr" presetSubtype="0" fill="hold" grpId="0" nodeType="clickEffect">
+                                  <p:stCondLst>
+                                    <p:cond delay="0"/>
+                                  </p:stCondLst>
+                                  <p:childTnLst>
+                                    <p:set>
+                                      <p:cBhvr>
+                                        <p:cTn id="18" dur="1" fill="hold">
+                                          <p:stCondLst>
+                                            <p:cond delay="0"/>
+                                          </p:stCondLst>
+                                        </p:cTn>
+                                        <p:tgtEl>
+                                          <p:spTgt spid="3">
+                                            <p:txEl>
+                                              <p:pRg st="3" end="3"/>
+                                            </p:txEl>
+                                          </p:spTgt>
+                                        </p:tgtEl>
+                                        <p:attrNameLst>
+                                          <p:attrName>style.visibility</p:attrName>
+                                        </p:attrNameLst>
+                                      </p:cBhvr>
+                                      <p:to>
+                                        <p:strVal val="visible"/>
+                                      </p:to>
+                                    </p:set>
+                                  </p:childTnLst>
+                                </p:cTn>
+                              </p:par>
+                            </p:childTnLst>
+                          </p:cTn>
+                        </p:par>
+                      </p:childTnLst>
+                    </p:cTn>
+                  </p:par>
+                  <p:par>
+                    <p:cTn id="19" fill="hold">
+                      <p:stCondLst>
+                        <p:cond delay="indefinite"/>
+                      </p:stCondLst>
+                      <p:childTnLst>
+                        <p:par>
+                          <p:cTn id="20" fill="hold">
+                            <p:stCondLst>
+                              <p:cond delay="0"/>
+                            </p:stCondLst>
+                            <p:childTnLst>
+                              <p:par>
+                                <p:cTn id="21" presetID="1" presetClass="entr" presetSubtype="0" fill="hold" grpId="0" nodeType="clickEffect">
+                                  <p:stCondLst>
+                                    <p:cond delay="0"/>
+                                  </p:stCondLst>
+                                  <p:childTnLst>
+                                    <p:set>
+                                      <p:cBhvr>
+                                        <p:cTn id="22" dur="1" fill="hold">
+                                          <p:stCondLst>
+                                            <p:cond delay="0"/>
+                                          </p:stCondLst>
+                                        </p:cTn>
+                                        <p:tgtEl>
+                                          <p:spTgt spid="3">
+                                            <p:txEl>
+                                              <p:pRg st="4" end="4"/>
+                                            </p:txEl>
+                                          </p:spTgt>
+                                        </p:tgtEl>
+                                        <p:attrNameLst>
+                                          <p:attrName>style.visibility</p:attrName>
+                                        </p:attrNameLst>
+                                      </p:cBhvr>
+                                      <p:to>
+                                        <p:strVal val="visible"/>
+                                      </p:to>
+                                    </p:set>
+                                  </p:childTnLst>
+                                </p:cTn>
+                              </p:par>
+                            </p:childTnLst>
+                          </p:cTn>
+                        </p:par>
+                      </p:childTnLst>
+                    </p:cTn>
+                  </p:par>
+                  <p:par>
+                    <p:cTn id="23" fill="hold">
+                      <p:stCondLst>
+                        <p:cond delay="indefinite"/>
+                      </p:stCondLst>
+                      <p:childTnLst>
+                        <p:par>
+                          <p:cTn id="24" fill="hold">
+                            <p:stCondLst>
+                              <p:cond delay="0"/>
+                            </p:stCondLst>
+                            <p:childTnLst>
+                              <p:par>
+                                <p:cTn id="25" presetID="1" presetClass="entr" presetSubtype="0" fill="hold" grpId="0" nodeType="clickEffect">
+                                  <p:stCondLst>
+                                    <p:cond delay="0"/>
+                                  </p:stCondLst>
+                                  <p:childTnLst>
+                                    <p:set>
+                                      <p:cBhvr>
+                                        <p:cTn id="26" dur="1" fill="hold">
+                                          <p:stCondLst>
+                                            <p:cond delay="0"/>
+                                          </p:stCondLst>
+                                        </p:cTn>
+                                        <p:tgtEl>
+                                          <p:spTgt spid="3">
+                                            <p:txEl>
+                                              <p:pRg st="5" end="5"/>
+                                            </p:txEl>
+                                          </p:spTgt>
+                                        </p:tgtEl>
+                                        <p:attrNameLst>
+                                          <p:attrName>style.visibility</p:attrName>
+                                        </p:attrNameLst>
+                                      </p:cBhvr>
+                                      <p:to>
+                                        <p:strVal val="visible"/>
+                                      </p:to>
+                                    </p:set>
+                                  </p:childTnLst>
+                                </p:cTn>
+                              </p:par>
+                            </p:childTnLst>
+                          </p:cTn>
+                        </p:par>
+                      </p:childTnLst>
+                    </p:cTn>
+                  </p:par>
+                  <p:par>
+                    <p:cTn id="27" fill="hold">
+                      <p:stCondLst>
+                        <p:cond delay="indefinite"/>
+                      </p:stCondLst>
+                      <p:childTnLst>
+                        <p:par>
+                          <p:cTn id="28" fill="hold">
+                            <p:stCondLst>
+                              <p:cond delay="0"/>
+                            </p:stCondLst>
+                            <p:childTnLst>
+                              <p:par>
+                                <p:cTn id="29" presetID="1" presetClass="entr" presetSubtype="0" fill="hold" grpId="0" nodeType="clickEffect">
+                                  <p:stCondLst>
+                                    <p:cond delay="0"/>
+                                  </p:stCondLst>
+                                  <p:childTnLst>
+                                    <p:set>
+                                      <p:cBhvr>
+                                        <p:cTn id="30" dur="1" fill="hold">
+                                          <p:stCondLst>
+                                            <p:cond delay="0"/>
+                                          </p:stCondLst>
+                                        </p:cTn>
+                                        <p:tgtEl>
+                                          <p:spTgt spid="3">
+                                            <p:txEl>
+                                              <p:pRg st="6" end="6"/>
+                                            </p:txEl>
+                                          </p:spTgt>
+                                        </p:tgtEl>
+                                        <p:attrNameLst>
+                                          <p:attrName>style.visibility</p:attrName>
+                                        </p:attrNameLst>
+                                      </p:cBhvr>
+                                      <p:to>
+                                        <p:strVal val="visible"/>
+                                      </p:to>
+                                    </p:set>
+                                  </p:childTnLst>
+                                </p:cTn>
+                              </p:par>
+                            </p:childTnLst>
+                          </p:cTn>
+                        </p:par>
+                      </p:childTnLst>
+                    </p:cTn>
+                  </p:par>
+                  <p:par>
+                    <p:cTn id="31" fill="hold">
+                      <p:stCondLst>
+                        <p:cond delay="indefinite"/>
+                      </p:stCondLst>
+                      <p:childTnLst>
+                        <p:par>
+                          <p:cTn id="32" fill="hold">
+                            <p:stCondLst>
+                              <p:cond delay="0"/>
+                            </p:stCondLst>
+                            <p:childTnLst>
+                              <p:par>
+                                <p:cTn id="33" presetID="1" presetClass="entr" presetSubtype="0" fill="hold" grpId="0" nodeType="clickEffect">
+                                  <p:stCondLst>
+                                    <p:cond delay="0"/>
+                                  </p:stCondLst>
+                                  <p:childTnLst>
+                                    <p:set>
+                                      <p:cBhvr>
+                                        <p:cTn id="34" dur="1" fill="hold">
+                                          <p:stCondLst>
+                                            <p:cond delay="0"/>
+                                          </p:stCondLst>
+                                        </p:cTn>
+                                        <p:tgtEl>
+                                          <p:spTgt spid="3">
+                                            <p:txEl>
+                                              <p:pRg st="7" end="7"/>
+                                            </p:txEl>
+                                          </p:spTgt>
+                                        </p:tgtEl>
+                                        <p:attrNameLst>
+                                          <p:attrName>style.visibility</p:attrName>
+                                        </p:attrNameLst>
+                                      </p:cBhvr>
+                                      <p:to>
+                                        <p:strVal val="visible"/>
+                                      </p:to>
+                                    </p:set>
+                                  </p:childTnLst>
+                                </p:cTn>
+                              </p:par>
+                            </p:childTnLst>
+                          </p:cTn>
+                        </p:par>
+                      </p:childTnLst>
+                    </p:cTn>
+                  </p:par>
+                  <p:par>
+                    <p:cTn id="35" fill="hold">
+                      <p:stCondLst>
+                        <p:cond delay="indefinite"/>
+                      </p:stCondLst>
+                      <p:childTnLst>
+                        <p:par>
+                          <p:cTn id="36" fill="hold">
+                            <p:stCondLst>
+                              <p:cond delay="0"/>
+                            </p:stCondLst>
+                            <p:childTnLst>
+                              <p:par>
+                                <p:cTn id="37" presetID="1" presetClass="entr" presetSubtype="0" fill="hold" grpId="0" nodeType="clickEffect">
+                                  <p:stCondLst>
+                                    <p:cond delay="0"/>
+                                  </p:stCondLst>
+                                  <p:childTnLst>
+                                    <p:set>
+                                      <p:cBhvr>
+                                        <p:cTn id="38" dur="1" fill="hold">
+                                          <p:stCondLst>
+                                            <p:cond delay="0"/>
+                                          </p:stCondLst>
+                                        </p:cTn>
+                                        <p:tgtEl>
+                                          <p:spTgt spid="3">
+                                            <p:txEl>
+                                              <p:pRg st="8" end="8"/>
+                                            </p:txEl>
+                                          </p:spTgt>
+                                        </p:tgtEl>
+                                        <p:attrNameLst>
+                                          <p:attrName>style.visibility</p:attrName>
+                                        </p:attrNameLst>
+                                      </p:cBhvr>
+                                      <p:to>
+                                        <p:strVal val="visible"/>
+                                      </p:to>
+                                    </p:set>
+                                  </p:childTnLst>
+                                </p:cTn>
+                              </p:par>
+                            </p:childTnLst>
+                          </p:cTn>
+                        </p:par>
+                      </p:childTnLst>
+                    </p:cTn>
+                  </p:par>
+                  <p:par>
+                    <p:cTn id="39" fill="hold">
+                      <p:stCondLst>
+                        <p:cond delay="indefinite"/>
+                      </p:stCondLst>
+                      <p:childTnLst>
+                        <p:par>
+                          <p:cTn id="40" fill="hold">
+                            <p:stCondLst>
+                              <p:cond delay="0"/>
+                            </p:stCondLst>
+                            <p:childTnLst>
+                              <p:par>
+                                <p:cTn id="41" presetID="1" presetClass="entr" presetSubtype="0" fill="hold" grpId="0" nodeType="clickEffect">
+                                  <p:stCondLst>
+                                    <p:cond delay="0"/>
+                                  </p:stCondLst>
+                                  <p:childTnLst>
+                                    <p:set>
+                                      <p:cBhvr>
+                                        <p:cTn id="42" dur="1" fill="hold">
+                                          <p:stCondLst>
+                                            <p:cond delay="0"/>
+                                          </p:stCondLst>
+                                        </p:cTn>
+                                        <p:tgtEl>
+                                          <p:spTgt spid="3">
+                                            <p:txEl>
+                                              <p:pRg st="9" end="9"/>
+                                            </p:txEl>
+                                          </p:spTgt>
+                                        </p:tgtEl>
+                                        <p:attrNameLst>
+                                          <p:attrName>style.visibility</p:attrName>
+                                        </p:attrNameLst>
+                                      </p:cBhvr>
+                                      <p:to>
+                                        <p:strVal val="visible"/>
+                                      </p:to>
+                                    </p:set>
+                                  </p:childTnLst>
+                                </p:cTn>
+                              </p:par>
+                            </p:childTnLst>
+                          </p:cTn>
+                        </p:par>
+                      </p:childTnLst>
+                    </p:cTn>
+                  </p:par>
+                  <p:par>
+                    <p:cTn id="43" fill="hold">
+                      <p:stCondLst>
+                        <p:cond delay="indefinite"/>
+                      </p:stCondLst>
+                      <p:childTnLst>
+                        <p:par>
+                          <p:cTn id="44" fill="hold">
+                            <p:stCondLst>
+                              <p:cond delay="0"/>
+                            </p:stCondLst>
+                            <p:childTnLst>
+                              <p:par>
+                                <p:cTn id="45" presetID="1" presetClass="entr" presetSubtype="0" fill="hold" grpId="0" nodeType="clickEffect">
+                                  <p:stCondLst>
+                                    <p:cond delay="0"/>
+                                  </p:stCondLst>
+                                  <p:childTnLst>
+                                    <p:set>
+                                      <p:cBhvr>
+                                        <p:cTn id="46" dur="1" fill="hold">
+                                          <p:stCondLst>
+                                            <p:cond delay="0"/>
+                                          </p:stCondLst>
+                                        </p:cTn>
+                                        <p:tgtEl>
+                                          <p:spTgt spid="3">
+                                            <p:txEl>
+                                              <p:pRg st="10" end="10"/>
+                                            </p:txEl>
+                                          </p:spTgt>
+                                        </p:tgtEl>
+                                        <p:attrNameLst>
+                                          <p:attrName>style.visibility</p:attrName>
+                                        </p:attrNameLst>
+                                      </p:cBhvr>
+                                      <p:to>
+                                        <p:strVal val="visible"/>
+                                      </p:to>
+                                    </p:set>
+                                  </p:childTnLst>
+                                </p:cTn>
+                              </p:par>
+                            </p:childTnLst>
+                          </p:cTn>
+                        </p:par>
+                      </p:childTnLst>
+                    </p:cTn>
+                  </p:par>
+                  <p:par>
+                    <p:cTn id="47" fill="hold">
+                      <p:stCondLst>
+                        <p:cond delay="indefinite"/>
+                      </p:stCondLst>
+                      <p:childTnLst>
+                        <p:par>
+                          <p:cTn id="48" fill="hold">
+                            <p:stCondLst>
+                              <p:cond delay="0"/>
+                            </p:stCondLst>
+                            <p:childTnLst>
+                              <p:par>
+                                <p:cTn id="49" presetID="1" presetClass="entr" presetSubtype="0" fill="hold" grpId="0" nodeType="clickEffect">
+                                  <p:stCondLst>
+                                    <p:cond delay="0"/>
+                                  </p:stCondLst>
+                                  <p:childTnLst>
+                                    <p:set>
+                                      <p:cBhvr>
+                                        <p:cTn id="50" dur="1" fill="hold">
+                                          <p:stCondLst>
+                                            <p:cond delay="0"/>
+                                          </p:stCondLst>
+                                        </p:cTn>
+                                        <p:tgtEl>
+                                          <p:spTgt spid="3">
+                                            <p:txEl>
+                                              <p:pRg st="11" end="11"/>
+                                            </p:txEl>
+                                          </p:spTgt>
+                                        </p:tgtEl>
+                                        <p:attrNameLst>
+                                          <p:attrName>style.visibility</p:attrName>
+                                        </p:attrNameLst>
+                                      </p:cBhvr>
+                                      <p:to>
+                                        <p:strVal val="visible"/>
+                                      </p:to>
+                                    </p:set>
+                                  </p:childTnLst>
+                                </p:cTn>
+                              </p:par>
+                            </p:childTnLst>
+                          </p:cTn>
+                        </p:par>
+                      </p:childTnLst>
+                    </p:cTn>
+                  </p:par>
+                </p:childTnLst>
+              </p:cTn>
+              <p:prevCondLst>
+                <p:cond evt="onPrev" delay="0">
+                  <p:tgtEl>
+                    <p:sldTgt/>
+                  </p:tgtEl>
+                </p:cond>
+              </p:prevCondLst>
+              <p:nextCondLst>
+                <p:cond evt="onNext" delay="0">
+                  <p:tgtEl>
+                    <p:sldTgt/>
+                  </p:tgtEl>
+                </p:cond>
+              </p:nextCondLst>
+            </p:seq>
+          </p:childTnLst>
+        </p:cTn>
+      </p:par>
+    </p:tnLst>
+    <p:bldLst>
+      <p:bldP spid="3" grpId="0" build="p"/>
+    </p:bldLst>
+  </p:timing>
 </p:sld>
 </file>
 
-<file path=ppt/slides/slide19.xml><?xml version="1.0" encoding="utf-8"?>
+<file path=ppt/slides/slide18.xml><?xml version="1.0" encoding="utf-8"?>
 <p:sld xmlns:a="http://schemas.openxmlformats.org/drawingml/2006/main" xmlns:r="http://schemas.openxmlformats.org/officeDocument/2006/relationships" xmlns:p="http://schemas.openxmlformats.org/presentationml/2006/main">
   <p:cSld>
     <p:spTree>
@@ -8429,7 +11839,12 @@
             <p:ph type="title"/>
           </p:nvPr>
         </p:nvSpPr>
-        <p:spPr/>
+        <p:spPr>
+          <a:xfrm>
+            <a:off x="838200" y="336250"/>
+            <a:ext cx="10515600" cy="1325563"/>
+          </a:xfrm>
+        </p:spPr>
         <p:txBody>
           <a:bodyPr/>
           <a:lstStyle/>
@@ -8457,10 +11872,56 @@
             <p:ph idx="1"/>
           </p:nvPr>
         </p:nvSpPr>
-        <p:spPr/>
+        <p:spPr>
+          <a:xfrm>
+            <a:off x="838200" y="1854501"/>
+            <a:ext cx="10515600" cy="4351338"/>
+          </a:xfrm>
+        </p:spPr>
         <p:txBody>
-          <a:bodyPr/>
+          <a:bodyPr>
+            <a:normAutofit/>
+          </a:bodyPr>
           <a:lstStyle/>
+          <a:p>
+            <a:r>
+              <a:rPr lang="en-US" dirty="0"/>
+              <a:t>A Bayesian network is a probabilistic graphical model representing a set of variables and their conditional dependencies via a directed acyclic graph (DAG)</a:t>
+            </a:r>
+          </a:p>
+          <a:p>
+            <a:r>
+              <a:rPr lang="en-US" dirty="0"/>
+              <a:t>Constructing Bayesian networks:</a:t>
+            </a:r>
+          </a:p>
+          <a:p>
+            <a:pPr lvl="1"/>
+            <a:r>
+              <a:rPr lang="en-US" dirty="0"/>
+              <a:t>Nodes are fixed by number of attributes</a:t>
+            </a:r>
+          </a:p>
+          <a:p>
+            <a:pPr lvl="1"/>
+            <a:r>
+              <a:rPr lang="en-US" dirty="0"/>
+              <a:t>Can use K2 algorithm to add edges</a:t>
+            </a:r>
+          </a:p>
+          <a:p>
+            <a:pPr lvl="1"/>
+            <a:r>
+              <a:rPr lang="en-US" dirty="0"/>
+              <a:t>Estimate probability of data given the network</a:t>
+            </a:r>
+          </a:p>
+          <a:p>
+            <a:r>
+              <a:rPr lang="en-US" dirty="0"/>
+              <a:t>Probabilistic clustering – expectation maximization algorithm to solve finite mixture problem</a:t>
+            </a:r>
+          </a:p>
           <a:p>
             <a:r>
               <a:rPr lang="en-US" dirty="0"/>
@@ -8479,6 +11940,328 @@
   <p:clrMapOvr>
     <a:masterClrMapping/>
   </p:clrMapOvr>
+  <p:timing>
+    <p:tnLst>
+      <p:par>
+        <p:cTn id="1" dur="indefinite" restart="never" nodeType="tmRoot">
+          <p:childTnLst>
+            <p:seq concurrent="1" nextAc="seek">
+              <p:cTn id="2" dur="indefinite" nodeType="mainSeq">
+                <p:childTnLst>
+                  <p:par>
+                    <p:cTn id="3" fill="hold">
+                      <p:stCondLst>
+                        <p:cond delay="indefinite"/>
+                      </p:stCondLst>
+                      <p:childTnLst>
+                        <p:par>
+                          <p:cTn id="4" fill="hold">
+                            <p:stCondLst>
+                              <p:cond delay="0"/>
+                            </p:stCondLst>
+                            <p:childTnLst>
+                              <p:par>
+                                <p:cTn id="5" presetID="1" presetClass="entr" presetSubtype="0" fill="hold" grpId="0" nodeType="clickEffect">
+                                  <p:stCondLst>
+                                    <p:cond delay="0"/>
+                                  </p:stCondLst>
+                                  <p:childTnLst>
+                                    <p:set>
+                                      <p:cBhvr>
+                                        <p:cTn id="6" dur="1" fill="hold">
+                                          <p:stCondLst>
+                                            <p:cond delay="0"/>
+                                          </p:stCondLst>
+                                        </p:cTn>
+                                        <p:tgtEl>
+                                          <p:spTgt spid="3">
+                                            <p:txEl>
+                                              <p:pRg st="0" end="0"/>
+                                            </p:txEl>
+                                          </p:spTgt>
+                                        </p:tgtEl>
+                                        <p:attrNameLst>
+                                          <p:attrName>style.visibility</p:attrName>
+                                        </p:attrNameLst>
+                                      </p:cBhvr>
+                                      <p:to>
+                                        <p:strVal val="visible"/>
+                                      </p:to>
+                                    </p:set>
+                                  </p:childTnLst>
+                                </p:cTn>
+                              </p:par>
+                            </p:childTnLst>
+                          </p:cTn>
+                        </p:par>
+                      </p:childTnLst>
+                    </p:cTn>
+                  </p:par>
+                  <p:par>
+                    <p:cTn id="7" fill="hold">
+                      <p:stCondLst>
+                        <p:cond delay="indefinite"/>
+                      </p:stCondLst>
+                      <p:childTnLst>
+                        <p:par>
+                          <p:cTn id="8" fill="hold">
+                            <p:stCondLst>
+                              <p:cond delay="0"/>
+                            </p:stCondLst>
+                            <p:childTnLst>
+                              <p:par>
+                                <p:cTn id="9" presetID="1" presetClass="entr" presetSubtype="0" fill="hold" grpId="0" nodeType="clickEffect">
+                                  <p:stCondLst>
+                                    <p:cond delay="0"/>
+                                  </p:stCondLst>
+                                  <p:childTnLst>
+                                    <p:set>
+                                      <p:cBhvr>
+                                        <p:cTn id="10" dur="1" fill="hold">
+                                          <p:stCondLst>
+                                            <p:cond delay="0"/>
+                                          </p:stCondLst>
+                                        </p:cTn>
+                                        <p:tgtEl>
+                                          <p:spTgt spid="3">
+                                            <p:txEl>
+                                              <p:pRg st="1" end="1"/>
+                                            </p:txEl>
+                                          </p:spTgt>
+                                        </p:tgtEl>
+                                        <p:attrNameLst>
+                                          <p:attrName>style.visibility</p:attrName>
+                                        </p:attrNameLst>
+                                      </p:cBhvr>
+                                      <p:to>
+                                        <p:strVal val="visible"/>
+                                      </p:to>
+                                    </p:set>
+                                  </p:childTnLst>
+                                </p:cTn>
+                              </p:par>
+                              <p:par>
+                                <p:cTn id="11" presetID="1" presetClass="entr" presetSubtype="0" fill="hold" grpId="0" nodeType="withEffect">
+                                  <p:stCondLst>
+                                    <p:cond delay="0"/>
+                                  </p:stCondLst>
+                                  <p:childTnLst>
+                                    <p:set>
+                                      <p:cBhvr>
+                                        <p:cTn id="12" dur="1" fill="hold">
+                                          <p:stCondLst>
+                                            <p:cond delay="0"/>
+                                          </p:stCondLst>
+                                        </p:cTn>
+                                        <p:tgtEl>
+                                          <p:spTgt spid="3">
+                                            <p:txEl>
+                                              <p:pRg st="2" end="2"/>
+                                            </p:txEl>
+                                          </p:spTgt>
+                                        </p:tgtEl>
+                                        <p:attrNameLst>
+                                          <p:attrName>style.visibility</p:attrName>
+                                        </p:attrNameLst>
+                                      </p:cBhvr>
+                                      <p:to>
+                                        <p:strVal val="visible"/>
+                                      </p:to>
+                                    </p:set>
+                                  </p:childTnLst>
+                                </p:cTn>
+                              </p:par>
+                              <p:par>
+                                <p:cTn id="13" presetID="1" presetClass="entr" presetSubtype="0" fill="hold" grpId="0" nodeType="withEffect">
+                                  <p:stCondLst>
+                                    <p:cond delay="0"/>
+                                  </p:stCondLst>
+                                  <p:childTnLst>
+                                    <p:set>
+                                      <p:cBhvr>
+                                        <p:cTn id="14" dur="1" fill="hold">
+                                          <p:stCondLst>
+                                            <p:cond delay="0"/>
+                                          </p:stCondLst>
+                                        </p:cTn>
+                                        <p:tgtEl>
+                                          <p:spTgt spid="3">
+                                            <p:txEl>
+                                              <p:pRg st="3" end="3"/>
+                                            </p:txEl>
+                                          </p:spTgt>
+                                        </p:tgtEl>
+                                        <p:attrNameLst>
+                                          <p:attrName>style.visibility</p:attrName>
+                                        </p:attrNameLst>
+                                      </p:cBhvr>
+                                      <p:to>
+                                        <p:strVal val="visible"/>
+                                      </p:to>
+                                    </p:set>
+                                  </p:childTnLst>
+                                </p:cTn>
+                              </p:par>
+                              <p:par>
+                                <p:cTn id="15" presetID="1" presetClass="entr" presetSubtype="0" fill="hold" grpId="0" nodeType="withEffect">
+                                  <p:stCondLst>
+                                    <p:cond delay="0"/>
+                                  </p:stCondLst>
+                                  <p:childTnLst>
+                                    <p:set>
+                                      <p:cBhvr>
+                                        <p:cTn id="16" dur="1" fill="hold">
+                                          <p:stCondLst>
+                                            <p:cond delay="0"/>
+                                          </p:stCondLst>
+                                        </p:cTn>
+                                        <p:tgtEl>
+                                          <p:spTgt spid="3">
+                                            <p:txEl>
+                                              <p:pRg st="4" end="4"/>
+                                            </p:txEl>
+                                          </p:spTgt>
+                                        </p:tgtEl>
+                                        <p:attrNameLst>
+                                          <p:attrName>style.visibility</p:attrName>
+                                        </p:attrNameLst>
+                                      </p:cBhvr>
+                                      <p:to>
+                                        <p:strVal val="visible"/>
+                                      </p:to>
+                                    </p:set>
+                                  </p:childTnLst>
+                                </p:cTn>
+                              </p:par>
+                            </p:childTnLst>
+                          </p:cTn>
+                        </p:par>
+                      </p:childTnLst>
+                    </p:cTn>
+                  </p:par>
+                  <p:par>
+                    <p:cTn id="17" fill="hold">
+                      <p:stCondLst>
+                        <p:cond delay="indefinite"/>
+                      </p:stCondLst>
+                      <p:childTnLst>
+                        <p:par>
+                          <p:cTn id="18" fill="hold">
+                            <p:stCondLst>
+                              <p:cond delay="0"/>
+                            </p:stCondLst>
+                            <p:childTnLst>
+                              <p:par>
+                                <p:cTn id="19" presetID="1" presetClass="entr" presetSubtype="0" fill="hold" grpId="0" nodeType="clickEffect">
+                                  <p:stCondLst>
+                                    <p:cond delay="0"/>
+                                  </p:stCondLst>
+                                  <p:childTnLst>
+                                    <p:set>
+                                      <p:cBhvr>
+                                        <p:cTn id="20" dur="1" fill="hold">
+                                          <p:stCondLst>
+                                            <p:cond delay="0"/>
+                                          </p:stCondLst>
+                                        </p:cTn>
+                                        <p:tgtEl>
+                                          <p:spTgt spid="3">
+                                            <p:txEl>
+                                              <p:pRg st="5" end="5"/>
+                                            </p:txEl>
+                                          </p:spTgt>
+                                        </p:tgtEl>
+                                        <p:attrNameLst>
+                                          <p:attrName>style.visibility</p:attrName>
+                                        </p:attrNameLst>
+                                      </p:cBhvr>
+                                      <p:to>
+                                        <p:strVal val="visible"/>
+                                      </p:to>
+                                    </p:set>
+                                  </p:childTnLst>
+                                </p:cTn>
+                              </p:par>
+                            </p:childTnLst>
+                          </p:cTn>
+                        </p:par>
+                      </p:childTnLst>
+                    </p:cTn>
+                  </p:par>
+                  <p:par>
+                    <p:cTn id="21" fill="hold">
+                      <p:stCondLst>
+                        <p:cond delay="indefinite"/>
+                      </p:stCondLst>
+                      <p:childTnLst>
+                        <p:par>
+                          <p:cTn id="22" fill="hold">
+                            <p:stCondLst>
+                              <p:cond delay="0"/>
+                            </p:stCondLst>
+                            <p:childTnLst>
+                              <p:par>
+                                <p:cTn id="23" presetID="1" presetClass="entr" presetSubtype="0" fill="hold" grpId="0" nodeType="clickEffect">
+                                  <p:stCondLst>
+                                    <p:cond delay="0"/>
+                                  </p:stCondLst>
+                                  <p:childTnLst>
+                                    <p:set>
+                                      <p:cBhvr>
+                                        <p:cTn id="24" dur="1" fill="hold">
+                                          <p:stCondLst>
+                                            <p:cond delay="0"/>
+                                          </p:stCondLst>
+                                        </p:cTn>
+                                        <p:tgtEl>
+                                          <p:spTgt spid="3">
+                                            <p:txEl>
+                                              <p:pRg st="6" end="6"/>
+                                            </p:txEl>
+                                          </p:spTgt>
+                                        </p:tgtEl>
+                                        <p:attrNameLst>
+                                          <p:attrName>style.visibility</p:attrName>
+                                        </p:attrNameLst>
+                                      </p:cBhvr>
+                                      <p:to>
+                                        <p:strVal val="visible"/>
+                                      </p:to>
+                                    </p:set>
+                                  </p:childTnLst>
+                                </p:cTn>
+                              </p:par>
+                            </p:childTnLst>
+                          </p:cTn>
+                        </p:par>
+                      </p:childTnLst>
+                    </p:cTn>
+                  </p:par>
+                </p:childTnLst>
+              </p:cTn>
+              <p:prevCondLst>
+                <p:cond evt="onPrev" delay="0">
+                  <p:tgtEl>
+                    <p:sldTgt/>
+                  </p:tgtEl>
+                </p:cond>
+              </p:prevCondLst>
+              <p:nextCondLst>
+                <p:cond evt="onNext" delay="0">
+                  <p:tgtEl>
+                    <p:sldTgt/>
+                  </p:tgtEl>
+                </p:cond>
+              </p:nextCondLst>
+            </p:seq>
+          </p:childTnLst>
+        </p:cTn>
+      </p:par>
+    </p:tnLst>
+    <p:bldLst>
+      <p:bldP spid="3" grpId="0" build="p"/>
+    </p:bldLst>
+  </p:timing>
 </p:sld>
 </file>
 
@@ -8560,13 +12343,13 @@
           <p:nvPr>
             <p:extLst>
               <p:ext uri="{D42A27DB-BD31-4B8C-83A1-F6EECF244321}">
-                <p14:modId xmlns:p14="http://schemas.microsoft.com/office/powerpoint/2010/main" val="4039938654"/>
+                <p14:modId xmlns:p14="http://schemas.microsoft.com/office/powerpoint/2010/main" val="1841487033"/>
               </p:ext>
             </p:extLst>
           </p:nvPr>
         </p:nvGraphicFramePr>
         <p:xfrm>
-          <a:off x="367590" y="873474"/>
+          <a:off x="268438" y="873474"/>
           <a:ext cx="3629061" cy="2316480"/>
         </p:xfrm>
         <a:graphic>
@@ -10552,7 +14335,7 @@
         </p:nvSpPr>
         <p:spPr>
           <a:xfrm>
-            <a:off x="6226142" y="907287"/>
+            <a:off x="6126991" y="907287"/>
             <a:ext cx="5667909" cy="2840805"/>
           </a:xfrm>
           <a:prstGeom prst="ellipse">
@@ -10599,13 +14382,13 @@
           <p:nvPr>
             <p:extLst>
               <p:ext uri="{D42A27DB-BD31-4B8C-83A1-F6EECF244321}">
-                <p14:modId xmlns:p14="http://schemas.microsoft.com/office/powerpoint/2010/main" val="635475622"/>
+                <p14:modId xmlns:p14="http://schemas.microsoft.com/office/powerpoint/2010/main" val="2009476873"/>
               </p:ext>
             </p:extLst>
           </p:nvPr>
         </p:nvGraphicFramePr>
         <p:xfrm>
-          <a:off x="6954178" y="1362138"/>
+          <a:off x="6855027" y="1362138"/>
           <a:ext cx="4338552" cy="2316480"/>
         </p:xfrm>
         <a:graphic>
@@ -11234,13 +15017,13 @@
             </a:extLst>
           </p:cNvPr>
           <p:cNvCxnSpPr>
-            <a:endCxn id="4" idx="6"/>
+            <a:cxnSpLocks/>
           </p:cNvCxnSpPr>
           <p:nvPr/>
         </p:nvCxnSpPr>
         <p:spPr>
           <a:xfrm flipH="1">
-            <a:off x="4366520" y="1521947"/>
+            <a:off x="4267368" y="1521947"/>
             <a:ext cx="1232898" cy="232366"/>
           </a:xfrm>
           <a:prstGeom prst="straightConnector1">
@@ -11329,7 +15112,7 @@
         </p:nvCxnSpPr>
         <p:spPr>
           <a:xfrm>
-            <a:off x="5593142" y="1521947"/>
+            <a:off x="5493991" y="1521947"/>
             <a:ext cx="759715" cy="389046"/>
           </a:xfrm>
           <a:prstGeom prst="straightConnector1">
@@ -11458,13 +15241,12 @@
           </p:cNvPr>
           <p:cNvCxnSpPr>
             <a:cxnSpLocks/>
-            <a:endCxn id="4" idx="4"/>
           </p:cNvCxnSpPr>
           <p:nvPr/>
         </p:nvCxnSpPr>
         <p:spPr>
           <a:xfrm flipV="1">
-            <a:off x="2188399" y="3429000"/>
+            <a:off x="1990095" y="3429000"/>
             <a:ext cx="0" cy="370346"/>
           </a:xfrm>
           <a:prstGeom prst="straightConnector1">
@@ -11508,7 +15290,7 @@
         </p:nvCxnSpPr>
         <p:spPr>
           <a:xfrm flipV="1">
-            <a:off x="8052013" y="3672373"/>
+            <a:off x="7952862" y="3672373"/>
             <a:ext cx="111949" cy="409660"/>
           </a:xfrm>
           <a:prstGeom prst="straightConnector1">
@@ -11667,7 +15449,7 @@
         </p:nvSpPr>
         <p:spPr>
           <a:xfrm>
-            <a:off x="1695383" y="244868"/>
+            <a:off x="1596231" y="244868"/>
             <a:ext cx="2034283" cy="461665"/>
           </a:xfrm>
           <a:prstGeom prst="rect">
@@ -11859,8 +15641,8 @@
           </a:p>
         </p:txBody>
       </p:sp>
-      <mc:AlternateContent xmlns:mc="http://schemas.openxmlformats.org/markup-compatibility/2006" xmlns:a14="http://schemas.microsoft.com/office/drawing/2010/main">
-        <mc:Choice Requires="a14">
+      <mc:AlternateContent xmlns:mc="http://schemas.openxmlformats.org/markup-compatibility/2006">
+        <mc:Choice xmlns:a14="http://schemas.microsoft.com/office/drawing/2010/main" Requires="a14">
           <p:sp>
             <p:nvSpPr>
               <p:cNvPr id="54" name="TextBox 53">
@@ -11941,7 +15723,7 @@
               <a:p>
                 <a:r>
                   <a:rPr lang="en-US" dirty="0"/>
-                  <a:t>First get joint probs:</a:t>
+                  <a:t>First get joint probabilities:</a:t>
                 </a:r>
               </a:p>
               <a:p>
@@ -11958,48 +15740,47 @@
                         </a:rPr>
                         <m:t>𝑃</m:t>
                       </m:r>
-                      <m:d>
-                        <m:dPr>
-                          <m:ctrlPr>
-                            <a:rPr lang="en-US" b="0" i="1" smtClean="0">
-                              <a:latin typeface="Cambria Math" panose="02040503050406030204" pitchFamily="18" charset="0"/>
-                            </a:rPr>
-                          </m:ctrlPr>
-                        </m:dPr>
-                        <m:e>
-                          <m:r>
-                            <a:rPr lang="en-US" b="0" i="1" smtClean="0">
-                              <a:latin typeface="Cambria Math" panose="02040503050406030204" pitchFamily="18" charset="0"/>
-                            </a:rPr>
-                            <m:t>𝑝𝑙𝑎𝑦</m:t>
-                          </m:r>
-                          <m:r>
-                            <a:rPr lang="en-US" b="0" i="1" smtClean="0">
-                              <a:latin typeface="Cambria Math" panose="02040503050406030204" pitchFamily="18" charset="0"/>
-                            </a:rPr>
-                            <m:t>=</m:t>
-                          </m:r>
-                          <m:r>
-                            <a:rPr lang="en-US" b="0" i="1" smtClean="0">
-                              <a:latin typeface="Cambria Math" panose="02040503050406030204" pitchFamily="18" charset="0"/>
-                            </a:rPr>
-                            <m:t>𝑛𝑜</m:t>
-                          </m:r>
-                        </m:e>
-                        <m:e>
-                          <m:r>
-                            <a:rPr lang="en-US" b="0" i="1" smtClean="0">
-                              <a:latin typeface="Cambria Math" panose="02040503050406030204" pitchFamily="18" charset="0"/>
-                            </a:rPr>
-                            <m:t>𝐸</m:t>
-                          </m:r>
-                        </m:e>
-                      </m:d>
                       <m:r>
                         <a:rPr lang="en-US" b="0" i="1" smtClean="0">
                           <a:latin typeface="Cambria Math" panose="02040503050406030204" pitchFamily="18" charset="0"/>
                         </a:rPr>
-                        <m:t>, </m:t>
+                        <m:t>(</m:t>
+                      </m:r>
+                      <m:r>
+                        <a:rPr lang="en-US" b="0" i="1" smtClean="0">
+                          <a:latin typeface="Cambria Math" panose="02040503050406030204" pitchFamily="18" charset="0"/>
+                        </a:rPr>
+                        <m:t>𝑝𝑙𝑎𝑦</m:t>
+                      </m:r>
+                      <m:r>
+                        <a:rPr lang="en-US" b="0" i="1" smtClean="0">
+                          <a:latin typeface="Cambria Math" panose="02040503050406030204" pitchFamily="18" charset="0"/>
+                        </a:rPr>
+                        <m:t>=</m:t>
+                      </m:r>
+                      <m:r>
+                        <a:rPr lang="en-US" b="0" i="1" smtClean="0">
+                          <a:latin typeface="Cambria Math" panose="02040503050406030204" pitchFamily="18" charset="0"/>
+                        </a:rPr>
+                        <m:t>𝑛𝑜</m:t>
+                      </m:r>
+                      <m:r>
+                        <a:rPr lang="en-US" b="0" i="1" smtClean="0">
+                          <a:latin typeface="Cambria Math" panose="02040503050406030204" pitchFamily="18" charset="0"/>
+                        </a:rPr>
+                        <m:t>,</m:t>
+                      </m:r>
+                      <m:r>
+                        <a:rPr lang="en-US" b="0" i="1" smtClean="0">
+                          <a:latin typeface="Cambria Math" panose="02040503050406030204" pitchFamily="18" charset="0"/>
+                        </a:rPr>
+                        <m:t>𝐸</m:t>
+                      </m:r>
+                      <m:r>
+                        <a:rPr lang="en-US" b="0" i="1" smtClean="0">
+                          <a:latin typeface="Cambria Math" panose="02040503050406030204" pitchFamily="18" charset="0"/>
+                        </a:rPr>
+                        <m:t>), </m:t>
                       </m:r>
                       <m:r>
                         <a:rPr lang="en-US" b="0" i="1" smtClean="0">
@@ -12035,7 +15816,7 @@
                         <a:rPr lang="en-US" b="0" i="1" smtClean="0">
                           <a:latin typeface="Cambria Math" panose="02040503050406030204" pitchFamily="18" charset="0"/>
                         </a:rPr>
-                        <m:t>|</m:t>
+                        <m:t>,</m:t>
                       </m:r>
                       <m:r>
                         <a:rPr lang="en-US" b="0" i="1" smtClean="0">
@@ -12063,7 +15844,7 @@
             </p:txBody>
           </p:sp>
         </mc:Choice>
-        <mc:Fallback xmlns="">
+        <mc:Fallback>
           <p:sp>
             <p:nvSpPr>
               <p:cNvPr id="54" name="TextBox 53">
@@ -12118,6 +15899,842 @@
   <p:clrMapOvr>
     <a:masterClrMapping/>
   </p:clrMapOvr>
+  <p:timing>
+    <p:tnLst>
+      <p:par>
+        <p:cTn id="1" dur="indefinite" restart="never" nodeType="tmRoot">
+          <p:childTnLst>
+            <p:seq concurrent="1" nextAc="seek">
+              <p:cTn id="2" dur="indefinite" nodeType="mainSeq">
+                <p:childTnLst>
+                  <p:par>
+                    <p:cTn id="3" fill="hold">
+                      <p:stCondLst>
+                        <p:cond delay="indefinite"/>
+                      </p:stCondLst>
+                      <p:childTnLst>
+                        <p:par>
+                          <p:cTn id="4" fill="hold">
+                            <p:stCondLst>
+                              <p:cond delay="0"/>
+                            </p:stCondLst>
+                            <p:childTnLst>
+                              <p:par>
+                                <p:cTn id="5" presetID="1" presetClass="entr" presetSubtype="0" fill="hold" nodeType="clickEffect">
+                                  <p:stCondLst>
+                                    <p:cond delay="0"/>
+                                  </p:stCondLst>
+                                  <p:childTnLst>
+                                    <p:set>
+                                      <p:cBhvr>
+                                        <p:cTn id="6" dur="1" fill="hold">
+                                          <p:stCondLst>
+                                            <p:cond delay="0"/>
+                                          </p:stCondLst>
+                                        </p:cTn>
+                                        <p:tgtEl>
+                                          <p:spTgt spid="7"/>
+                                        </p:tgtEl>
+                                        <p:attrNameLst>
+                                          <p:attrName>style.visibility</p:attrName>
+                                        </p:attrNameLst>
+                                      </p:cBhvr>
+                                      <p:to>
+                                        <p:strVal val="visible"/>
+                                      </p:to>
+                                    </p:set>
+                                  </p:childTnLst>
+                                </p:cTn>
+                              </p:par>
+                              <p:par>
+                                <p:cTn id="7" presetID="1" presetClass="entr" presetSubtype="0" fill="hold" grpId="0" nodeType="withEffect">
+                                  <p:stCondLst>
+                                    <p:cond delay="0"/>
+                                  </p:stCondLst>
+                                  <p:childTnLst>
+                                    <p:set>
+                                      <p:cBhvr>
+                                        <p:cTn id="8" dur="1" fill="hold">
+                                          <p:stCondLst>
+                                            <p:cond delay="0"/>
+                                          </p:stCondLst>
+                                        </p:cTn>
+                                        <p:tgtEl>
+                                          <p:spTgt spid="2"/>
+                                        </p:tgtEl>
+                                        <p:attrNameLst>
+                                          <p:attrName>style.visibility</p:attrName>
+                                        </p:attrNameLst>
+                                      </p:cBhvr>
+                                      <p:to>
+                                        <p:strVal val="visible"/>
+                                      </p:to>
+                                    </p:set>
+                                  </p:childTnLst>
+                                </p:cTn>
+                              </p:par>
+                            </p:childTnLst>
+                          </p:cTn>
+                        </p:par>
+                      </p:childTnLst>
+                    </p:cTn>
+                  </p:par>
+                  <p:par>
+                    <p:cTn id="9" fill="hold">
+                      <p:stCondLst>
+                        <p:cond delay="indefinite"/>
+                      </p:stCondLst>
+                      <p:childTnLst>
+                        <p:par>
+                          <p:cTn id="10" fill="hold">
+                            <p:stCondLst>
+                              <p:cond delay="0"/>
+                            </p:stCondLst>
+                            <p:childTnLst>
+                              <p:par>
+                                <p:cTn id="11" presetID="1" presetClass="entr" presetSubtype="0" fill="hold" nodeType="clickEffect">
+                                  <p:stCondLst>
+                                    <p:cond delay="0"/>
+                                  </p:stCondLst>
+                                  <p:childTnLst>
+                                    <p:set>
+                                      <p:cBhvr>
+                                        <p:cTn id="12" dur="1" fill="hold">
+                                          <p:stCondLst>
+                                            <p:cond delay="0"/>
+                                          </p:stCondLst>
+                                        </p:cTn>
+                                        <p:tgtEl>
+                                          <p:spTgt spid="20"/>
+                                        </p:tgtEl>
+                                        <p:attrNameLst>
+                                          <p:attrName>style.visibility</p:attrName>
+                                        </p:attrNameLst>
+                                      </p:cBhvr>
+                                      <p:to>
+                                        <p:strVal val="visible"/>
+                                      </p:to>
+                                    </p:set>
+                                  </p:childTnLst>
+                                </p:cTn>
+                              </p:par>
+                              <p:par>
+                                <p:cTn id="13" presetID="1" presetClass="entr" presetSubtype="0" fill="hold" nodeType="withEffect">
+                                  <p:stCondLst>
+                                    <p:cond delay="0"/>
+                                  </p:stCondLst>
+                                  <p:childTnLst>
+                                    <p:set>
+                                      <p:cBhvr>
+                                        <p:cTn id="14" dur="1" fill="hold">
+                                          <p:stCondLst>
+                                            <p:cond delay="0"/>
+                                          </p:stCondLst>
+                                        </p:cTn>
+                                        <p:tgtEl>
+                                          <p:spTgt spid="10"/>
+                                        </p:tgtEl>
+                                        <p:attrNameLst>
+                                          <p:attrName>style.visibility</p:attrName>
+                                        </p:attrNameLst>
+                                      </p:cBhvr>
+                                      <p:to>
+                                        <p:strVal val="visible"/>
+                                      </p:to>
+                                    </p:set>
+                                  </p:childTnLst>
+                                </p:cTn>
+                              </p:par>
+                              <p:par>
+                                <p:cTn id="15" presetID="1" presetClass="entr" presetSubtype="0" fill="hold" grpId="0" nodeType="withEffect">
+                                  <p:stCondLst>
+                                    <p:cond delay="0"/>
+                                  </p:stCondLst>
+                                  <p:childTnLst>
+                                    <p:set>
+                                      <p:cBhvr>
+                                        <p:cTn id="16" dur="1" fill="hold">
+                                          <p:stCondLst>
+                                            <p:cond delay="0"/>
+                                          </p:stCondLst>
+                                        </p:cTn>
+                                        <p:tgtEl>
+                                          <p:spTgt spid="39"/>
+                                        </p:tgtEl>
+                                        <p:attrNameLst>
+                                          <p:attrName>style.visibility</p:attrName>
+                                        </p:attrNameLst>
+                                      </p:cBhvr>
+                                      <p:to>
+                                        <p:strVal val="visible"/>
+                                      </p:to>
+                                    </p:set>
+                                  </p:childTnLst>
+                                </p:cTn>
+                              </p:par>
+                              <p:par>
+                                <p:cTn id="17" presetID="1" presetClass="entr" presetSubtype="0" fill="hold" grpId="0" nodeType="withEffect">
+                                  <p:stCondLst>
+                                    <p:cond delay="0"/>
+                                  </p:stCondLst>
+                                  <p:childTnLst>
+                                    <p:set>
+                                      <p:cBhvr>
+                                        <p:cTn id="18" dur="1" fill="hold">
+                                          <p:stCondLst>
+                                            <p:cond delay="0"/>
+                                          </p:stCondLst>
+                                        </p:cTn>
+                                        <p:tgtEl>
+                                          <p:spTgt spid="9"/>
+                                        </p:tgtEl>
+                                        <p:attrNameLst>
+                                          <p:attrName>style.visibility</p:attrName>
+                                        </p:attrNameLst>
+                                      </p:cBhvr>
+                                      <p:to>
+                                        <p:strVal val="visible"/>
+                                      </p:to>
+                                    </p:set>
+                                  </p:childTnLst>
+                                </p:cTn>
+                              </p:par>
+                            </p:childTnLst>
+                          </p:cTn>
+                        </p:par>
+                      </p:childTnLst>
+                    </p:cTn>
+                  </p:par>
+                  <p:par>
+                    <p:cTn id="19" fill="hold">
+                      <p:stCondLst>
+                        <p:cond delay="indefinite"/>
+                      </p:stCondLst>
+                      <p:childTnLst>
+                        <p:par>
+                          <p:cTn id="20" fill="hold">
+                            <p:stCondLst>
+                              <p:cond delay="0"/>
+                            </p:stCondLst>
+                            <p:childTnLst>
+                              <p:par>
+                                <p:cTn id="21" presetID="1" presetClass="entr" presetSubtype="0" fill="hold" nodeType="clickEffect">
+                                  <p:stCondLst>
+                                    <p:cond delay="0"/>
+                                  </p:stCondLst>
+                                  <p:childTnLst>
+                                    <p:set>
+                                      <p:cBhvr>
+                                        <p:cTn id="22" dur="1" fill="hold">
+                                          <p:stCondLst>
+                                            <p:cond delay="0"/>
+                                          </p:stCondLst>
+                                        </p:cTn>
+                                        <p:tgtEl>
+                                          <p:spTgt spid="26"/>
+                                        </p:tgtEl>
+                                        <p:attrNameLst>
+                                          <p:attrName>style.visibility</p:attrName>
+                                        </p:attrNameLst>
+                                      </p:cBhvr>
+                                      <p:to>
+                                        <p:strVal val="visible"/>
+                                      </p:to>
+                                    </p:set>
+                                  </p:childTnLst>
+                                </p:cTn>
+                              </p:par>
+                              <p:par>
+                                <p:cTn id="23" presetID="1" presetClass="entr" presetSubtype="0" fill="hold" nodeType="withEffect">
+                                  <p:stCondLst>
+                                    <p:cond delay="0"/>
+                                  </p:stCondLst>
+                                  <p:childTnLst>
+                                    <p:set>
+                                      <p:cBhvr>
+                                        <p:cTn id="24" dur="1" fill="hold">
+                                          <p:stCondLst>
+                                            <p:cond delay="0"/>
+                                          </p:stCondLst>
+                                        </p:cTn>
+                                        <p:tgtEl>
+                                          <p:spTgt spid="29"/>
+                                        </p:tgtEl>
+                                        <p:attrNameLst>
+                                          <p:attrName>style.visibility</p:attrName>
+                                        </p:attrNameLst>
+                                      </p:cBhvr>
+                                      <p:to>
+                                        <p:strVal val="visible"/>
+                                      </p:to>
+                                    </p:set>
+                                  </p:childTnLst>
+                                </p:cTn>
+                              </p:par>
+                              <p:par>
+                                <p:cTn id="25" presetID="1" presetClass="entr" presetSubtype="0" fill="hold" grpId="0" nodeType="withEffect">
+                                  <p:stCondLst>
+                                    <p:cond delay="0"/>
+                                  </p:stCondLst>
+                                  <p:childTnLst>
+                                    <p:set>
+                                      <p:cBhvr>
+                                        <p:cTn id="26" dur="1" fill="hold">
+                                          <p:stCondLst>
+                                            <p:cond delay="0"/>
+                                          </p:stCondLst>
+                                        </p:cTn>
+                                        <p:tgtEl>
+                                          <p:spTgt spid="12"/>
+                                        </p:tgtEl>
+                                        <p:attrNameLst>
+                                          <p:attrName>style.visibility</p:attrName>
+                                        </p:attrNameLst>
+                                      </p:cBhvr>
+                                      <p:to>
+                                        <p:strVal val="visible"/>
+                                      </p:to>
+                                    </p:set>
+                                  </p:childTnLst>
+                                </p:cTn>
+                              </p:par>
+                              <p:par>
+                                <p:cTn id="27" presetID="1" presetClass="entr" presetSubtype="0" fill="hold" nodeType="withEffect">
+                                  <p:stCondLst>
+                                    <p:cond delay="0"/>
+                                  </p:stCondLst>
+                                  <p:childTnLst>
+                                    <p:set>
+                                      <p:cBhvr>
+                                        <p:cTn id="28" dur="1" fill="hold">
+                                          <p:stCondLst>
+                                            <p:cond delay="0"/>
+                                          </p:stCondLst>
+                                        </p:cTn>
+                                        <p:tgtEl>
+                                          <p:spTgt spid="13"/>
+                                        </p:tgtEl>
+                                        <p:attrNameLst>
+                                          <p:attrName>style.visibility</p:attrName>
+                                        </p:attrNameLst>
+                                      </p:cBhvr>
+                                      <p:to>
+                                        <p:strVal val="visible"/>
+                                      </p:to>
+                                    </p:set>
+                                  </p:childTnLst>
+                                </p:cTn>
+                              </p:par>
+                              <p:par>
+                                <p:cTn id="29" presetID="1" presetClass="entr" presetSubtype="0" fill="hold" grpId="0" nodeType="withEffect">
+                                  <p:stCondLst>
+                                    <p:cond delay="0"/>
+                                  </p:stCondLst>
+                                  <p:childTnLst>
+                                    <p:set>
+                                      <p:cBhvr>
+                                        <p:cTn id="30" dur="1" fill="hold">
+                                          <p:stCondLst>
+                                            <p:cond delay="0"/>
+                                          </p:stCondLst>
+                                        </p:cTn>
+                                        <p:tgtEl>
+                                          <p:spTgt spid="38"/>
+                                        </p:tgtEl>
+                                        <p:attrNameLst>
+                                          <p:attrName>style.visibility</p:attrName>
+                                        </p:attrNameLst>
+                                      </p:cBhvr>
+                                      <p:to>
+                                        <p:strVal val="visible"/>
+                                      </p:to>
+                                    </p:set>
+                                  </p:childTnLst>
+                                </p:cTn>
+                              </p:par>
+                            </p:childTnLst>
+                          </p:cTn>
+                        </p:par>
+                      </p:childTnLst>
+                    </p:cTn>
+                  </p:par>
+                  <p:par>
+                    <p:cTn id="31" fill="hold">
+                      <p:stCondLst>
+                        <p:cond delay="indefinite"/>
+                      </p:stCondLst>
+                      <p:childTnLst>
+                        <p:par>
+                          <p:cTn id="32" fill="hold">
+                            <p:stCondLst>
+                              <p:cond delay="0"/>
+                            </p:stCondLst>
+                            <p:childTnLst>
+                              <p:par>
+                                <p:cTn id="33" presetID="1" presetClass="entr" presetSubtype="0" fill="hold" nodeType="clickEffect">
+                                  <p:stCondLst>
+                                    <p:cond delay="0"/>
+                                  </p:stCondLst>
+                                  <p:childTnLst>
+                                    <p:set>
+                                      <p:cBhvr>
+                                        <p:cTn id="34" dur="1" fill="hold">
+                                          <p:stCondLst>
+                                            <p:cond delay="0"/>
+                                          </p:stCondLst>
+                                        </p:cTn>
+                                        <p:tgtEl>
+                                          <p:spTgt spid="34"/>
+                                        </p:tgtEl>
+                                        <p:attrNameLst>
+                                          <p:attrName>style.visibility</p:attrName>
+                                        </p:attrNameLst>
+                                      </p:cBhvr>
+                                      <p:to>
+                                        <p:strVal val="visible"/>
+                                      </p:to>
+                                    </p:set>
+                                  </p:childTnLst>
+                                </p:cTn>
+                              </p:par>
+                              <p:par>
+                                <p:cTn id="35" presetID="1" presetClass="entr" presetSubtype="0" fill="hold" nodeType="withEffect">
+                                  <p:stCondLst>
+                                    <p:cond delay="0"/>
+                                  </p:stCondLst>
+                                  <p:childTnLst>
+                                    <p:set>
+                                      <p:cBhvr>
+                                        <p:cTn id="36" dur="1" fill="hold">
+                                          <p:stCondLst>
+                                            <p:cond delay="0"/>
+                                          </p:stCondLst>
+                                        </p:cTn>
+                                        <p:tgtEl>
+                                          <p:spTgt spid="23"/>
+                                        </p:tgtEl>
+                                        <p:attrNameLst>
+                                          <p:attrName>style.visibility</p:attrName>
+                                        </p:attrNameLst>
+                                      </p:cBhvr>
+                                      <p:to>
+                                        <p:strVal val="visible"/>
+                                      </p:to>
+                                    </p:set>
+                                  </p:childTnLst>
+                                </p:cTn>
+                              </p:par>
+                              <p:par>
+                                <p:cTn id="37" presetID="1" presetClass="entr" presetSubtype="0" fill="hold" grpId="0" nodeType="withEffect">
+                                  <p:stCondLst>
+                                    <p:cond delay="0"/>
+                                  </p:stCondLst>
+                                  <p:childTnLst>
+                                    <p:set>
+                                      <p:cBhvr>
+                                        <p:cTn id="38" dur="1" fill="hold">
+                                          <p:stCondLst>
+                                            <p:cond delay="0"/>
+                                          </p:stCondLst>
+                                        </p:cTn>
+                                        <p:tgtEl>
+                                          <p:spTgt spid="15"/>
+                                        </p:tgtEl>
+                                        <p:attrNameLst>
+                                          <p:attrName>style.visibility</p:attrName>
+                                        </p:attrNameLst>
+                                      </p:cBhvr>
+                                      <p:to>
+                                        <p:strVal val="visible"/>
+                                      </p:to>
+                                    </p:set>
+                                  </p:childTnLst>
+                                </p:cTn>
+                              </p:par>
+                              <p:par>
+                                <p:cTn id="39" presetID="1" presetClass="entr" presetSubtype="0" fill="hold" nodeType="withEffect">
+                                  <p:stCondLst>
+                                    <p:cond delay="0"/>
+                                  </p:stCondLst>
+                                  <p:childTnLst>
+                                    <p:set>
+                                      <p:cBhvr>
+                                        <p:cTn id="40" dur="1" fill="hold">
+                                          <p:stCondLst>
+                                            <p:cond delay="0"/>
+                                          </p:stCondLst>
+                                        </p:cTn>
+                                        <p:tgtEl>
+                                          <p:spTgt spid="16"/>
+                                        </p:tgtEl>
+                                        <p:attrNameLst>
+                                          <p:attrName>style.visibility</p:attrName>
+                                        </p:attrNameLst>
+                                      </p:cBhvr>
+                                      <p:to>
+                                        <p:strVal val="visible"/>
+                                      </p:to>
+                                    </p:set>
+                                  </p:childTnLst>
+                                </p:cTn>
+                              </p:par>
+                              <p:par>
+                                <p:cTn id="41" presetID="1" presetClass="entr" presetSubtype="0" fill="hold" grpId="0" nodeType="withEffect">
+                                  <p:stCondLst>
+                                    <p:cond delay="0"/>
+                                  </p:stCondLst>
+                                  <p:childTnLst>
+                                    <p:set>
+                                      <p:cBhvr>
+                                        <p:cTn id="42" dur="1" fill="hold">
+                                          <p:stCondLst>
+                                            <p:cond delay="0"/>
+                                          </p:stCondLst>
+                                        </p:cTn>
+                                        <p:tgtEl>
+                                          <p:spTgt spid="37"/>
+                                        </p:tgtEl>
+                                        <p:attrNameLst>
+                                          <p:attrName>style.visibility</p:attrName>
+                                        </p:attrNameLst>
+                                      </p:cBhvr>
+                                      <p:to>
+                                        <p:strVal val="visible"/>
+                                      </p:to>
+                                    </p:set>
+                                  </p:childTnLst>
+                                </p:cTn>
+                              </p:par>
+                            </p:childTnLst>
+                          </p:cTn>
+                        </p:par>
+                      </p:childTnLst>
+                    </p:cTn>
+                  </p:par>
+                  <p:par>
+                    <p:cTn id="43" fill="hold">
+                      <p:stCondLst>
+                        <p:cond delay="indefinite"/>
+                      </p:stCondLst>
+                      <p:childTnLst>
+                        <p:par>
+                          <p:cTn id="44" fill="hold">
+                            <p:stCondLst>
+                              <p:cond delay="0"/>
+                            </p:stCondLst>
+                            <p:childTnLst>
+                              <p:par>
+                                <p:cTn id="45" presetID="1" presetClass="entr" presetSubtype="0" fill="hold" nodeType="clickEffect">
+                                  <p:stCondLst>
+                                    <p:cond delay="0"/>
+                                  </p:stCondLst>
+                                  <p:childTnLst>
+                                    <p:set>
+                                      <p:cBhvr>
+                                        <p:cTn id="46" dur="1" fill="hold">
+                                          <p:stCondLst>
+                                            <p:cond delay="0"/>
+                                          </p:stCondLst>
+                                        </p:cTn>
+                                        <p:tgtEl>
+                                          <p:spTgt spid="31"/>
+                                        </p:tgtEl>
+                                        <p:attrNameLst>
+                                          <p:attrName>style.visibility</p:attrName>
+                                        </p:attrNameLst>
+                                      </p:cBhvr>
+                                      <p:to>
+                                        <p:strVal val="visible"/>
+                                      </p:to>
+                                    </p:set>
+                                  </p:childTnLst>
+                                </p:cTn>
+                              </p:par>
+                              <p:par>
+                                <p:cTn id="47" presetID="1" presetClass="entr" presetSubtype="0" fill="hold" nodeType="withEffect">
+                                  <p:stCondLst>
+                                    <p:cond delay="0"/>
+                                  </p:stCondLst>
+                                  <p:childTnLst>
+                                    <p:set>
+                                      <p:cBhvr>
+                                        <p:cTn id="48" dur="1" fill="hold">
+                                          <p:stCondLst>
+                                            <p:cond delay="0"/>
+                                          </p:stCondLst>
+                                        </p:cTn>
+                                        <p:tgtEl>
+                                          <p:spTgt spid="19"/>
+                                        </p:tgtEl>
+                                        <p:attrNameLst>
+                                          <p:attrName>style.visibility</p:attrName>
+                                        </p:attrNameLst>
+                                      </p:cBhvr>
+                                      <p:to>
+                                        <p:strVal val="visible"/>
+                                      </p:to>
+                                    </p:set>
+                                  </p:childTnLst>
+                                </p:cTn>
+                              </p:par>
+                              <p:par>
+                                <p:cTn id="49" presetID="1" presetClass="entr" presetSubtype="0" fill="hold" nodeType="withEffect">
+                                  <p:stCondLst>
+                                    <p:cond delay="0"/>
+                                  </p:stCondLst>
+                                  <p:childTnLst>
+                                    <p:set>
+                                      <p:cBhvr>
+                                        <p:cTn id="50" dur="1" fill="hold">
+                                          <p:stCondLst>
+                                            <p:cond delay="0"/>
+                                          </p:stCondLst>
+                                        </p:cTn>
+                                        <p:tgtEl>
+                                          <p:spTgt spid="5"/>
+                                        </p:tgtEl>
+                                        <p:attrNameLst>
+                                          <p:attrName>style.visibility</p:attrName>
+                                        </p:attrNameLst>
+                                      </p:cBhvr>
+                                      <p:to>
+                                        <p:strVal val="visible"/>
+                                      </p:to>
+                                    </p:set>
+                                  </p:childTnLst>
+                                </p:cTn>
+                              </p:par>
+                              <p:par>
+                                <p:cTn id="51" presetID="1" presetClass="entr" presetSubtype="0" fill="hold" grpId="0" nodeType="withEffect">
+                                  <p:stCondLst>
+                                    <p:cond delay="0"/>
+                                  </p:stCondLst>
+                                  <p:childTnLst>
+                                    <p:set>
+                                      <p:cBhvr>
+                                        <p:cTn id="52" dur="1" fill="hold">
+                                          <p:stCondLst>
+                                            <p:cond delay="0"/>
+                                          </p:stCondLst>
+                                        </p:cTn>
+                                        <p:tgtEl>
+                                          <p:spTgt spid="40"/>
+                                        </p:tgtEl>
+                                        <p:attrNameLst>
+                                          <p:attrName>style.visibility</p:attrName>
+                                        </p:attrNameLst>
+                                      </p:cBhvr>
+                                      <p:to>
+                                        <p:strVal val="visible"/>
+                                      </p:to>
+                                    </p:set>
+                                  </p:childTnLst>
+                                </p:cTn>
+                              </p:par>
+                              <p:par>
+                                <p:cTn id="53" presetID="1" presetClass="entr" presetSubtype="0" fill="hold" grpId="0" nodeType="withEffect">
+                                  <p:stCondLst>
+                                    <p:cond delay="0"/>
+                                  </p:stCondLst>
+                                  <p:childTnLst>
+                                    <p:set>
+                                      <p:cBhvr>
+                                        <p:cTn id="54" dur="1" fill="hold">
+                                          <p:stCondLst>
+                                            <p:cond delay="0"/>
+                                          </p:stCondLst>
+                                        </p:cTn>
+                                        <p:tgtEl>
+                                          <p:spTgt spid="4"/>
+                                        </p:tgtEl>
+                                        <p:attrNameLst>
+                                          <p:attrName>style.visibility</p:attrName>
+                                        </p:attrNameLst>
+                                      </p:cBhvr>
+                                      <p:to>
+                                        <p:strVal val="visible"/>
+                                      </p:to>
+                                    </p:set>
+                                  </p:childTnLst>
+                                </p:cTn>
+                              </p:par>
+                            </p:childTnLst>
+                          </p:cTn>
+                        </p:par>
+                      </p:childTnLst>
+                    </p:cTn>
+                  </p:par>
+                  <p:par>
+                    <p:cTn id="55" fill="hold">
+                      <p:stCondLst>
+                        <p:cond delay="indefinite"/>
+                      </p:stCondLst>
+                      <p:childTnLst>
+                        <p:par>
+                          <p:cTn id="56" fill="hold">
+                            <p:stCondLst>
+                              <p:cond delay="0"/>
+                            </p:stCondLst>
+                            <p:childTnLst>
+                              <p:par>
+                                <p:cTn id="57" presetID="1" presetClass="entr" presetSubtype="0" fill="hold" grpId="0" nodeType="clickEffect">
+                                  <p:stCondLst>
+                                    <p:cond delay="0"/>
+                                  </p:stCondLst>
+                                  <p:childTnLst>
+                                    <p:set>
+                                      <p:cBhvr>
+                                        <p:cTn id="58" dur="1" fill="hold">
+                                          <p:stCondLst>
+                                            <p:cond delay="0"/>
+                                          </p:stCondLst>
+                                        </p:cTn>
+                                        <p:tgtEl>
+                                          <p:spTgt spid="45"/>
+                                        </p:tgtEl>
+                                        <p:attrNameLst>
+                                          <p:attrName>style.visibility</p:attrName>
+                                        </p:attrNameLst>
+                                      </p:cBhvr>
+                                      <p:to>
+                                        <p:strVal val="visible"/>
+                                      </p:to>
+                                    </p:set>
+                                  </p:childTnLst>
+                                </p:cTn>
+                              </p:par>
+                            </p:childTnLst>
+                          </p:cTn>
+                        </p:par>
+                      </p:childTnLst>
+                    </p:cTn>
+                  </p:par>
+                  <p:par>
+                    <p:cTn id="59" fill="hold">
+                      <p:stCondLst>
+                        <p:cond delay="indefinite"/>
+                      </p:stCondLst>
+                      <p:childTnLst>
+                        <p:par>
+                          <p:cTn id="60" fill="hold">
+                            <p:stCondLst>
+                              <p:cond delay="0"/>
+                            </p:stCondLst>
+                            <p:childTnLst>
+                              <p:par>
+                                <p:cTn id="61" presetID="1" presetClass="entr" presetSubtype="0" fill="hold" grpId="0" nodeType="clickEffect">
+                                  <p:stCondLst>
+                                    <p:cond delay="0"/>
+                                  </p:stCondLst>
+                                  <p:childTnLst>
+                                    <p:set>
+                                      <p:cBhvr>
+                                        <p:cTn id="62" dur="1" fill="hold">
+                                          <p:stCondLst>
+                                            <p:cond delay="0"/>
+                                          </p:stCondLst>
+                                        </p:cTn>
+                                        <p:tgtEl>
+                                          <p:spTgt spid="53"/>
+                                        </p:tgtEl>
+                                        <p:attrNameLst>
+                                          <p:attrName>style.visibility</p:attrName>
+                                        </p:attrNameLst>
+                                      </p:cBhvr>
+                                      <p:to>
+                                        <p:strVal val="visible"/>
+                                      </p:to>
+                                    </p:set>
+                                  </p:childTnLst>
+                                </p:cTn>
+                              </p:par>
+                            </p:childTnLst>
+                          </p:cTn>
+                        </p:par>
+                      </p:childTnLst>
+                    </p:cTn>
+                  </p:par>
+                  <p:par>
+                    <p:cTn id="63" fill="hold">
+                      <p:stCondLst>
+                        <p:cond delay="indefinite"/>
+                      </p:stCondLst>
+                      <p:childTnLst>
+                        <p:par>
+                          <p:cTn id="64" fill="hold">
+                            <p:stCondLst>
+                              <p:cond delay="0"/>
+                            </p:stCondLst>
+                            <p:childTnLst>
+                              <p:par>
+                                <p:cTn id="65" presetID="1" presetClass="entr" presetSubtype="0" fill="hold" grpId="0" nodeType="clickEffect">
+                                  <p:stCondLst>
+                                    <p:cond delay="0"/>
+                                  </p:stCondLst>
+                                  <p:childTnLst>
+                                    <p:set>
+                                      <p:cBhvr>
+                                        <p:cTn id="66" dur="1" fill="hold">
+                                          <p:stCondLst>
+                                            <p:cond delay="0"/>
+                                          </p:stCondLst>
+                                        </p:cTn>
+                                        <p:tgtEl>
+                                          <p:spTgt spid="54"/>
+                                        </p:tgtEl>
+                                        <p:attrNameLst>
+                                          <p:attrName>style.visibility</p:attrName>
+                                        </p:attrNameLst>
+                                      </p:cBhvr>
+                                      <p:to>
+                                        <p:strVal val="visible"/>
+                                      </p:to>
+                                    </p:set>
+                                  </p:childTnLst>
+                                </p:cTn>
+                              </p:par>
+                            </p:childTnLst>
+                          </p:cTn>
+                        </p:par>
+                      </p:childTnLst>
+                    </p:cTn>
+                  </p:par>
+                </p:childTnLst>
+              </p:cTn>
+              <p:prevCondLst>
+                <p:cond evt="onPrev" delay="0">
+                  <p:tgtEl>
+                    <p:sldTgt/>
+                  </p:tgtEl>
+                </p:cond>
+              </p:prevCondLst>
+              <p:nextCondLst>
+                <p:cond evt="onNext" delay="0">
+                  <p:tgtEl>
+                    <p:sldTgt/>
+                  </p:tgtEl>
+                </p:cond>
+              </p:nextCondLst>
+            </p:seq>
+          </p:childTnLst>
+        </p:cTn>
+      </p:par>
+    </p:tnLst>
+    <p:bldLst>
+      <p:bldP spid="4" grpId="0" animBg="1"/>
+      <p:bldP spid="2" grpId="0" animBg="1"/>
+      <p:bldP spid="9" grpId="0" animBg="1"/>
+      <p:bldP spid="12" grpId="0" animBg="1"/>
+      <p:bldP spid="15" grpId="0" animBg="1"/>
+      <p:bldP spid="37" grpId="0"/>
+      <p:bldP spid="38" grpId="0"/>
+      <p:bldP spid="39" grpId="0"/>
+      <p:bldP spid="40" grpId="0"/>
+      <p:bldP spid="45" grpId="0"/>
+      <p:bldP spid="53" grpId="0"/>
+      <p:bldP spid="54" grpId="0"/>
+    </p:bldLst>
+  </p:timing>
 </p:sld>
 </file>
 
@@ -12199,7 +16816,7 @@
           <a:p>
             <a:r>
               <a:rPr lang="en-US" dirty="0"/>
-              <a:t>Define two components to construct learning algorithm for Bayesian networks:</a:t>
+              <a:t>Need two components to construct learning algorithm for Bayesian networks:</a:t>
             </a:r>
           </a:p>
           <a:p>
@@ -12263,6 +16880,462 @@
   <p:clrMapOvr>
     <a:masterClrMapping/>
   </p:clrMapOvr>
+  <p:timing>
+    <p:tnLst>
+      <p:par>
+        <p:cTn id="1" dur="indefinite" restart="never" nodeType="tmRoot">
+          <p:childTnLst>
+            <p:seq concurrent="1" nextAc="seek">
+              <p:cTn id="2" dur="indefinite" nodeType="mainSeq">
+                <p:childTnLst>
+                  <p:par>
+                    <p:cTn id="3" fill="hold">
+                      <p:stCondLst>
+                        <p:cond delay="indefinite"/>
+                      </p:stCondLst>
+                      <p:childTnLst>
+                        <p:par>
+                          <p:cTn id="4" fill="hold">
+                            <p:stCondLst>
+                              <p:cond delay="0"/>
+                            </p:stCondLst>
+                            <p:childTnLst>
+                              <p:par>
+                                <p:cTn id="5" presetID="1" presetClass="entr" presetSubtype="0" fill="hold" grpId="0" nodeType="clickEffect">
+                                  <p:stCondLst>
+                                    <p:cond delay="0"/>
+                                  </p:stCondLst>
+                                  <p:childTnLst>
+                                    <p:set>
+                                      <p:cBhvr>
+                                        <p:cTn id="6" dur="1" fill="hold">
+                                          <p:stCondLst>
+                                            <p:cond delay="0"/>
+                                          </p:stCondLst>
+                                        </p:cTn>
+                                        <p:tgtEl>
+                                          <p:spTgt spid="3">
+                                            <p:txEl>
+                                              <p:pRg st="0" end="0"/>
+                                            </p:txEl>
+                                          </p:spTgt>
+                                        </p:tgtEl>
+                                        <p:attrNameLst>
+                                          <p:attrName>style.visibility</p:attrName>
+                                        </p:attrNameLst>
+                                      </p:cBhvr>
+                                      <p:to>
+                                        <p:strVal val="visible"/>
+                                      </p:to>
+                                    </p:set>
+                                  </p:childTnLst>
+                                </p:cTn>
+                              </p:par>
+                            </p:childTnLst>
+                          </p:cTn>
+                        </p:par>
+                      </p:childTnLst>
+                    </p:cTn>
+                  </p:par>
+                  <p:par>
+                    <p:cTn id="7" fill="hold">
+                      <p:stCondLst>
+                        <p:cond delay="indefinite"/>
+                      </p:stCondLst>
+                      <p:childTnLst>
+                        <p:par>
+                          <p:cTn id="8" fill="hold">
+                            <p:stCondLst>
+                              <p:cond delay="0"/>
+                            </p:stCondLst>
+                            <p:childTnLst>
+                              <p:par>
+                                <p:cTn id="9" presetID="1" presetClass="entr" presetSubtype="0" fill="hold" grpId="0" nodeType="clickEffect">
+                                  <p:stCondLst>
+                                    <p:cond delay="0"/>
+                                  </p:stCondLst>
+                                  <p:childTnLst>
+                                    <p:set>
+                                      <p:cBhvr>
+                                        <p:cTn id="10" dur="1" fill="hold">
+                                          <p:stCondLst>
+                                            <p:cond delay="0"/>
+                                          </p:stCondLst>
+                                        </p:cTn>
+                                        <p:tgtEl>
+                                          <p:spTgt spid="3">
+                                            <p:txEl>
+                                              <p:pRg st="1" end="1"/>
+                                            </p:txEl>
+                                          </p:spTgt>
+                                        </p:tgtEl>
+                                        <p:attrNameLst>
+                                          <p:attrName>style.visibility</p:attrName>
+                                        </p:attrNameLst>
+                                      </p:cBhvr>
+                                      <p:to>
+                                        <p:strVal val="visible"/>
+                                      </p:to>
+                                    </p:set>
+                                  </p:childTnLst>
+                                </p:cTn>
+                              </p:par>
+                            </p:childTnLst>
+                          </p:cTn>
+                        </p:par>
+                      </p:childTnLst>
+                    </p:cTn>
+                  </p:par>
+                  <p:par>
+                    <p:cTn id="11" fill="hold">
+                      <p:stCondLst>
+                        <p:cond delay="indefinite"/>
+                      </p:stCondLst>
+                      <p:childTnLst>
+                        <p:par>
+                          <p:cTn id="12" fill="hold">
+                            <p:stCondLst>
+                              <p:cond delay="0"/>
+                            </p:stCondLst>
+                            <p:childTnLst>
+                              <p:par>
+                                <p:cTn id="13" presetID="1" presetClass="entr" presetSubtype="0" fill="hold" grpId="0" nodeType="clickEffect">
+                                  <p:stCondLst>
+                                    <p:cond delay="0"/>
+                                  </p:stCondLst>
+                                  <p:childTnLst>
+                                    <p:set>
+                                      <p:cBhvr>
+                                        <p:cTn id="14" dur="1" fill="hold">
+                                          <p:stCondLst>
+                                            <p:cond delay="0"/>
+                                          </p:stCondLst>
+                                        </p:cTn>
+                                        <p:tgtEl>
+                                          <p:spTgt spid="3">
+                                            <p:txEl>
+                                              <p:pRg st="2" end="2"/>
+                                            </p:txEl>
+                                          </p:spTgt>
+                                        </p:tgtEl>
+                                        <p:attrNameLst>
+                                          <p:attrName>style.visibility</p:attrName>
+                                        </p:attrNameLst>
+                                      </p:cBhvr>
+                                      <p:to>
+                                        <p:strVal val="visible"/>
+                                      </p:to>
+                                    </p:set>
+                                  </p:childTnLst>
+                                </p:cTn>
+                              </p:par>
+                            </p:childTnLst>
+                          </p:cTn>
+                        </p:par>
+                      </p:childTnLst>
+                    </p:cTn>
+                  </p:par>
+                  <p:par>
+                    <p:cTn id="15" fill="hold">
+                      <p:stCondLst>
+                        <p:cond delay="indefinite"/>
+                      </p:stCondLst>
+                      <p:childTnLst>
+                        <p:par>
+                          <p:cTn id="16" fill="hold">
+                            <p:stCondLst>
+                              <p:cond delay="0"/>
+                            </p:stCondLst>
+                            <p:childTnLst>
+                              <p:par>
+                                <p:cTn id="17" presetID="1" presetClass="entr" presetSubtype="0" fill="hold" grpId="0" nodeType="clickEffect">
+                                  <p:stCondLst>
+                                    <p:cond delay="0"/>
+                                  </p:stCondLst>
+                                  <p:childTnLst>
+                                    <p:set>
+                                      <p:cBhvr>
+                                        <p:cTn id="18" dur="1" fill="hold">
+                                          <p:stCondLst>
+                                            <p:cond delay="0"/>
+                                          </p:stCondLst>
+                                        </p:cTn>
+                                        <p:tgtEl>
+                                          <p:spTgt spid="3">
+                                            <p:txEl>
+                                              <p:pRg st="3" end="3"/>
+                                            </p:txEl>
+                                          </p:spTgt>
+                                        </p:tgtEl>
+                                        <p:attrNameLst>
+                                          <p:attrName>style.visibility</p:attrName>
+                                        </p:attrNameLst>
+                                      </p:cBhvr>
+                                      <p:to>
+                                        <p:strVal val="visible"/>
+                                      </p:to>
+                                    </p:set>
+                                  </p:childTnLst>
+                                </p:cTn>
+                              </p:par>
+                              <p:par>
+                                <p:cTn id="19" presetID="1" presetClass="entr" presetSubtype="0" fill="hold" grpId="0" nodeType="withEffect">
+                                  <p:stCondLst>
+                                    <p:cond delay="0"/>
+                                  </p:stCondLst>
+                                  <p:childTnLst>
+                                    <p:set>
+                                      <p:cBhvr>
+                                        <p:cTn id="20" dur="1" fill="hold">
+                                          <p:stCondLst>
+                                            <p:cond delay="0"/>
+                                          </p:stCondLst>
+                                        </p:cTn>
+                                        <p:tgtEl>
+                                          <p:spTgt spid="3">
+                                            <p:txEl>
+                                              <p:pRg st="4" end="4"/>
+                                            </p:txEl>
+                                          </p:spTgt>
+                                        </p:tgtEl>
+                                        <p:attrNameLst>
+                                          <p:attrName>style.visibility</p:attrName>
+                                        </p:attrNameLst>
+                                      </p:cBhvr>
+                                      <p:to>
+                                        <p:strVal val="visible"/>
+                                      </p:to>
+                                    </p:set>
+                                  </p:childTnLst>
+                                </p:cTn>
+                              </p:par>
+                            </p:childTnLst>
+                          </p:cTn>
+                        </p:par>
+                      </p:childTnLst>
+                    </p:cTn>
+                  </p:par>
+                  <p:par>
+                    <p:cTn id="21" fill="hold">
+                      <p:stCondLst>
+                        <p:cond delay="indefinite"/>
+                      </p:stCondLst>
+                      <p:childTnLst>
+                        <p:par>
+                          <p:cTn id="22" fill="hold">
+                            <p:stCondLst>
+                              <p:cond delay="0"/>
+                            </p:stCondLst>
+                            <p:childTnLst>
+                              <p:par>
+                                <p:cTn id="23" presetID="1" presetClass="entr" presetSubtype="0" fill="hold" grpId="0" nodeType="clickEffect">
+                                  <p:stCondLst>
+                                    <p:cond delay="0"/>
+                                  </p:stCondLst>
+                                  <p:childTnLst>
+                                    <p:set>
+                                      <p:cBhvr>
+                                        <p:cTn id="24" dur="1" fill="hold">
+                                          <p:stCondLst>
+                                            <p:cond delay="0"/>
+                                          </p:stCondLst>
+                                        </p:cTn>
+                                        <p:tgtEl>
+                                          <p:spTgt spid="3">
+                                            <p:txEl>
+                                              <p:pRg st="5" end="5"/>
+                                            </p:txEl>
+                                          </p:spTgt>
+                                        </p:tgtEl>
+                                        <p:attrNameLst>
+                                          <p:attrName>style.visibility</p:attrName>
+                                        </p:attrNameLst>
+                                      </p:cBhvr>
+                                      <p:to>
+                                        <p:strVal val="visible"/>
+                                      </p:to>
+                                    </p:set>
+                                  </p:childTnLst>
+                                </p:cTn>
+                              </p:par>
+                            </p:childTnLst>
+                          </p:cTn>
+                        </p:par>
+                      </p:childTnLst>
+                    </p:cTn>
+                  </p:par>
+                  <p:par>
+                    <p:cTn id="25" fill="hold">
+                      <p:stCondLst>
+                        <p:cond delay="indefinite"/>
+                      </p:stCondLst>
+                      <p:childTnLst>
+                        <p:par>
+                          <p:cTn id="26" fill="hold">
+                            <p:stCondLst>
+                              <p:cond delay="0"/>
+                            </p:stCondLst>
+                            <p:childTnLst>
+                              <p:par>
+                                <p:cTn id="27" presetID="1" presetClass="entr" presetSubtype="0" fill="hold" grpId="0" nodeType="clickEffect">
+                                  <p:stCondLst>
+                                    <p:cond delay="0"/>
+                                  </p:stCondLst>
+                                  <p:childTnLst>
+                                    <p:set>
+                                      <p:cBhvr>
+                                        <p:cTn id="28" dur="1" fill="hold">
+                                          <p:stCondLst>
+                                            <p:cond delay="0"/>
+                                          </p:stCondLst>
+                                        </p:cTn>
+                                        <p:tgtEl>
+                                          <p:spTgt spid="3">
+                                            <p:txEl>
+                                              <p:pRg st="6" end="6"/>
+                                            </p:txEl>
+                                          </p:spTgt>
+                                        </p:tgtEl>
+                                        <p:attrNameLst>
+                                          <p:attrName>style.visibility</p:attrName>
+                                        </p:attrNameLst>
+                                      </p:cBhvr>
+                                      <p:to>
+                                        <p:strVal val="visible"/>
+                                      </p:to>
+                                    </p:set>
+                                  </p:childTnLst>
+                                </p:cTn>
+                              </p:par>
+                            </p:childTnLst>
+                          </p:cTn>
+                        </p:par>
+                      </p:childTnLst>
+                    </p:cTn>
+                  </p:par>
+                  <p:par>
+                    <p:cTn id="29" fill="hold">
+                      <p:stCondLst>
+                        <p:cond delay="indefinite"/>
+                      </p:stCondLst>
+                      <p:childTnLst>
+                        <p:par>
+                          <p:cTn id="30" fill="hold">
+                            <p:stCondLst>
+                              <p:cond delay="0"/>
+                            </p:stCondLst>
+                            <p:childTnLst>
+                              <p:par>
+                                <p:cTn id="31" presetID="1" presetClass="entr" presetSubtype="0" fill="hold" grpId="0" nodeType="clickEffect">
+                                  <p:stCondLst>
+                                    <p:cond delay="0"/>
+                                  </p:stCondLst>
+                                  <p:childTnLst>
+                                    <p:set>
+                                      <p:cBhvr>
+                                        <p:cTn id="32" dur="1" fill="hold">
+                                          <p:stCondLst>
+                                            <p:cond delay="0"/>
+                                          </p:stCondLst>
+                                        </p:cTn>
+                                        <p:tgtEl>
+                                          <p:spTgt spid="3">
+                                            <p:txEl>
+                                              <p:pRg st="7" end="7"/>
+                                            </p:txEl>
+                                          </p:spTgt>
+                                        </p:tgtEl>
+                                        <p:attrNameLst>
+                                          <p:attrName>style.visibility</p:attrName>
+                                        </p:attrNameLst>
+                                      </p:cBhvr>
+                                      <p:to>
+                                        <p:strVal val="visible"/>
+                                      </p:to>
+                                    </p:set>
+                                  </p:childTnLst>
+                                </p:cTn>
+                              </p:par>
+                            </p:childTnLst>
+                          </p:cTn>
+                        </p:par>
+                      </p:childTnLst>
+                    </p:cTn>
+                  </p:par>
+                  <p:par>
+                    <p:cTn id="33" fill="hold">
+                      <p:stCondLst>
+                        <p:cond delay="indefinite"/>
+                      </p:stCondLst>
+                      <p:childTnLst>
+                        <p:par>
+                          <p:cTn id="34" fill="hold">
+                            <p:stCondLst>
+                              <p:cond delay="0"/>
+                            </p:stCondLst>
+                            <p:childTnLst>
+                              <p:par>
+                                <p:cTn id="35" presetID="1" presetClass="entr" presetSubtype="0" fill="hold" grpId="0" nodeType="clickEffect">
+                                  <p:stCondLst>
+                                    <p:cond delay="0"/>
+                                  </p:stCondLst>
+                                  <p:childTnLst>
+                                    <p:set>
+                                      <p:cBhvr>
+                                        <p:cTn id="36" dur="1" fill="hold">
+                                          <p:stCondLst>
+                                            <p:cond delay="0"/>
+                                          </p:stCondLst>
+                                        </p:cTn>
+                                        <p:tgtEl>
+                                          <p:spTgt spid="3">
+                                            <p:txEl>
+                                              <p:pRg st="8" end="8"/>
+                                            </p:txEl>
+                                          </p:spTgt>
+                                        </p:tgtEl>
+                                        <p:attrNameLst>
+                                          <p:attrName>style.visibility</p:attrName>
+                                        </p:attrNameLst>
+                                      </p:cBhvr>
+                                      <p:to>
+                                        <p:strVal val="visible"/>
+                                      </p:to>
+                                    </p:set>
+                                  </p:childTnLst>
+                                </p:cTn>
+                              </p:par>
+                            </p:childTnLst>
+                          </p:cTn>
+                        </p:par>
+                      </p:childTnLst>
+                    </p:cTn>
+                  </p:par>
+                </p:childTnLst>
+              </p:cTn>
+              <p:prevCondLst>
+                <p:cond evt="onPrev" delay="0">
+                  <p:tgtEl>
+                    <p:sldTgt/>
+                  </p:tgtEl>
+                </p:cond>
+              </p:prevCondLst>
+              <p:nextCondLst>
+                <p:cond evt="onNext" delay="0">
+                  <p:tgtEl>
+                    <p:sldTgt/>
+                  </p:tgtEl>
+                </p:cond>
+              </p:nextCondLst>
+            </p:seq>
+          </p:childTnLst>
+        </p:cTn>
+      </p:par>
+    </p:tnLst>
+    <p:bldLst>
+      <p:bldP spid="3" grpId="0" build="p"/>
+    </p:bldLst>
+  </p:timing>
 </p:sld>
 </file>
 
@@ -12301,7 +17374,7 @@
         </p:nvSpPr>
         <p:spPr>
           <a:xfrm>
-            <a:off x="0" y="-30821"/>
+            <a:off x="0" y="-251159"/>
             <a:ext cx="12192000" cy="1130156"/>
           </a:xfrm>
         </p:spPr>
@@ -12332,13 +17405,13 @@
             <p:ph idx="1"/>
             <p:extLst>
               <p:ext uri="{D42A27DB-BD31-4B8C-83A1-F6EECF244321}">
-                <p14:modId xmlns:p14="http://schemas.microsoft.com/office/powerpoint/2010/main" val="1805871216"/>
+                <p14:modId xmlns:p14="http://schemas.microsoft.com/office/powerpoint/2010/main" val="344899604"/>
               </p:ext>
             </p:extLst>
           </p:nvPr>
         </p:nvGraphicFramePr>
         <p:xfrm>
-          <a:off x="5797071" y="352503"/>
+          <a:off x="5797071" y="429624"/>
           <a:ext cx="6397380" cy="4624185"/>
         </p:xfrm>
         <a:graphic>
@@ -13318,7 +18391,7 @@
                     <a:p>
                       <a:pPr fontAlgn="t"/>
                       <a:r>
-                        <a:rPr lang="en-US" sz="1500">
+                        <a:rPr lang="en-US" sz="1500" dirty="0">
                           <a:ln>
                             <a:noFill/>
                           </a:ln>
@@ -15070,7 +20143,7 @@
                     <a:p>
                       <a:pPr fontAlgn="t"/>
                       <a:r>
-                        <a:rPr lang="en-US" sz="1500">
+                        <a:rPr lang="en-US" sz="1500" dirty="0">
                           <a:ln>
                             <a:noFill/>
                           </a:ln>
@@ -17844,7 +22917,7 @@
         </p:nvSpPr>
         <p:spPr>
           <a:xfrm>
-            <a:off x="8152598" y="-22187"/>
+            <a:off x="8152598" y="76965"/>
             <a:ext cx="2146434" cy="374690"/>
           </a:xfrm>
           <a:prstGeom prst="rect">
@@ -17865,6 +22938,159 @@
           </a:p>
         </p:txBody>
       </p:sp>
+      <p:sp>
+        <p:nvSpPr>
+          <p:cNvPr id="14" name="Rectangle 13">
+            <a:extLst>
+              <a:ext uri="{FF2B5EF4-FFF2-40B4-BE49-F238E27FC236}">
+                <a16:creationId xmlns:a16="http://schemas.microsoft.com/office/drawing/2014/main" id="{0E4F5991-1055-4A0C-BF49-A601150EE8EB}"/>
+              </a:ext>
+            </a:extLst>
+          </p:cNvPr>
+          <p:cNvSpPr/>
+          <p:nvPr/>
+        </p:nvSpPr>
+        <p:spPr>
+          <a:xfrm>
+            <a:off x="7127913" y="1959751"/>
+            <a:ext cx="4814371" cy="309724"/>
+          </a:xfrm>
+          <a:prstGeom prst="rect">
+            <a:avLst/>
+          </a:prstGeom>
+          <a:solidFill>
+            <a:schemeClr val="accent1">
+              <a:alpha val="40000"/>
+            </a:schemeClr>
+          </a:solidFill>
+        </p:spPr>
+        <p:style>
+          <a:lnRef idx="2">
+            <a:schemeClr val="accent1">
+              <a:shade val="50000"/>
+            </a:schemeClr>
+          </a:lnRef>
+          <a:fillRef idx="1">
+            <a:schemeClr val="accent1"/>
+          </a:fillRef>
+          <a:effectRef idx="0">
+            <a:schemeClr val="accent1"/>
+          </a:effectRef>
+          <a:fontRef idx="minor">
+            <a:schemeClr val="lt1"/>
+          </a:fontRef>
+        </p:style>
+        <p:txBody>
+          <a:bodyPr rtlCol="0" anchor="ctr"/>
+          <a:lstStyle/>
+          <a:p>
+            <a:pPr algn="ctr"/>
+            <a:endParaRPr lang="en-US" dirty="0"/>
+          </a:p>
+        </p:txBody>
+      </p:sp>
+      <p:sp>
+        <p:nvSpPr>
+          <p:cNvPr id="15" name="Rectangle 14">
+            <a:extLst>
+              <a:ext uri="{FF2B5EF4-FFF2-40B4-BE49-F238E27FC236}">
+                <a16:creationId xmlns:a16="http://schemas.microsoft.com/office/drawing/2014/main" id="{7477F23B-F164-4DD8-AE3A-896B70196AAC}"/>
+              </a:ext>
+            </a:extLst>
+          </p:cNvPr>
+          <p:cNvSpPr/>
+          <p:nvPr/>
+        </p:nvSpPr>
+        <p:spPr>
+          <a:xfrm>
+            <a:off x="7097433" y="2579511"/>
+            <a:ext cx="4814371" cy="309724"/>
+          </a:xfrm>
+          <a:prstGeom prst="rect">
+            <a:avLst/>
+          </a:prstGeom>
+          <a:solidFill>
+            <a:schemeClr val="accent1">
+              <a:alpha val="40000"/>
+            </a:schemeClr>
+          </a:solidFill>
+        </p:spPr>
+        <p:style>
+          <a:lnRef idx="2">
+            <a:schemeClr val="accent1">
+              <a:shade val="50000"/>
+            </a:schemeClr>
+          </a:lnRef>
+          <a:fillRef idx="1">
+            <a:schemeClr val="accent1"/>
+          </a:fillRef>
+          <a:effectRef idx="0">
+            <a:schemeClr val="accent1"/>
+          </a:effectRef>
+          <a:fontRef idx="minor">
+            <a:schemeClr val="lt1"/>
+          </a:fontRef>
+        </p:style>
+        <p:txBody>
+          <a:bodyPr rtlCol="0" anchor="ctr"/>
+          <a:lstStyle/>
+          <a:p>
+            <a:pPr algn="ctr"/>
+            <a:endParaRPr lang="en-US"/>
+          </a:p>
+        </p:txBody>
+      </p:sp>
+      <p:sp>
+        <p:nvSpPr>
+          <p:cNvPr id="16" name="Rectangle 15">
+            <a:extLst>
+              <a:ext uri="{FF2B5EF4-FFF2-40B4-BE49-F238E27FC236}">
+                <a16:creationId xmlns:a16="http://schemas.microsoft.com/office/drawing/2014/main" id="{67108C61-8F5E-48AA-9C03-CE1603CC4CA6}"/>
+              </a:ext>
+            </a:extLst>
+          </p:cNvPr>
+          <p:cNvSpPr/>
+          <p:nvPr/>
+        </p:nvSpPr>
+        <p:spPr>
+          <a:xfrm>
+            <a:off x="7097433" y="3219617"/>
+            <a:ext cx="4814371" cy="309724"/>
+          </a:xfrm>
+          <a:prstGeom prst="rect">
+            <a:avLst/>
+          </a:prstGeom>
+          <a:solidFill>
+            <a:schemeClr val="accent1">
+              <a:alpha val="40000"/>
+            </a:schemeClr>
+          </a:solidFill>
+        </p:spPr>
+        <p:style>
+          <a:lnRef idx="2">
+            <a:schemeClr val="accent1">
+              <a:shade val="50000"/>
+            </a:schemeClr>
+          </a:lnRef>
+          <a:fillRef idx="1">
+            <a:schemeClr val="accent1"/>
+          </a:fillRef>
+          <a:effectRef idx="0">
+            <a:schemeClr val="accent1"/>
+          </a:effectRef>
+          <a:fontRef idx="minor">
+            <a:schemeClr val="lt1"/>
+          </a:fontRef>
+        </p:style>
+        <p:txBody>
+          <a:bodyPr rtlCol="0" anchor="ctr"/>
+          <a:lstStyle/>
+          <a:p>
+            <a:pPr algn="ctr"/>
+            <a:endParaRPr lang="en-US"/>
+          </a:p>
+        </p:txBody>
+      </p:sp>
     </p:spTree>
     <p:extLst>
       <p:ext uri="{BB962C8B-B14F-4D97-AF65-F5344CB8AC3E}">
@@ -17875,6 +23101,604 @@
   <p:clrMapOvr>
     <a:masterClrMapping/>
   </p:clrMapOvr>
+  <p:timing>
+    <p:tnLst>
+      <p:par>
+        <p:cTn id="1" dur="indefinite" restart="never" nodeType="tmRoot">
+          <p:childTnLst>
+            <p:seq concurrent="1" nextAc="seek">
+              <p:cTn id="2" dur="indefinite" nodeType="mainSeq">
+                <p:childTnLst>
+                  <p:par>
+                    <p:cTn id="3" fill="hold">
+                      <p:stCondLst>
+                        <p:cond delay="indefinite"/>
+                      </p:stCondLst>
+                      <p:childTnLst>
+                        <p:par>
+                          <p:cTn id="4" fill="hold">
+                            <p:stCondLst>
+                              <p:cond delay="0"/>
+                            </p:stCondLst>
+                            <p:childTnLst>
+                              <p:par>
+                                <p:cTn id="5" presetID="1" presetClass="entr" presetSubtype="0" fill="hold" grpId="0" nodeType="clickEffect">
+                                  <p:stCondLst>
+                                    <p:cond delay="0"/>
+                                  </p:stCondLst>
+                                  <p:childTnLst>
+                                    <p:set>
+                                      <p:cBhvr>
+                                        <p:cTn id="6" dur="1" fill="hold">
+                                          <p:stCondLst>
+                                            <p:cond delay="0"/>
+                                          </p:stCondLst>
+                                        </p:cTn>
+                                        <p:tgtEl>
+                                          <p:spTgt spid="3"/>
+                                        </p:tgtEl>
+                                        <p:attrNameLst>
+                                          <p:attrName>style.visibility</p:attrName>
+                                        </p:attrNameLst>
+                                      </p:cBhvr>
+                                      <p:to>
+                                        <p:strVal val="visible"/>
+                                      </p:to>
+                                    </p:set>
+                                  </p:childTnLst>
+                                </p:cTn>
+                              </p:par>
+                              <p:par>
+                                <p:cTn id="7" presetID="1" presetClass="entr" presetSubtype="0" fill="hold" nodeType="withEffect">
+                                  <p:stCondLst>
+                                    <p:cond delay="0"/>
+                                  </p:stCondLst>
+                                  <p:childTnLst>
+                                    <p:set>
+                                      <p:cBhvr>
+                                        <p:cTn id="8" dur="1" fill="hold">
+                                          <p:stCondLst>
+                                            <p:cond delay="0"/>
+                                          </p:stCondLst>
+                                        </p:cTn>
+                                        <p:tgtEl>
+                                          <p:spTgt spid="8"/>
+                                        </p:tgtEl>
+                                        <p:attrNameLst>
+                                          <p:attrName>style.visibility</p:attrName>
+                                        </p:attrNameLst>
+                                      </p:cBhvr>
+                                      <p:to>
+                                        <p:strVal val="visible"/>
+                                      </p:to>
+                                    </p:set>
+                                  </p:childTnLst>
+                                </p:cTn>
+                              </p:par>
+                            </p:childTnLst>
+                          </p:cTn>
+                        </p:par>
+                      </p:childTnLst>
+                    </p:cTn>
+                  </p:par>
+                  <p:par>
+                    <p:cTn id="9" fill="hold">
+                      <p:stCondLst>
+                        <p:cond delay="indefinite"/>
+                      </p:stCondLst>
+                      <p:childTnLst>
+                        <p:par>
+                          <p:cTn id="10" fill="hold">
+                            <p:stCondLst>
+                              <p:cond delay="0"/>
+                            </p:stCondLst>
+                            <p:childTnLst>
+                              <p:par>
+                                <p:cTn id="11" presetID="1" presetClass="entr" presetSubtype="0" fill="hold" nodeType="clickEffect">
+                                  <p:stCondLst>
+                                    <p:cond delay="0"/>
+                                  </p:stCondLst>
+                                  <p:childTnLst>
+                                    <p:set>
+                                      <p:cBhvr>
+                                        <p:cTn id="12" dur="1" fill="hold">
+                                          <p:stCondLst>
+                                            <p:cond delay="0"/>
+                                          </p:stCondLst>
+                                        </p:cTn>
+                                        <p:tgtEl>
+                                          <p:spTgt spid="9"/>
+                                        </p:tgtEl>
+                                        <p:attrNameLst>
+                                          <p:attrName>style.visibility</p:attrName>
+                                        </p:attrNameLst>
+                                      </p:cBhvr>
+                                      <p:to>
+                                        <p:strVal val="visible"/>
+                                      </p:to>
+                                    </p:set>
+                                  </p:childTnLst>
+                                </p:cTn>
+                              </p:par>
+                              <p:par>
+                                <p:cTn id="13" presetID="1" presetClass="entr" presetSubtype="0" fill="hold" grpId="0" nodeType="withEffect">
+                                  <p:stCondLst>
+                                    <p:cond delay="0"/>
+                                  </p:stCondLst>
+                                  <p:childTnLst>
+                                    <p:set>
+                                      <p:cBhvr>
+                                        <p:cTn id="14" dur="1" fill="hold">
+                                          <p:stCondLst>
+                                            <p:cond delay="0"/>
+                                          </p:stCondLst>
+                                        </p:cTn>
+                                        <p:tgtEl>
+                                          <p:spTgt spid="10"/>
+                                        </p:tgtEl>
+                                        <p:attrNameLst>
+                                          <p:attrName>style.visibility</p:attrName>
+                                        </p:attrNameLst>
+                                      </p:cBhvr>
+                                      <p:to>
+                                        <p:strVal val="visible"/>
+                                      </p:to>
+                                    </p:set>
+                                  </p:childTnLst>
+                                </p:cTn>
+                              </p:par>
+                            </p:childTnLst>
+                          </p:cTn>
+                        </p:par>
+                      </p:childTnLst>
+                    </p:cTn>
+                  </p:par>
+                  <p:par>
+                    <p:cTn id="15" fill="hold">
+                      <p:stCondLst>
+                        <p:cond delay="indefinite"/>
+                      </p:stCondLst>
+                      <p:childTnLst>
+                        <p:par>
+                          <p:cTn id="16" fill="hold">
+                            <p:stCondLst>
+                              <p:cond delay="0"/>
+                            </p:stCondLst>
+                            <p:childTnLst>
+                              <p:par>
+                                <p:cTn id="17" presetID="1" presetClass="entr" presetSubtype="0" fill="hold" nodeType="clickEffect">
+                                  <p:stCondLst>
+                                    <p:cond delay="0"/>
+                                  </p:stCondLst>
+                                  <p:childTnLst>
+                                    <p:set>
+                                      <p:cBhvr>
+                                        <p:cTn id="18" dur="1" fill="hold">
+                                          <p:stCondLst>
+                                            <p:cond delay="0"/>
+                                          </p:stCondLst>
+                                        </p:cTn>
+                                        <p:tgtEl>
+                                          <p:spTgt spid="11">
+                                            <p:txEl>
+                                              <p:pRg st="0" end="0"/>
+                                            </p:txEl>
+                                          </p:spTgt>
+                                        </p:tgtEl>
+                                        <p:attrNameLst>
+                                          <p:attrName>style.visibility</p:attrName>
+                                        </p:attrNameLst>
+                                      </p:cBhvr>
+                                      <p:to>
+                                        <p:strVal val="visible"/>
+                                      </p:to>
+                                    </p:set>
+                                  </p:childTnLst>
+                                </p:cTn>
+                              </p:par>
+                            </p:childTnLst>
+                          </p:cTn>
+                        </p:par>
+                      </p:childTnLst>
+                    </p:cTn>
+                  </p:par>
+                  <p:par>
+                    <p:cTn id="19" fill="hold">
+                      <p:stCondLst>
+                        <p:cond delay="indefinite"/>
+                      </p:stCondLst>
+                      <p:childTnLst>
+                        <p:par>
+                          <p:cTn id="20" fill="hold">
+                            <p:stCondLst>
+                              <p:cond delay="0"/>
+                            </p:stCondLst>
+                            <p:childTnLst>
+                              <p:par>
+                                <p:cTn id="21" presetID="1" presetClass="entr" presetSubtype="0" fill="hold" nodeType="clickEffect">
+                                  <p:stCondLst>
+                                    <p:cond delay="0"/>
+                                  </p:stCondLst>
+                                  <p:childTnLst>
+                                    <p:set>
+                                      <p:cBhvr>
+                                        <p:cTn id="22" dur="1" fill="hold">
+                                          <p:stCondLst>
+                                            <p:cond delay="0"/>
+                                          </p:stCondLst>
+                                        </p:cTn>
+                                        <p:tgtEl>
+                                          <p:spTgt spid="5"/>
+                                        </p:tgtEl>
+                                        <p:attrNameLst>
+                                          <p:attrName>style.visibility</p:attrName>
+                                        </p:attrNameLst>
+                                      </p:cBhvr>
+                                      <p:to>
+                                        <p:strVal val="visible"/>
+                                      </p:to>
+                                    </p:set>
+                                  </p:childTnLst>
+                                </p:cTn>
+                              </p:par>
+                              <p:par>
+                                <p:cTn id="23" presetID="1" presetClass="entr" presetSubtype="0" fill="hold" grpId="0" nodeType="withEffect">
+                                  <p:stCondLst>
+                                    <p:cond delay="0"/>
+                                  </p:stCondLst>
+                                  <p:childTnLst>
+                                    <p:set>
+                                      <p:cBhvr>
+                                        <p:cTn id="24" dur="1" fill="hold">
+                                          <p:stCondLst>
+                                            <p:cond delay="0"/>
+                                          </p:stCondLst>
+                                        </p:cTn>
+                                        <p:tgtEl>
+                                          <p:spTgt spid="13"/>
+                                        </p:tgtEl>
+                                        <p:attrNameLst>
+                                          <p:attrName>style.visibility</p:attrName>
+                                        </p:attrNameLst>
+                                      </p:cBhvr>
+                                      <p:to>
+                                        <p:strVal val="visible"/>
+                                      </p:to>
+                                    </p:set>
+                                  </p:childTnLst>
+                                </p:cTn>
+                              </p:par>
+                            </p:childTnLst>
+                          </p:cTn>
+                        </p:par>
+                      </p:childTnLst>
+                    </p:cTn>
+                  </p:par>
+                  <p:par>
+                    <p:cTn id="25" fill="hold">
+                      <p:stCondLst>
+                        <p:cond delay="indefinite"/>
+                      </p:stCondLst>
+                      <p:childTnLst>
+                        <p:par>
+                          <p:cTn id="26" fill="hold">
+                            <p:stCondLst>
+                              <p:cond delay="0"/>
+                            </p:stCondLst>
+                            <p:childTnLst>
+                              <p:par>
+                                <p:cTn id="27" presetID="1" presetClass="entr" presetSubtype="0" fill="hold" nodeType="clickEffect">
+                                  <p:stCondLst>
+                                    <p:cond delay="0"/>
+                                  </p:stCondLst>
+                                  <p:childTnLst>
+                                    <p:set>
+                                      <p:cBhvr>
+                                        <p:cTn id="28" dur="1" fill="hold">
+                                          <p:stCondLst>
+                                            <p:cond delay="0"/>
+                                          </p:stCondLst>
+                                        </p:cTn>
+                                        <p:tgtEl>
+                                          <p:spTgt spid="11">
+                                            <p:txEl>
+                                              <p:pRg st="1" end="1"/>
+                                            </p:txEl>
+                                          </p:spTgt>
+                                        </p:tgtEl>
+                                        <p:attrNameLst>
+                                          <p:attrName>style.visibility</p:attrName>
+                                        </p:attrNameLst>
+                                      </p:cBhvr>
+                                      <p:to>
+                                        <p:strVal val="visible"/>
+                                      </p:to>
+                                    </p:set>
+                                  </p:childTnLst>
+                                </p:cTn>
+                              </p:par>
+                            </p:childTnLst>
+                          </p:cTn>
+                        </p:par>
+                      </p:childTnLst>
+                    </p:cTn>
+                  </p:par>
+                  <p:par>
+                    <p:cTn id="29" fill="hold">
+                      <p:stCondLst>
+                        <p:cond delay="indefinite"/>
+                      </p:stCondLst>
+                      <p:childTnLst>
+                        <p:par>
+                          <p:cTn id="30" fill="hold">
+                            <p:stCondLst>
+                              <p:cond delay="0"/>
+                            </p:stCondLst>
+                            <p:childTnLst>
+                              <p:par>
+                                <p:cTn id="31" presetID="1" presetClass="entr" presetSubtype="0" fill="hold" grpId="0" nodeType="clickEffect">
+                                  <p:stCondLst>
+                                    <p:cond delay="0"/>
+                                  </p:stCondLst>
+                                  <p:childTnLst>
+                                    <p:set>
+                                      <p:cBhvr>
+                                        <p:cTn id="32" dur="1" fill="hold">
+                                          <p:stCondLst>
+                                            <p:cond delay="0"/>
+                                          </p:stCondLst>
+                                        </p:cTn>
+                                        <p:tgtEl>
+                                          <p:spTgt spid="14"/>
+                                        </p:tgtEl>
+                                        <p:attrNameLst>
+                                          <p:attrName>style.visibility</p:attrName>
+                                        </p:attrNameLst>
+                                      </p:cBhvr>
+                                      <p:to>
+                                        <p:strVal val="visible"/>
+                                      </p:to>
+                                    </p:set>
+                                  </p:childTnLst>
+                                </p:cTn>
+                              </p:par>
+                              <p:par>
+                                <p:cTn id="33" presetID="1" presetClass="entr" presetSubtype="0" fill="hold" grpId="0" nodeType="withEffect">
+                                  <p:stCondLst>
+                                    <p:cond delay="0"/>
+                                  </p:stCondLst>
+                                  <p:childTnLst>
+                                    <p:set>
+                                      <p:cBhvr>
+                                        <p:cTn id="34" dur="1" fill="hold">
+                                          <p:stCondLst>
+                                            <p:cond delay="0"/>
+                                          </p:stCondLst>
+                                        </p:cTn>
+                                        <p:tgtEl>
+                                          <p:spTgt spid="15"/>
+                                        </p:tgtEl>
+                                        <p:attrNameLst>
+                                          <p:attrName>style.visibility</p:attrName>
+                                        </p:attrNameLst>
+                                      </p:cBhvr>
+                                      <p:to>
+                                        <p:strVal val="visible"/>
+                                      </p:to>
+                                    </p:set>
+                                  </p:childTnLst>
+                                </p:cTn>
+                              </p:par>
+                              <p:par>
+                                <p:cTn id="35" presetID="1" presetClass="entr" presetSubtype="0" fill="hold" grpId="0" nodeType="withEffect">
+                                  <p:stCondLst>
+                                    <p:cond delay="0"/>
+                                  </p:stCondLst>
+                                  <p:childTnLst>
+                                    <p:set>
+                                      <p:cBhvr>
+                                        <p:cTn id="36" dur="1" fill="hold">
+                                          <p:stCondLst>
+                                            <p:cond delay="0"/>
+                                          </p:stCondLst>
+                                        </p:cTn>
+                                        <p:tgtEl>
+                                          <p:spTgt spid="16"/>
+                                        </p:tgtEl>
+                                        <p:attrNameLst>
+                                          <p:attrName>style.visibility</p:attrName>
+                                        </p:attrNameLst>
+                                      </p:cBhvr>
+                                      <p:to>
+                                        <p:strVal val="visible"/>
+                                      </p:to>
+                                    </p:set>
+                                  </p:childTnLst>
+                                </p:cTn>
+                              </p:par>
+                            </p:childTnLst>
+                          </p:cTn>
+                        </p:par>
+                      </p:childTnLst>
+                    </p:cTn>
+                  </p:par>
+                  <p:par>
+                    <p:cTn id="37" fill="hold">
+                      <p:stCondLst>
+                        <p:cond delay="indefinite"/>
+                      </p:stCondLst>
+                      <p:childTnLst>
+                        <p:par>
+                          <p:cTn id="38" fill="hold">
+                            <p:stCondLst>
+                              <p:cond delay="0"/>
+                            </p:stCondLst>
+                            <p:childTnLst>
+                              <p:par>
+                                <p:cTn id="39" presetID="1" presetClass="entr" presetSubtype="0" fill="hold" nodeType="clickEffect">
+                                  <p:stCondLst>
+                                    <p:cond delay="0"/>
+                                  </p:stCondLst>
+                                  <p:childTnLst>
+                                    <p:set>
+                                      <p:cBhvr>
+                                        <p:cTn id="40" dur="1" fill="hold">
+                                          <p:stCondLst>
+                                            <p:cond delay="0"/>
+                                          </p:stCondLst>
+                                        </p:cTn>
+                                        <p:tgtEl>
+                                          <p:spTgt spid="11">
+                                            <p:txEl>
+                                              <p:pRg st="2" end="2"/>
+                                            </p:txEl>
+                                          </p:spTgt>
+                                        </p:tgtEl>
+                                        <p:attrNameLst>
+                                          <p:attrName>style.visibility</p:attrName>
+                                        </p:attrNameLst>
+                                      </p:cBhvr>
+                                      <p:to>
+                                        <p:strVal val="visible"/>
+                                      </p:to>
+                                    </p:set>
+                                  </p:childTnLst>
+                                </p:cTn>
+                              </p:par>
+                            </p:childTnLst>
+                          </p:cTn>
+                        </p:par>
+                      </p:childTnLst>
+                    </p:cTn>
+                  </p:par>
+                  <p:par>
+                    <p:cTn id="41" fill="hold">
+                      <p:stCondLst>
+                        <p:cond delay="indefinite"/>
+                      </p:stCondLst>
+                      <p:childTnLst>
+                        <p:par>
+                          <p:cTn id="42" fill="hold">
+                            <p:stCondLst>
+                              <p:cond delay="0"/>
+                            </p:stCondLst>
+                            <p:childTnLst>
+                              <p:par>
+                                <p:cTn id="43" presetID="1" presetClass="entr" presetSubtype="0" fill="hold" nodeType="clickEffect">
+                                  <p:stCondLst>
+                                    <p:cond delay="0"/>
+                                  </p:stCondLst>
+                                  <p:childTnLst>
+                                    <p:set>
+                                      <p:cBhvr>
+                                        <p:cTn id="44" dur="1" fill="hold">
+                                          <p:stCondLst>
+                                            <p:cond delay="0"/>
+                                          </p:stCondLst>
+                                        </p:cTn>
+                                        <p:tgtEl>
+                                          <p:spTgt spid="11">
+                                            <p:txEl>
+                                              <p:pRg st="3" end="3"/>
+                                            </p:txEl>
+                                          </p:spTgt>
+                                        </p:tgtEl>
+                                        <p:attrNameLst>
+                                          <p:attrName>style.visibility</p:attrName>
+                                        </p:attrNameLst>
+                                      </p:cBhvr>
+                                      <p:to>
+                                        <p:strVal val="visible"/>
+                                      </p:to>
+                                    </p:set>
+                                  </p:childTnLst>
+                                </p:cTn>
+                              </p:par>
+                            </p:childTnLst>
+                          </p:cTn>
+                        </p:par>
+                      </p:childTnLst>
+                    </p:cTn>
+                  </p:par>
+                  <p:par>
+                    <p:cTn id="45" fill="hold">
+                      <p:stCondLst>
+                        <p:cond delay="indefinite"/>
+                      </p:stCondLst>
+                      <p:childTnLst>
+                        <p:par>
+                          <p:cTn id="46" fill="hold">
+                            <p:stCondLst>
+                              <p:cond delay="0"/>
+                            </p:stCondLst>
+                            <p:childTnLst>
+                              <p:par>
+                                <p:cTn id="47" presetID="1" presetClass="entr" presetSubtype="0" fill="hold" nodeType="clickEffect">
+                                  <p:stCondLst>
+                                    <p:cond delay="0"/>
+                                  </p:stCondLst>
+                                  <p:childTnLst>
+                                    <p:set>
+                                      <p:cBhvr>
+                                        <p:cTn id="48" dur="1" fill="hold">
+                                          <p:stCondLst>
+                                            <p:cond delay="0"/>
+                                          </p:stCondLst>
+                                        </p:cTn>
+                                        <p:tgtEl>
+                                          <p:spTgt spid="11">
+                                            <p:txEl>
+                                              <p:pRg st="4" end="4"/>
+                                            </p:txEl>
+                                          </p:spTgt>
+                                        </p:tgtEl>
+                                        <p:attrNameLst>
+                                          <p:attrName>style.visibility</p:attrName>
+                                        </p:attrNameLst>
+                                      </p:cBhvr>
+                                      <p:to>
+                                        <p:strVal val="visible"/>
+                                      </p:to>
+                                    </p:set>
+                                  </p:childTnLst>
+                                </p:cTn>
+                              </p:par>
+                            </p:childTnLst>
+                          </p:cTn>
+                        </p:par>
+                      </p:childTnLst>
+                    </p:cTn>
+                  </p:par>
+                </p:childTnLst>
+              </p:cTn>
+              <p:prevCondLst>
+                <p:cond evt="onPrev" delay="0">
+                  <p:tgtEl>
+                    <p:sldTgt/>
+                  </p:tgtEl>
+                </p:cond>
+              </p:prevCondLst>
+              <p:nextCondLst>
+                <p:cond evt="onNext" delay="0">
+                  <p:tgtEl>
+                    <p:sldTgt/>
+                  </p:tgtEl>
+                </p:cond>
+              </p:nextCondLst>
+            </p:seq>
+          </p:childTnLst>
+        </p:cTn>
+      </p:par>
+    </p:tnLst>
+    <p:bldLst>
+      <p:bldP spid="3" grpId="0"/>
+      <p:bldP spid="10" grpId="0"/>
+      <p:bldP spid="13" grpId="0"/>
+      <p:bldP spid="14" grpId="0" animBg="1"/>
+      <p:bldP spid="15" grpId="0" animBg="1"/>
+      <p:bldP spid="16" grpId="0" animBg="1"/>
+    </p:bldLst>
+  </p:timing>
 </p:sld>
 </file>
 
@@ -17930,8 +23754,8 @@
           </a:p>
         </p:txBody>
       </p:sp>
-      <mc:AlternateContent xmlns:mc="http://schemas.openxmlformats.org/markup-compatibility/2006" xmlns:a14="http://schemas.microsoft.com/office/drawing/2010/main">
-        <mc:Choice Requires="a14">
+      <mc:AlternateContent xmlns:mc="http://schemas.openxmlformats.org/markup-compatibility/2006">
+        <mc:Choice xmlns:a14="http://schemas.microsoft.com/office/drawing/2010/main" Requires="a14">
           <p:sp>
             <p:nvSpPr>
               <p:cNvPr id="3" name="Content Placeholder 2">
@@ -18649,11 +24473,11 @@
               <a:p>
                 <a:r>
                   <a:rPr lang="en-US" dirty="0"/>
-                  <a:t>This means the estimation problem </a:t>
+                  <a:t>This means the estimation problem decouples</a:t>
                 </a:r>
                 <a:r>
                   <a:rPr lang="en-US" i="1" dirty="0"/>
-                  <a:t>decouples </a:t>
+                  <a:t> </a:t>
                 </a:r>
                 <a:r>
                   <a:rPr lang="en-US" dirty="0"/>
@@ -18666,7 +24490,7 @@
             </p:txBody>
           </p:sp>
         </mc:Choice>
-        <mc:Fallback xmlns="">
+        <mc:Fallback>
           <p:sp>
             <p:nvSpPr>
               <p:cNvPr id="3" name="Content Placeholder 2">
@@ -18720,6 +24544,382 @@
   <p:clrMapOvr>
     <a:masterClrMapping/>
   </p:clrMapOvr>
+  <p:timing>
+    <p:tnLst>
+      <p:par>
+        <p:cTn id="1" dur="indefinite" restart="never" nodeType="tmRoot">
+          <p:childTnLst>
+            <p:seq concurrent="1" nextAc="seek">
+              <p:cTn id="2" dur="indefinite" nodeType="mainSeq">
+                <p:childTnLst>
+                  <p:par>
+                    <p:cTn id="3" fill="hold">
+                      <p:stCondLst>
+                        <p:cond delay="indefinite"/>
+                      </p:stCondLst>
+                      <p:childTnLst>
+                        <p:par>
+                          <p:cTn id="4" fill="hold">
+                            <p:stCondLst>
+                              <p:cond delay="0"/>
+                            </p:stCondLst>
+                            <p:childTnLst>
+                              <p:par>
+                                <p:cTn id="5" presetID="1" presetClass="entr" presetSubtype="0" fill="hold" grpId="0" nodeType="clickEffect">
+                                  <p:stCondLst>
+                                    <p:cond delay="0"/>
+                                  </p:stCondLst>
+                                  <p:childTnLst>
+                                    <p:set>
+                                      <p:cBhvr>
+                                        <p:cTn id="6" dur="1" fill="hold">
+                                          <p:stCondLst>
+                                            <p:cond delay="0"/>
+                                          </p:stCondLst>
+                                        </p:cTn>
+                                        <p:tgtEl>
+                                          <p:spTgt spid="3">
+                                            <p:txEl>
+                                              <p:pRg st="0" end="0"/>
+                                            </p:txEl>
+                                          </p:spTgt>
+                                        </p:tgtEl>
+                                        <p:attrNameLst>
+                                          <p:attrName>style.visibility</p:attrName>
+                                        </p:attrNameLst>
+                                      </p:cBhvr>
+                                      <p:to>
+                                        <p:strVal val="visible"/>
+                                      </p:to>
+                                    </p:set>
+                                  </p:childTnLst>
+                                </p:cTn>
+                              </p:par>
+                            </p:childTnLst>
+                          </p:cTn>
+                        </p:par>
+                      </p:childTnLst>
+                    </p:cTn>
+                  </p:par>
+                  <p:par>
+                    <p:cTn id="7" fill="hold">
+                      <p:stCondLst>
+                        <p:cond delay="indefinite"/>
+                      </p:stCondLst>
+                      <p:childTnLst>
+                        <p:par>
+                          <p:cTn id="8" fill="hold">
+                            <p:stCondLst>
+                              <p:cond delay="0"/>
+                            </p:stCondLst>
+                            <p:childTnLst>
+                              <p:par>
+                                <p:cTn id="9" presetID="1" presetClass="entr" presetSubtype="0" fill="hold" grpId="0" nodeType="clickEffect">
+                                  <p:stCondLst>
+                                    <p:cond delay="0"/>
+                                  </p:stCondLst>
+                                  <p:childTnLst>
+                                    <p:set>
+                                      <p:cBhvr>
+                                        <p:cTn id="10" dur="1" fill="hold">
+                                          <p:stCondLst>
+                                            <p:cond delay="0"/>
+                                          </p:stCondLst>
+                                        </p:cTn>
+                                        <p:tgtEl>
+                                          <p:spTgt spid="3">
+                                            <p:txEl>
+                                              <p:pRg st="1" end="1"/>
+                                            </p:txEl>
+                                          </p:spTgt>
+                                        </p:tgtEl>
+                                        <p:attrNameLst>
+                                          <p:attrName>style.visibility</p:attrName>
+                                        </p:attrNameLst>
+                                      </p:cBhvr>
+                                      <p:to>
+                                        <p:strVal val="visible"/>
+                                      </p:to>
+                                    </p:set>
+                                  </p:childTnLst>
+                                </p:cTn>
+                              </p:par>
+                            </p:childTnLst>
+                          </p:cTn>
+                        </p:par>
+                      </p:childTnLst>
+                    </p:cTn>
+                  </p:par>
+                  <p:par>
+                    <p:cTn id="11" fill="hold">
+                      <p:stCondLst>
+                        <p:cond delay="indefinite"/>
+                      </p:stCondLst>
+                      <p:childTnLst>
+                        <p:par>
+                          <p:cTn id="12" fill="hold">
+                            <p:stCondLst>
+                              <p:cond delay="0"/>
+                            </p:stCondLst>
+                            <p:childTnLst>
+                              <p:par>
+                                <p:cTn id="13" presetID="1" presetClass="entr" presetSubtype="0" fill="hold" grpId="0" nodeType="clickEffect">
+                                  <p:stCondLst>
+                                    <p:cond delay="0"/>
+                                  </p:stCondLst>
+                                  <p:childTnLst>
+                                    <p:set>
+                                      <p:cBhvr>
+                                        <p:cTn id="14" dur="1" fill="hold">
+                                          <p:stCondLst>
+                                            <p:cond delay="0"/>
+                                          </p:stCondLst>
+                                        </p:cTn>
+                                        <p:tgtEl>
+                                          <p:spTgt spid="3">
+                                            <p:txEl>
+                                              <p:pRg st="2" end="2"/>
+                                            </p:txEl>
+                                          </p:spTgt>
+                                        </p:tgtEl>
+                                        <p:attrNameLst>
+                                          <p:attrName>style.visibility</p:attrName>
+                                        </p:attrNameLst>
+                                      </p:cBhvr>
+                                      <p:to>
+                                        <p:strVal val="visible"/>
+                                      </p:to>
+                                    </p:set>
+                                  </p:childTnLst>
+                                </p:cTn>
+                              </p:par>
+                            </p:childTnLst>
+                          </p:cTn>
+                        </p:par>
+                      </p:childTnLst>
+                    </p:cTn>
+                  </p:par>
+                  <p:par>
+                    <p:cTn id="15" fill="hold">
+                      <p:stCondLst>
+                        <p:cond delay="indefinite"/>
+                      </p:stCondLst>
+                      <p:childTnLst>
+                        <p:par>
+                          <p:cTn id="16" fill="hold">
+                            <p:stCondLst>
+                              <p:cond delay="0"/>
+                            </p:stCondLst>
+                            <p:childTnLst>
+                              <p:par>
+                                <p:cTn id="17" presetID="1" presetClass="entr" presetSubtype="0" fill="hold" grpId="0" nodeType="clickEffect">
+                                  <p:stCondLst>
+                                    <p:cond delay="0"/>
+                                  </p:stCondLst>
+                                  <p:childTnLst>
+                                    <p:set>
+                                      <p:cBhvr>
+                                        <p:cTn id="18" dur="1" fill="hold">
+                                          <p:stCondLst>
+                                            <p:cond delay="0"/>
+                                          </p:stCondLst>
+                                        </p:cTn>
+                                        <p:tgtEl>
+                                          <p:spTgt spid="3">
+                                            <p:txEl>
+                                              <p:pRg st="3" end="3"/>
+                                            </p:txEl>
+                                          </p:spTgt>
+                                        </p:tgtEl>
+                                        <p:attrNameLst>
+                                          <p:attrName>style.visibility</p:attrName>
+                                        </p:attrNameLst>
+                                      </p:cBhvr>
+                                      <p:to>
+                                        <p:strVal val="visible"/>
+                                      </p:to>
+                                    </p:set>
+                                  </p:childTnLst>
+                                </p:cTn>
+                              </p:par>
+                            </p:childTnLst>
+                          </p:cTn>
+                        </p:par>
+                      </p:childTnLst>
+                    </p:cTn>
+                  </p:par>
+                  <p:par>
+                    <p:cTn id="19" fill="hold">
+                      <p:stCondLst>
+                        <p:cond delay="indefinite"/>
+                      </p:stCondLst>
+                      <p:childTnLst>
+                        <p:par>
+                          <p:cTn id="20" fill="hold">
+                            <p:stCondLst>
+                              <p:cond delay="0"/>
+                            </p:stCondLst>
+                            <p:childTnLst>
+                              <p:par>
+                                <p:cTn id="21" presetID="1" presetClass="entr" presetSubtype="0" fill="hold" grpId="0" nodeType="clickEffect">
+                                  <p:stCondLst>
+                                    <p:cond delay="0"/>
+                                  </p:stCondLst>
+                                  <p:childTnLst>
+                                    <p:set>
+                                      <p:cBhvr>
+                                        <p:cTn id="22" dur="1" fill="hold">
+                                          <p:stCondLst>
+                                            <p:cond delay="0"/>
+                                          </p:stCondLst>
+                                        </p:cTn>
+                                        <p:tgtEl>
+                                          <p:spTgt spid="3">
+                                            <p:txEl>
+                                              <p:pRg st="4" end="4"/>
+                                            </p:txEl>
+                                          </p:spTgt>
+                                        </p:tgtEl>
+                                        <p:attrNameLst>
+                                          <p:attrName>style.visibility</p:attrName>
+                                        </p:attrNameLst>
+                                      </p:cBhvr>
+                                      <p:to>
+                                        <p:strVal val="visible"/>
+                                      </p:to>
+                                    </p:set>
+                                  </p:childTnLst>
+                                </p:cTn>
+                              </p:par>
+                            </p:childTnLst>
+                          </p:cTn>
+                        </p:par>
+                      </p:childTnLst>
+                    </p:cTn>
+                  </p:par>
+                  <p:par>
+                    <p:cTn id="23" fill="hold">
+                      <p:stCondLst>
+                        <p:cond delay="indefinite"/>
+                      </p:stCondLst>
+                      <p:childTnLst>
+                        <p:par>
+                          <p:cTn id="24" fill="hold">
+                            <p:stCondLst>
+                              <p:cond delay="0"/>
+                            </p:stCondLst>
+                            <p:childTnLst>
+                              <p:par>
+                                <p:cTn id="25" presetID="1" presetClass="entr" presetSubtype="0" fill="hold" grpId="0" nodeType="clickEffect">
+                                  <p:stCondLst>
+                                    <p:cond delay="0"/>
+                                  </p:stCondLst>
+                                  <p:childTnLst>
+                                    <p:set>
+                                      <p:cBhvr>
+                                        <p:cTn id="26" dur="1" fill="hold">
+                                          <p:stCondLst>
+                                            <p:cond delay="0"/>
+                                          </p:stCondLst>
+                                        </p:cTn>
+                                        <p:tgtEl>
+                                          <p:spTgt spid="3">
+                                            <p:txEl>
+                                              <p:pRg st="5" end="5"/>
+                                            </p:txEl>
+                                          </p:spTgt>
+                                        </p:tgtEl>
+                                        <p:attrNameLst>
+                                          <p:attrName>style.visibility</p:attrName>
+                                        </p:attrNameLst>
+                                      </p:cBhvr>
+                                      <p:to>
+                                        <p:strVal val="visible"/>
+                                      </p:to>
+                                    </p:set>
+                                  </p:childTnLst>
+                                </p:cTn>
+                              </p:par>
+                            </p:childTnLst>
+                          </p:cTn>
+                        </p:par>
+                      </p:childTnLst>
+                    </p:cTn>
+                  </p:par>
+                  <p:par>
+                    <p:cTn id="27" fill="hold">
+                      <p:stCondLst>
+                        <p:cond delay="indefinite"/>
+                      </p:stCondLst>
+                      <p:childTnLst>
+                        <p:par>
+                          <p:cTn id="28" fill="hold">
+                            <p:stCondLst>
+                              <p:cond delay="0"/>
+                            </p:stCondLst>
+                            <p:childTnLst>
+                              <p:par>
+                                <p:cTn id="29" presetID="1" presetClass="entr" presetSubtype="0" fill="hold" grpId="0" nodeType="clickEffect">
+                                  <p:stCondLst>
+                                    <p:cond delay="0"/>
+                                  </p:stCondLst>
+                                  <p:childTnLst>
+                                    <p:set>
+                                      <p:cBhvr>
+                                        <p:cTn id="30" dur="1" fill="hold">
+                                          <p:stCondLst>
+                                            <p:cond delay="0"/>
+                                          </p:stCondLst>
+                                        </p:cTn>
+                                        <p:tgtEl>
+                                          <p:spTgt spid="3">
+                                            <p:txEl>
+                                              <p:pRg st="6" end="6"/>
+                                            </p:txEl>
+                                          </p:spTgt>
+                                        </p:tgtEl>
+                                        <p:attrNameLst>
+                                          <p:attrName>style.visibility</p:attrName>
+                                        </p:attrNameLst>
+                                      </p:cBhvr>
+                                      <p:to>
+                                        <p:strVal val="visible"/>
+                                      </p:to>
+                                    </p:set>
+                                  </p:childTnLst>
+                                </p:cTn>
+                              </p:par>
+                            </p:childTnLst>
+                          </p:cTn>
+                        </p:par>
+                      </p:childTnLst>
+                    </p:cTn>
+                  </p:par>
+                </p:childTnLst>
+              </p:cTn>
+              <p:prevCondLst>
+                <p:cond evt="onPrev" delay="0">
+                  <p:tgtEl>
+                    <p:sldTgt/>
+                  </p:tgtEl>
+                </p:cond>
+              </p:prevCondLst>
+              <p:nextCondLst>
+                <p:cond evt="onNext" delay="0">
+                  <p:tgtEl>
+                    <p:sldTgt/>
+                  </p:tgtEl>
+                </p:cond>
+              </p:nextCondLst>
+            </p:seq>
+          </p:childTnLst>
+        </p:cTn>
+      </p:par>
+    </p:tnLst>
+    <p:bldLst>
+      <p:bldP spid="3" grpId="0" build="p"/>
+    </p:bldLst>
+  </p:timing>
 </p:sld>
 </file>
 
@@ -18775,8 +24975,8 @@
           </a:p>
         </p:txBody>
       </p:sp>
-      <mc:AlternateContent xmlns:mc="http://schemas.openxmlformats.org/markup-compatibility/2006" xmlns:a14="http://schemas.microsoft.com/office/drawing/2010/main">
-        <mc:Choice Requires="a14">
+      <mc:AlternateContent xmlns:mc="http://schemas.openxmlformats.org/markup-compatibility/2006">
+        <mc:Choice xmlns:a14="http://schemas.microsoft.com/office/drawing/2010/main" Requires="a14">
           <p:sp>
             <p:nvSpPr>
               <p:cNvPr id="3" name="Content Placeholder 2">
@@ -18802,492 +25002,6 @@
             <p:txBody>
               <a:bodyPr/>
               <a:lstStyle/>
-              <a:p>
-                <a14:m>
-                  <m:oMath xmlns:m="http://schemas.openxmlformats.org/officeDocument/2006/math">
-                    <m:nary>
-                      <m:naryPr>
-                        <m:chr m:val="∑"/>
-                        <m:ctrlPr>
-                          <a:rPr lang="en-US" i="1" smtClean="0">
-                            <a:latin typeface="Cambria Math" panose="02040503050406030204" pitchFamily="18" charset="0"/>
-                          </a:rPr>
-                        </m:ctrlPr>
-                      </m:naryPr>
-                      <m:sub>
-                        <m:r>
-                          <m:rPr>
-                            <m:brk m:alnAt="23"/>
-                          </m:rPr>
-                          <a:rPr lang="en-US" i="1">
-                            <a:latin typeface="Cambria Math" panose="02040503050406030204" pitchFamily="18" charset="0"/>
-                          </a:rPr>
-                          <m:t>𝑖</m:t>
-                        </m:r>
-                        <m:r>
-                          <a:rPr lang="en-US" i="1">
-                            <a:latin typeface="Cambria Math" panose="02040503050406030204" pitchFamily="18" charset="0"/>
-                          </a:rPr>
-                          <m:t>=1</m:t>
-                        </m:r>
-                      </m:sub>
-                      <m:sup>
-                        <m:r>
-                          <a:rPr lang="en-US" i="1">
-                            <a:latin typeface="Cambria Math" panose="02040503050406030204" pitchFamily="18" charset="0"/>
-                          </a:rPr>
-                          <m:t>𝑁</m:t>
-                        </m:r>
-                      </m:sup>
-                      <m:e>
-                        <m:r>
-                          <a:rPr lang="en-US" i="1">
-                            <a:latin typeface="Cambria Math" panose="02040503050406030204" pitchFamily="18" charset="0"/>
-                          </a:rPr>
-                          <m:t>𝑙𝑜𝑔𝑃</m:t>
-                        </m:r>
-                        <m:d>
-                          <m:dPr>
-                            <m:ctrlPr>
-                              <a:rPr lang="en-US" i="1">
-                                <a:latin typeface="Cambria Math" panose="02040503050406030204" pitchFamily="18" charset="0"/>
-                              </a:rPr>
-                            </m:ctrlPr>
-                          </m:dPr>
-                          <m:e>
-                            <m:sSub>
-                              <m:sSubPr>
-                                <m:ctrlPr>
-                                  <a:rPr lang="en-US" i="1">
-                                    <a:latin typeface="Cambria Math" panose="02040503050406030204" pitchFamily="18" charset="0"/>
-                                  </a:rPr>
-                                </m:ctrlPr>
-                              </m:sSubPr>
-                              <m:e>
-                                <m:d>
-                                  <m:dPr>
-                                    <m:begChr m:val="{"/>
-                                    <m:endChr m:val="}"/>
-                                    <m:ctrlPr>
-                                      <a:rPr lang="en-US" i="1">
-                                        <a:latin typeface="Cambria Math" panose="02040503050406030204" pitchFamily="18" charset="0"/>
-                                      </a:rPr>
-                                    </m:ctrlPr>
-                                  </m:dPr>
-                                  <m:e>
-                                    <m:sSub>
-                                      <m:sSubPr>
-                                        <m:ctrlPr>
-                                          <a:rPr lang="en-US" i="1">
-                                            <a:latin typeface="Cambria Math" panose="02040503050406030204" pitchFamily="18" charset="0"/>
-                                          </a:rPr>
-                                        </m:ctrlPr>
-                                      </m:sSubPr>
-                                      <m:e>
-                                        <m:acc>
-                                          <m:accPr>
-                                            <m:chr m:val="̃"/>
-                                            <m:ctrlPr>
-                                              <a:rPr lang="en-US" i="1">
-                                                <a:latin typeface="Cambria Math" panose="02040503050406030204" pitchFamily="18" charset="0"/>
-                                              </a:rPr>
-                                            </m:ctrlPr>
-                                          </m:accPr>
-                                          <m:e>
-                                            <m:r>
-                                              <a:rPr lang="en-US" i="1">
-                                                <a:latin typeface="Cambria Math" panose="02040503050406030204" pitchFamily="18" charset="0"/>
-                                              </a:rPr>
-                                              <m:t>𝐴</m:t>
-                                            </m:r>
-                                          </m:e>
-                                        </m:acc>
-                                      </m:e>
-                                      <m:sub>
-                                        <m:r>
-                                          <a:rPr lang="en-US" i="1">
-                                            <a:latin typeface="Cambria Math" panose="02040503050406030204" pitchFamily="18" charset="0"/>
-                                          </a:rPr>
-                                          <m:t>1</m:t>
-                                        </m:r>
-                                      </m:sub>
-                                    </m:sSub>
-                                    <m:r>
-                                      <m:rPr>
-                                        <m:brk m:alnAt="23"/>
-                                      </m:rPr>
-                                      <a:rPr lang="en-US" i="1">
-                                        <a:latin typeface="Cambria Math" panose="02040503050406030204" pitchFamily="18" charset="0"/>
-                                      </a:rPr>
-                                      <m:t>,</m:t>
-                                    </m:r>
-                                    <m:sSub>
-                                      <m:sSubPr>
-                                        <m:ctrlPr>
-                                          <a:rPr lang="en-US" i="1">
-                                            <a:latin typeface="Cambria Math" panose="02040503050406030204" pitchFamily="18" charset="0"/>
-                                          </a:rPr>
-                                        </m:ctrlPr>
-                                      </m:sSubPr>
-                                      <m:e>
-                                        <m:acc>
-                                          <m:accPr>
-                                            <m:chr m:val="̃"/>
-                                            <m:ctrlPr>
-                                              <a:rPr lang="en-US" i="1">
-                                                <a:latin typeface="Cambria Math" panose="02040503050406030204" pitchFamily="18" charset="0"/>
-                                              </a:rPr>
-                                            </m:ctrlPr>
-                                          </m:accPr>
-                                          <m:e>
-                                            <m:r>
-                                              <a:rPr lang="en-US" i="1">
-                                                <a:latin typeface="Cambria Math" panose="02040503050406030204" pitchFamily="18" charset="0"/>
-                                              </a:rPr>
-                                              <m:t>𝐴</m:t>
-                                            </m:r>
-                                          </m:e>
-                                        </m:acc>
-                                      </m:e>
-                                      <m:sub>
-                                        <m:r>
-                                          <a:rPr lang="en-US" i="1">
-                                            <a:latin typeface="Cambria Math" panose="02040503050406030204" pitchFamily="18" charset="0"/>
-                                          </a:rPr>
-                                          <m:t>2</m:t>
-                                        </m:r>
-                                      </m:sub>
-                                    </m:sSub>
-                                    <m:r>
-                                      <m:rPr>
-                                        <m:brk m:alnAt="23"/>
-                                      </m:rPr>
-                                      <a:rPr lang="en-US" i="1">
-                                        <a:latin typeface="Cambria Math" panose="02040503050406030204" pitchFamily="18" charset="0"/>
-                                      </a:rPr>
-                                      <m:t>,</m:t>
-                                    </m:r>
-                                    <m:r>
-                                      <a:rPr lang="en-US" i="1">
-                                        <a:latin typeface="Cambria Math" panose="02040503050406030204" pitchFamily="18" charset="0"/>
-                                      </a:rPr>
-                                      <m:t>…</m:t>
-                                    </m:r>
-                                    <m:sSub>
-                                      <m:sSubPr>
-                                        <m:ctrlPr>
-                                          <a:rPr lang="en-US" i="1">
-                                            <a:latin typeface="Cambria Math" panose="02040503050406030204" pitchFamily="18" charset="0"/>
-                                          </a:rPr>
-                                        </m:ctrlPr>
-                                      </m:sSubPr>
-                                      <m:e>
-                                        <m:acc>
-                                          <m:accPr>
-                                            <m:chr m:val="̃"/>
-                                            <m:ctrlPr>
-                                              <a:rPr lang="en-US" i="1">
-                                                <a:latin typeface="Cambria Math" panose="02040503050406030204" pitchFamily="18" charset="0"/>
-                                              </a:rPr>
-                                            </m:ctrlPr>
-                                          </m:accPr>
-                                          <m:e>
-                                            <m:r>
-                                              <a:rPr lang="en-US" i="1">
-                                                <a:latin typeface="Cambria Math" panose="02040503050406030204" pitchFamily="18" charset="0"/>
-                                              </a:rPr>
-                                              <m:t>𝐴</m:t>
-                                            </m:r>
-                                          </m:e>
-                                        </m:acc>
-                                      </m:e>
-                                      <m:sub>
-                                        <m:r>
-                                          <a:rPr lang="en-US" i="1">
-                                            <a:latin typeface="Cambria Math" panose="02040503050406030204" pitchFamily="18" charset="0"/>
-                                          </a:rPr>
-                                          <m:t>𝑉</m:t>
-                                        </m:r>
-                                      </m:sub>
-                                    </m:sSub>
-                                  </m:e>
-                                </m:d>
-                              </m:e>
-                              <m:sub>
-                                <m:r>
-                                  <a:rPr lang="en-US" i="1">
-                                    <a:latin typeface="Cambria Math" panose="02040503050406030204" pitchFamily="18" charset="0"/>
-                                  </a:rPr>
-                                  <m:t>𝑖</m:t>
-                                </m:r>
-                              </m:sub>
-                            </m:sSub>
-                          </m:e>
-                        </m:d>
-                        <m:r>
-                          <a:rPr lang="en-US" i="1">
-                            <a:latin typeface="Cambria Math" panose="02040503050406030204" pitchFamily="18" charset="0"/>
-                          </a:rPr>
-                          <m:t>=</m:t>
-                        </m:r>
-                      </m:e>
-                    </m:nary>
-                    <m:nary>
-                      <m:naryPr>
-                        <m:chr m:val="∑"/>
-                        <m:ctrlPr>
-                          <a:rPr lang="en-US" i="1">
-                            <a:latin typeface="Cambria Math" panose="02040503050406030204" pitchFamily="18" charset="0"/>
-                          </a:rPr>
-                        </m:ctrlPr>
-                      </m:naryPr>
-                      <m:sub>
-                        <m:r>
-                          <m:rPr>
-                            <m:brk m:alnAt="23"/>
-                          </m:rPr>
-                          <a:rPr lang="en-US" i="1">
-                            <a:latin typeface="Cambria Math" panose="02040503050406030204" pitchFamily="18" charset="0"/>
-                          </a:rPr>
-                          <m:t>𝑖</m:t>
-                        </m:r>
-                        <m:r>
-                          <a:rPr lang="en-US" i="1">
-                            <a:latin typeface="Cambria Math" panose="02040503050406030204" pitchFamily="18" charset="0"/>
-                          </a:rPr>
-                          <m:t>=1</m:t>
-                        </m:r>
-                      </m:sub>
-                      <m:sup>
-                        <m:r>
-                          <a:rPr lang="en-US" i="1">
-                            <a:latin typeface="Cambria Math" panose="02040503050406030204" pitchFamily="18" charset="0"/>
-                          </a:rPr>
-                          <m:t>𝑁</m:t>
-                        </m:r>
-                      </m:sup>
-                      <m:e>
-                        <m:nary>
-                          <m:naryPr>
-                            <m:chr m:val="∑"/>
-                            <m:ctrlPr>
-                              <a:rPr lang="en-US" i="1">
-                                <a:latin typeface="Cambria Math" panose="02040503050406030204" pitchFamily="18" charset="0"/>
-                              </a:rPr>
-                            </m:ctrlPr>
-                          </m:naryPr>
-                          <m:sub>
-                            <m:r>
-                              <m:rPr>
-                                <m:brk m:alnAt="23"/>
-                              </m:rPr>
-                              <a:rPr lang="en-US" i="1">
-                                <a:latin typeface="Cambria Math" panose="02040503050406030204" pitchFamily="18" charset="0"/>
-                              </a:rPr>
-                              <m:t>𝑣</m:t>
-                            </m:r>
-                            <m:r>
-                              <a:rPr lang="en-US" i="1">
-                                <a:latin typeface="Cambria Math" panose="02040503050406030204" pitchFamily="18" charset="0"/>
-                              </a:rPr>
-                              <m:t>=1</m:t>
-                            </m:r>
-                          </m:sub>
-                          <m:sup>
-                            <m:r>
-                              <a:rPr lang="en-US" i="1">
-                                <a:latin typeface="Cambria Math" panose="02040503050406030204" pitchFamily="18" charset="0"/>
-                              </a:rPr>
-                              <m:t>𝑉</m:t>
-                            </m:r>
-                          </m:sup>
-                          <m:e>
-                            <m:r>
-                              <a:rPr lang="en-US" i="1">
-                                <a:latin typeface="Cambria Math" panose="02040503050406030204" pitchFamily="18" charset="0"/>
-                              </a:rPr>
-                              <m:t>𝑙𝑜𝑔𝑃</m:t>
-                            </m:r>
-                            <m:d>
-                              <m:dPr>
-                                <m:ctrlPr>
-                                  <a:rPr lang="en-US" i="1">
-                                    <a:latin typeface="Cambria Math" panose="02040503050406030204" pitchFamily="18" charset="0"/>
-                                  </a:rPr>
-                                </m:ctrlPr>
-                              </m:dPr>
-                              <m:e>
-                                <m:sSub>
-                                  <m:sSubPr>
-                                    <m:ctrlPr>
-                                      <a:rPr lang="en-US" i="1">
-                                        <a:latin typeface="Cambria Math" panose="02040503050406030204" pitchFamily="18" charset="0"/>
-                                      </a:rPr>
-                                    </m:ctrlPr>
-                                  </m:sSubPr>
-                                  <m:e>
-                                    <m:acc>
-                                      <m:accPr>
-                                        <m:chr m:val="̃"/>
-                                        <m:ctrlPr>
-                                          <a:rPr lang="en-US" i="1">
-                                            <a:latin typeface="Cambria Math" panose="02040503050406030204" pitchFamily="18" charset="0"/>
-                                          </a:rPr>
-                                        </m:ctrlPr>
-                                      </m:accPr>
-                                      <m:e>
-                                        <m:r>
-                                          <a:rPr lang="en-US" i="1">
-                                            <a:latin typeface="Cambria Math" panose="02040503050406030204" pitchFamily="18" charset="0"/>
-                                          </a:rPr>
-                                          <m:t>𝐴</m:t>
-                                        </m:r>
-                                      </m:e>
-                                    </m:acc>
-                                  </m:e>
-                                  <m:sub>
-                                    <m:r>
-                                      <a:rPr lang="en-US" i="1">
-                                        <a:latin typeface="Cambria Math" panose="02040503050406030204" pitchFamily="18" charset="0"/>
-                                      </a:rPr>
-                                      <m:t>𝑣</m:t>
-                                    </m:r>
-                                    <m:r>
-                                      <a:rPr lang="en-US" i="1">
-                                        <a:latin typeface="Cambria Math" panose="02040503050406030204" pitchFamily="18" charset="0"/>
-                                      </a:rPr>
-                                      <m:t>,</m:t>
-                                    </m:r>
-                                    <m:r>
-                                      <a:rPr lang="en-US" i="1">
-                                        <a:latin typeface="Cambria Math" panose="02040503050406030204" pitchFamily="18" charset="0"/>
-                                      </a:rPr>
-                                      <m:t>𝑖</m:t>
-                                    </m:r>
-                                  </m:sub>
-                                </m:sSub>
-                              </m:e>
-                              <m:e>
-                                <m:r>
-                                  <m:rPr>
-                                    <m:brk m:alnAt="23"/>
-                                  </m:rPr>
-                                  <a:rPr lang="en-US" i="1">
-                                    <a:latin typeface="Cambria Math" panose="02040503050406030204" pitchFamily="18" charset="0"/>
-                                  </a:rPr>
-                                  <m:t>𝑃</m:t>
-                                </m:r>
-                                <m:r>
-                                  <a:rPr lang="en-US" i="1">
-                                    <a:latin typeface="Cambria Math" panose="02040503050406030204" pitchFamily="18" charset="0"/>
-                                  </a:rPr>
-                                  <m:t>𝑎𝑟𝑒𝑛𝑡𝑠</m:t>
-                                </m:r>
-                                <m:d>
-                                  <m:dPr>
-                                    <m:ctrlPr>
-                                      <a:rPr lang="en-US" i="1">
-                                        <a:latin typeface="Cambria Math" panose="02040503050406030204" pitchFamily="18" charset="0"/>
-                                      </a:rPr>
-                                    </m:ctrlPr>
-                                  </m:dPr>
-                                  <m:e>
-                                    <m:sSub>
-                                      <m:sSubPr>
-                                        <m:ctrlPr>
-                                          <a:rPr lang="en-US" i="1">
-                                            <a:latin typeface="Cambria Math" panose="02040503050406030204" pitchFamily="18" charset="0"/>
-                                          </a:rPr>
-                                        </m:ctrlPr>
-                                      </m:sSubPr>
-                                      <m:e>
-                                        <m:acc>
-                                          <m:accPr>
-                                            <m:chr m:val="̃"/>
-                                            <m:ctrlPr>
-                                              <a:rPr lang="en-US" i="1">
-                                                <a:latin typeface="Cambria Math" panose="02040503050406030204" pitchFamily="18" charset="0"/>
-                                              </a:rPr>
-                                            </m:ctrlPr>
-                                          </m:accPr>
-                                          <m:e>
-                                            <m:r>
-                                              <a:rPr lang="en-US" i="1">
-                                                <a:latin typeface="Cambria Math" panose="02040503050406030204" pitchFamily="18" charset="0"/>
-                                              </a:rPr>
-                                              <m:t>𝐴</m:t>
-                                            </m:r>
-                                          </m:e>
-                                        </m:acc>
-                                      </m:e>
-                                      <m:sub>
-                                        <m:r>
-                                          <a:rPr lang="en-US" i="1">
-                                            <a:latin typeface="Cambria Math" panose="02040503050406030204" pitchFamily="18" charset="0"/>
-                                          </a:rPr>
-                                          <m:t>𝑣</m:t>
-                                        </m:r>
-                                        <m:r>
-                                          <a:rPr lang="en-US" i="1">
-                                            <a:latin typeface="Cambria Math" panose="02040503050406030204" pitchFamily="18" charset="0"/>
-                                          </a:rPr>
-                                          <m:t>,</m:t>
-                                        </m:r>
-                                        <m:r>
-                                          <a:rPr lang="en-US" i="1">
-                                            <a:latin typeface="Cambria Math" panose="02040503050406030204" pitchFamily="18" charset="0"/>
-                                          </a:rPr>
-                                          <m:t>𝑖</m:t>
-                                        </m:r>
-                                      </m:sub>
-                                    </m:sSub>
-                                  </m:e>
-                                </m:d>
-                                <m:r>
-                                  <m:rPr>
-                                    <m:brk m:alnAt="23"/>
-                                  </m:rPr>
-                                  <a:rPr lang="en-US" i="1">
-                                    <a:latin typeface="Cambria Math" panose="02040503050406030204" pitchFamily="18" charset="0"/>
-                                  </a:rPr>
-                                  <m:t>;</m:t>
-                                </m:r>
-                                <m:sSub>
-                                  <m:sSubPr>
-                                    <m:ctrlPr>
-                                      <a:rPr lang="en-US" i="1">
-                                        <a:latin typeface="Cambria Math" panose="02040503050406030204" pitchFamily="18" charset="0"/>
-                                      </a:rPr>
-                                    </m:ctrlPr>
-                                  </m:sSubPr>
-                                  <m:e>
-                                    <m:r>
-                                      <a:rPr lang="en-US" i="1">
-                                        <a:latin typeface="Cambria Math" panose="02040503050406030204" pitchFamily="18" charset="0"/>
-                                        <a:ea typeface="Cambria Math" panose="02040503050406030204" pitchFamily="18" charset="0"/>
-                                      </a:rPr>
-                                      <m:t>𝜃</m:t>
-                                    </m:r>
-                                  </m:e>
-                                  <m:sub>
-                                    <m:r>
-                                      <a:rPr lang="en-US" i="1">
-                                        <a:latin typeface="Cambria Math" panose="02040503050406030204" pitchFamily="18" charset="0"/>
-                                      </a:rPr>
-                                      <m:t>𝑣</m:t>
-                                    </m:r>
-                                  </m:sub>
-                                </m:sSub>
-                              </m:e>
-                            </m:d>
-                          </m:e>
-                        </m:nary>
-                      </m:e>
-                    </m:nary>
-                  </m:oMath>
-                </a14:m>
-                <a:endParaRPr lang="en-US" dirty="0"/>
-              </a:p>
               <a:p>
                 <a:r>
                   <a:rPr lang="en-US" dirty="0"/>
@@ -20302,7 +26016,7 @@
             </p:txBody>
           </p:sp>
         </mc:Choice>
-        <mc:Fallback xmlns="">
+        <mc:Fallback>
           <p:sp>
             <p:nvSpPr>
               <p:cNvPr id="3" name="Content Placeholder 2">
@@ -20327,7 +26041,7 @@
               <a:blipFill>
                 <a:blip r:embed="rId2"/>
                 <a:stretch>
-                  <a:fillRect l="-900" r="-350"/>
+                  <a:fillRect l="-900" t="-1702" r="-350"/>
                 </a:stretch>
               </a:blipFill>
             </p:spPr>
@@ -20465,6 +26179,428 @@
   <p:clrMapOvr>
     <a:masterClrMapping/>
   </p:clrMapOvr>
+  <p:timing>
+    <p:tnLst>
+      <p:par>
+        <p:cTn id="1" dur="indefinite" restart="never" nodeType="tmRoot">
+          <p:childTnLst>
+            <p:seq concurrent="1" nextAc="seek">
+              <p:cTn id="2" dur="indefinite" nodeType="mainSeq">
+                <p:childTnLst>
+                  <p:par>
+                    <p:cTn id="3" fill="hold">
+                      <p:stCondLst>
+                        <p:cond delay="indefinite"/>
+                      </p:stCondLst>
+                      <p:childTnLst>
+                        <p:par>
+                          <p:cTn id="4" fill="hold">
+                            <p:stCondLst>
+                              <p:cond delay="0"/>
+                            </p:stCondLst>
+                            <p:childTnLst>
+                              <p:par>
+                                <p:cTn id="5" presetID="1" presetClass="entr" presetSubtype="0" fill="hold" grpId="0" nodeType="clickEffect">
+                                  <p:stCondLst>
+                                    <p:cond delay="0"/>
+                                  </p:stCondLst>
+                                  <p:childTnLst>
+                                    <p:set>
+                                      <p:cBhvr>
+                                        <p:cTn id="6" dur="1" fill="hold">
+                                          <p:stCondLst>
+                                            <p:cond delay="0"/>
+                                          </p:stCondLst>
+                                        </p:cTn>
+                                        <p:tgtEl>
+                                          <p:spTgt spid="3">
+                                            <p:txEl>
+                                              <p:pRg st="0" end="0"/>
+                                            </p:txEl>
+                                          </p:spTgt>
+                                        </p:tgtEl>
+                                        <p:attrNameLst>
+                                          <p:attrName>style.visibility</p:attrName>
+                                        </p:attrNameLst>
+                                      </p:cBhvr>
+                                      <p:to>
+                                        <p:strVal val="visible"/>
+                                      </p:to>
+                                    </p:set>
+                                  </p:childTnLst>
+                                </p:cTn>
+                              </p:par>
+                            </p:childTnLst>
+                          </p:cTn>
+                        </p:par>
+                      </p:childTnLst>
+                    </p:cTn>
+                  </p:par>
+                  <p:par>
+                    <p:cTn id="7" fill="hold">
+                      <p:stCondLst>
+                        <p:cond delay="indefinite"/>
+                      </p:stCondLst>
+                      <p:childTnLst>
+                        <p:par>
+                          <p:cTn id="8" fill="hold">
+                            <p:stCondLst>
+                              <p:cond delay="0"/>
+                            </p:stCondLst>
+                            <p:childTnLst>
+                              <p:par>
+                                <p:cTn id="9" presetID="1" presetClass="entr" presetSubtype="0" fill="hold" grpId="0" nodeType="clickEffect">
+                                  <p:stCondLst>
+                                    <p:cond delay="0"/>
+                                  </p:stCondLst>
+                                  <p:childTnLst>
+                                    <p:set>
+                                      <p:cBhvr>
+                                        <p:cTn id="10" dur="1" fill="hold">
+                                          <p:stCondLst>
+                                            <p:cond delay="0"/>
+                                          </p:stCondLst>
+                                        </p:cTn>
+                                        <p:tgtEl>
+                                          <p:spTgt spid="3">
+                                            <p:txEl>
+                                              <p:pRg st="1" end="1"/>
+                                            </p:txEl>
+                                          </p:spTgt>
+                                        </p:tgtEl>
+                                        <p:attrNameLst>
+                                          <p:attrName>style.visibility</p:attrName>
+                                        </p:attrNameLst>
+                                      </p:cBhvr>
+                                      <p:to>
+                                        <p:strVal val="visible"/>
+                                      </p:to>
+                                    </p:set>
+                                  </p:childTnLst>
+                                </p:cTn>
+                              </p:par>
+                            </p:childTnLst>
+                          </p:cTn>
+                        </p:par>
+                      </p:childTnLst>
+                    </p:cTn>
+                  </p:par>
+                  <p:par>
+                    <p:cTn id="11" fill="hold">
+                      <p:stCondLst>
+                        <p:cond delay="indefinite"/>
+                      </p:stCondLst>
+                      <p:childTnLst>
+                        <p:par>
+                          <p:cTn id="12" fill="hold">
+                            <p:stCondLst>
+                              <p:cond delay="0"/>
+                            </p:stCondLst>
+                            <p:childTnLst>
+                              <p:par>
+                                <p:cTn id="13" presetID="1" presetClass="entr" presetSubtype="0" fill="hold" grpId="0" nodeType="clickEffect">
+                                  <p:stCondLst>
+                                    <p:cond delay="0"/>
+                                  </p:stCondLst>
+                                  <p:childTnLst>
+                                    <p:set>
+                                      <p:cBhvr>
+                                        <p:cTn id="14" dur="1" fill="hold">
+                                          <p:stCondLst>
+                                            <p:cond delay="0"/>
+                                          </p:stCondLst>
+                                        </p:cTn>
+                                        <p:tgtEl>
+                                          <p:spTgt spid="3">
+                                            <p:txEl>
+                                              <p:pRg st="2" end="2"/>
+                                            </p:txEl>
+                                          </p:spTgt>
+                                        </p:tgtEl>
+                                        <p:attrNameLst>
+                                          <p:attrName>style.visibility</p:attrName>
+                                        </p:attrNameLst>
+                                      </p:cBhvr>
+                                      <p:to>
+                                        <p:strVal val="visible"/>
+                                      </p:to>
+                                    </p:set>
+                                  </p:childTnLst>
+                                </p:cTn>
+                              </p:par>
+                            </p:childTnLst>
+                          </p:cTn>
+                        </p:par>
+                      </p:childTnLst>
+                    </p:cTn>
+                  </p:par>
+                  <p:par>
+                    <p:cTn id="15" fill="hold">
+                      <p:stCondLst>
+                        <p:cond delay="indefinite"/>
+                      </p:stCondLst>
+                      <p:childTnLst>
+                        <p:par>
+                          <p:cTn id="16" fill="hold">
+                            <p:stCondLst>
+                              <p:cond delay="0"/>
+                            </p:stCondLst>
+                            <p:childTnLst>
+                              <p:par>
+                                <p:cTn id="17" presetID="1" presetClass="entr" presetSubtype="0" fill="hold" grpId="0" nodeType="clickEffect">
+                                  <p:stCondLst>
+                                    <p:cond delay="0"/>
+                                  </p:stCondLst>
+                                  <p:childTnLst>
+                                    <p:set>
+                                      <p:cBhvr>
+                                        <p:cTn id="18" dur="1" fill="hold">
+                                          <p:stCondLst>
+                                            <p:cond delay="0"/>
+                                          </p:stCondLst>
+                                        </p:cTn>
+                                        <p:tgtEl>
+                                          <p:spTgt spid="3">
+                                            <p:txEl>
+                                              <p:pRg st="3" end="3"/>
+                                            </p:txEl>
+                                          </p:spTgt>
+                                        </p:tgtEl>
+                                        <p:attrNameLst>
+                                          <p:attrName>style.visibility</p:attrName>
+                                        </p:attrNameLst>
+                                      </p:cBhvr>
+                                      <p:to>
+                                        <p:strVal val="visible"/>
+                                      </p:to>
+                                    </p:set>
+                                  </p:childTnLst>
+                                </p:cTn>
+                              </p:par>
+                            </p:childTnLst>
+                          </p:cTn>
+                        </p:par>
+                      </p:childTnLst>
+                    </p:cTn>
+                  </p:par>
+                  <p:par>
+                    <p:cTn id="19" fill="hold">
+                      <p:stCondLst>
+                        <p:cond delay="indefinite"/>
+                      </p:stCondLst>
+                      <p:childTnLst>
+                        <p:par>
+                          <p:cTn id="20" fill="hold">
+                            <p:stCondLst>
+                              <p:cond delay="0"/>
+                            </p:stCondLst>
+                            <p:childTnLst>
+                              <p:par>
+                                <p:cTn id="21" presetID="1" presetClass="entr" presetSubtype="0" fill="hold" grpId="0" nodeType="clickEffect">
+                                  <p:stCondLst>
+                                    <p:cond delay="0"/>
+                                  </p:stCondLst>
+                                  <p:childTnLst>
+                                    <p:set>
+                                      <p:cBhvr>
+                                        <p:cTn id="22" dur="1" fill="hold">
+                                          <p:stCondLst>
+                                            <p:cond delay="0"/>
+                                          </p:stCondLst>
+                                        </p:cTn>
+                                        <p:tgtEl>
+                                          <p:spTgt spid="3">
+                                            <p:txEl>
+                                              <p:pRg st="4" end="4"/>
+                                            </p:txEl>
+                                          </p:spTgt>
+                                        </p:tgtEl>
+                                        <p:attrNameLst>
+                                          <p:attrName>style.visibility</p:attrName>
+                                        </p:attrNameLst>
+                                      </p:cBhvr>
+                                      <p:to>
+                                        <p:strVal val="visible"/>
+                                      </p:to>
+                                    </p:set>
+                                  </p:childTnLst>
+                                </p:cTn>
+                              </p:par>
+                            </p:childTnLst>
+                          </p:cTn>
+                        </p:par>
+                      </p:childTnLst>
+                    </p:cTn>
+                  </p:par>
+                  <p:par>
+                    <p:cTn id="23" fill="hold">
+                      <p:stCondLst>
+                        <p:cond delay="indefinite"/>
+                      </p:stCondLst>
+                      <p:childTnLst>
+                        <p:par>
+                          <p:cTn id="24" fill="hold">
+                            <p:stCondLst>
+                              <p:cond delay="0"/>
+                            </p:stCondLst>
+                            <p:childTnLst>
+                              <p:par>
+                                <p:cTn id="25" presetID="1" presetClass="entr" presetSubtype="0" fill="hold" grpId="0" nodeType="clickEffect">
+                                  <p:stCondLst>
+                                    <p:cond delay="0"/>
+                                  </p:stCondLst>
+                                  <p:childTnLst>
+                                    <p:set>
+                                      <p:cBhvr>
+                                        <p:cTn id="26" dur="1" fill="hold">
+                                          <p:stCondLst>
+                                            <p:cond delay="0"/>
+                                          </p:stCondLst>
+                                        </p:cTn>
+                                        <p:tgtEl>
+                                          <p:spTgt spid="3">
+                                            <p:txEl>
+                                              <p:pRg st="5" end="5"/>
+                                            </p:txEl>
+                                          </p:spTgt>
+                                        </p:tgtEl>
+                                        <p:attrNameLst>
+                                          <p:attrName>style.visibility</p:attrName>
+                                        </p:attrNameLst>
+                                      </p:cBhvr>
+                                      <p:to>
+                                        <p:strVal val="visible"/>
+                                      </p:to>
+                                    </p:set>
+                                  </p:childTnLst>
+                                </p:cTn>
+                              </p:par>
+                            </p:childTnLst>
+                          </p:cTn>
+                        </p:par>
+                      </p:childTnLst>
+                    </p:cTn>
+                  </p:par>
+                  <p:par>
+                    <p:cTn id="27" fill="hold">
+                      <p:stCondLst>
+                        <p:cond delay="indefinite"/>
+                      </p:stCondLst>
+                      <p:childTnLst>
+                        <p:par>
+                          <p:cTn id="28" fill="hold">
+                            <p:stCondLst>
+                              <p:cond delay="0"/>
+                            </p:stCondLst>
+                            <p:childTnLst>
+                              <p:par>
+                                <p:cTn id="29" presetID="1" presetClass="entr" presetSubtype="0" fill="hold" grpId="0" nodeType="clickEffect">
+                                  <p:stCondLst>
+                                    <p:cond delay="0"/>
+                                  </p:stCondLst>
+                                  <p:childTnLst>
+                                    <p:set>
+                                      <p:cBhvr>
+                                        <p:cTn id="30" dur="1" fill="hold">
+                                          <p:stCondLst>
+                                            <p:cond delay="0"/>
+                                          </p:stCondLst>
+                                        </p:cTn>
+                                        <p:tgtEl>
+                                          <p:spTgt spid="3">
+                                            <p:txEl>
+                                              <p:pRg st="6" end="6"/>
+                                            </p:txEl>
+                                          </p:spTgt>
+                                        </p:tgtEl>
+                                        <p:attrNameLst>
+                                          <p:attrName>style.visibility</p:attrName>
+                                        </p:attrNameLst>
+                                      </p:cBhvr>
+                                      <p:to>
+                                        <p:strVal val="visible"/>
+                                      </p:to>
+                                    </p:set>
+                                  </p:childTnLst>
+                                </p:cTn>
+                              </p:par>
+                            </p:childTnLst>
+                          </p:cTn>
+                        </p:par>
+                      </p:childTnLst>
+                    </p:cTn>
+                  </p:par>
+                  <p:par>
+                    <p:cTn id="31" fill="hold">
+                      <p:stCondLst>
+                        <p:cond delay="indefinite"/>
+                      </p:stCondLst>
+                      <p:childTnLst>
+                        <p:par>
+                          <p:cTn id="32" fill="hold">
+                            <p:stCondLst>
+                              <p:cond delay="0"/>
+                            </p:stCondLst>
+                            <p:childTnLst>
+                              <p:par>
+                                <p:cTn id="33" presetID="1" presetClass="entr" presetSubtype="0" fill="hold" grpId="0" nodeType="clickEffect">
+                                  <p:stCondLst>
+                                    <p:cond delay="0"/>
+                                  </p:stCondLst>
+                                  <p:childTnLst>
+                                    <p:set>
+                                      <p:cBhvr>
+                                        <p:cTn id="34" dur="1" fill="hold">
+                                          <p:stCondLst>
+                                            <p:cond delay="0"/>
+                                          </p:stCondLst>
+                                        </p:cTn>
+                                        <p:tgtEl>
+                                          <p:spTgt spid="4"/>
+                                        </p:tgtEl>
+                                        <p:attrNameLst>
+                                          <p:attrName>style.visibility</p:attrName>
+                                        </p:attrNameLst>
+                                      </p:cBhvr>
+                                      <p:to>
+                                        <p:strVal val="visible"/>
+                                      </p:to>
+                                    </p:set>
+                                  </p:childTnLst>
+                                </p:cTn>
+                              </p:par>
+                            </p:childTnLst>
+                          </p:cTn>
+                        </p:par>
+                      </p:childTnLst>
+                    </p:cTn>
+                  </p:par>
+                </p:childTnLst>
+              </p:cTn>
+              <p:prevCondLst>
+                <p:cond evt="onPrev" delay="0">
+                  <p:tgtEl>
+                    <p:sldTgt/>
+                  </p:tgtEl>
+                </p:cond>
+              </p:prevCondLst>
+              <p:nextCondLst>
+                <p:cond evt="onNext" delay="0">
+                  <p:tgtEl>
+                    <p:sldTgt/>
+                  </p:tgtEl>
+                </p:cond>
+              </p:nextCondLst>
+            </p:seq>
+          </p:childTnLst>
+        </p:cTn>
+      </p:par>
+    </p:tnLst>
+    <p:bldLst>
+      <p:bldP spid="3" grpId="0" build="p"/>
+      <p:bldP spid="4" grpId="0"/>
+    </p:bldLst>
+  </p:timing>
 </p:sld>
 </file>
 
@@ -20603,6 +26739,382 @@
   <p:clrMapOvr>
     <a:masterClrMapping/>
   </p:clrMapOvr>
+  <p:timing>
+    <p:tnLst>
+      <p:par>
+        <p:cTn id="1" dur="indefinite" restart="never" nodeType="tmRoot">
+          <p:childTnLst>
+            <p:seq concurrent="1" nextAc="seek">
+              <p:cTn id="2" dur="indefinite" nodeType="mainSeq">
+                <p:childTnLst>
+                  <p:par>
+                    <p:cTn id="3" fill="hold">
+                      <p:stCondLst>
+                        <p:cond delay="indefinite"/>
+                      </p:stCondLst>
+                      <p:childTnLst>
+                        <p:par>
+                          <p:cTn id="4" fill="hold">
+                            <p:stCondLst>
+                              <p:cond delay="0"/>
+                            </p:stCondLst>
+                            <p:childTnLst>
+                              <p:par>
+                                <p:cTn id="5" presetID="1" presetClass="entr" presetSubtype="0" fill="hold" grpId="0" nodeType="clickEffect">
+                                  <p:stCondLst>
+                                    <p:cond delay="0"/>
+                                  </p:stCondLst>
+                                  <p:childTnLst>
+                                    <p:set>
+                                      <p:cBhvr>
+                                        <p:cTn id="6" dur="1" fill="hold">
+                                          <p:stCondLst>
+                                            <p:cond delay="0"/>
+                                          </p:stCondLst>
+                                        </p:cTn>
+                                        <p:tgtEl>
+                                          <p:spTgt spid="3">
+                                            <p:txEl>
+                                              <p:pRg st="0" end="0"/>
+                                            </p:txEl>
+                                          </p:spTgt>
+                                        </p:tgtEl>
+                                        <p:attrNameLst>
+                                          <p:attrName>style.visibility</p:attrName>
+                                        </p:attrNameLst>
+                                      </p:cBhvr>
+                                      <p:to>
+                                        <p:strVal val="visible"/>
+                                      </p:to>
+                                    </p:set>
+                                  </p:childTnLst>
+                                </p:cTn>
+                              </p:par>
+                            </p:childTnLst>
+                          </p:cTn>
+                        </p:par>
+                      </p:childTnLst>
+                    </p:cTn>
+                  </p:par>
+                  <p:par>
+                    <p:cTn id="7" fill="hold">
+                      <p:stCondLst>
+                        <p:cond delay="indefinite"/>
+                      </p:stCondLst>
+                      <p:childTnLst>
+                        <p:par>
+                          <p:cTn id="8" fill="hold">
+                            <p:stCondLst>
+                              <p:cond delay="0"/>
+                            </p:stCondLst>
+                            <p:childTnLst>
+                              <p:par>
+                                <p:cTn id="9" presetID="1" presetClass="entr" presetSubtype="0" fill="hold" grpId="0" nodeType="clickEffect">
+                                  <p:stCondLst>
+                                    <p:cond delay="0"/>
+                                  </p:stCondLst>
+                                  <p:childTnLst>
+                                    <p:set>
+                                      <p:cBhvr>
+                                        <p:cTn id="10" dur="1" fill="hold">
+                                          <p:stCondLst>
+                                            <p:cond delay="0"/>
+                                          </p:stCondLst>
+                                        </p:cTn>
+                                        <p:tgtEl>
+                                          <p:spTgt spid="3">
+                                            <p:txEl>
+                                              <p:pRg st="1" end="1"/>
+                                            </p:txEl>
+                                          </p:spTgt>
+                                        </p:tgtEl>
+                                        <p:attrNameLst>
+                                          <p:attrName>style.visibility</p:attrName>
+                                        </p:attrNameLst>
+                                      </p:cBhvr>
+                                      <p:to>
+                                        <p:strVal val="visible"/>
+                                      </p:to>
+                                    </p:set>
+                                  </p:childTnLst>
+                                </p:cTn>
+                              </p:par>
+                            </p:childTnLst>
+                          </p:cTn>
+                        </p:par>
+                      </p:childTnLst>
+                    </p:cTn>
+                  </p:par>
+                  <p:par>
+                    <p:cTn id="11" fill="hold">
+                      <p:stCondLst>
+                        <p:cond delay="indefinite"/>
+                      </p:stCondLst>
+                      <p:childTnLst>
+                        <p:par>
+                          <p:cTn id="12" fill="hold">
+                            <p:stCondLst>
+                              <p:cond delay="0"/>
+                            </p:stCondLst>
+                            <p:childTnLst>
+                              <p:par>
+                                <p:cTn id="13" presetID="1" presetClass="entr" presetSubtype="0" fill="hold" grpId="0" nodeType="clickEffect">
+                                  <p:stCondLst>
+                                    <p:cond delay="0"/>
+                                  </p:stCondLst>
+                                  <p:childTnLst>
+                                    <p:set>
+                                      <p:cBhvr>
+                                        <p:cTn id="14" dur="1" fill="hold">
+                                          <p:stCondLst>
+                                            <p:cond delay="0"/>
+                                          </p:stCondLst>
+                                        </p:cTn>
+                                        <p:tgtEl>
+                                          <p:spTgt spid="3">
+                                            <p:txEl>
+                                              <p:pRg st="2" end="2"/>
+                                            </p:txEl>
+                                          </p:spTgt>
+                                        </p:tgtEl>
+                                        <p:attrNameLst>
+                                          <p:attrName>style.visibility</p:attrName>
+                                        </p:attrNameLst>
+                                      </p:cBhvr>
+                                      <p:to>
+                                        <p:strVal val="visible"/>
+                                      </p:to>
+                                    </p:set>
+                                  </p:childTnLst>
+                                </p:cTn>
+                              </p:par>
+                            </p:childTnLst>
+                          </p:cTn>
+                        </p:par>
+                      </p:childTnLst>
+                    </p:cTn>
+                  </p:par>
+                  <p:par>
+                    <p:cTn id="15" fill="hold">
+                      <p:stCondLst>
+                        <p:cond delay="indefinite"/>
+                      </p:stCondLst>
+                      <p:childTnLst>
+                        <p:par>
+                          <p:cTn id="16" fill="hold">
+                            <p:stCondLst>
+                              <p:cond delay="0"/>
+                            </p:stCondLst>
+                            <p:childTnLst>
+                              <p:par>
+                                <p:cTn id="17" presetID="1" presetClass="entr" presetSubtype="0" fill="hold" grpId="0" nodeType="clickEffect">
+                                  <p:stCondLst>
+                                    <p:cond delay="0"/>
+                                  </p:stCondLst>
+                                  <p:childTnLst>
+                                    <p:set>
+                                      <p:cBhvr>
+                                        <p:cTn id="18" dur="1" fill="hold">
+                                          <p:stCondLst>
+                                            <p:cond delay="0"/>
+                                          </p:stCondLst>
+                                        </p:cTn>
+                                        <p:tgtEl>
+                                          <p:spTgt spid="3">
+                                            <p:txEl>
+                                              <p:pRg st="3" end="3"/>
+                                            </p:txEl>
+                                          </p:spTgt>
+                                        </p:tgtEl>
+                                        <p:attrNameLst>
+                                          <p:attrName>style.visibility</p:attrName>
+                                        </p:attrNameLst>
+                                      </p:cBhvr>
+                                      <p:to>
+                                        <p:strVal val="visible"/>
+                                      </p:to>
+                                    </p:set>
+                                  </p:childTnLst>
+                                </p:cTn>
+                              </p:par>
+                            </p:childTnLst>
+                          </p:cTn>
+                        </p:par>
+                      </p:childTnLst>
+                    </p:cTn>
+                  </p:par>
+                  <p:par>
+                    <p:cTn id="19" fill="hold">
+                      <p:stCondLst>
+                        <p:cond delay="indefinite"/>
+                      </p:stCondLst>
+                      <p:childTnLst>
+                        <p:par>
+                          <p:cTn id="20" fill="hold">
+                            <p:stCondLst>
+                              <p:cond delay="0"/>
+                            </p:stCondLst>
+                            <p:childTnLst>
+                              <p:par>
+                                <p:cTn id="21" presetID="1" presetClass="entr" presetSubtype="0" fill="hold" grpId="0" nodeType="clickEffect">
+                                  <p:stCondLst>
+                                    <p:cond delay="0"/>
+                                  </p:stCondLst>
+                                  <p:childTnLst>
+                                    <p:set>
+                                      <p:cBhvr>
+                                        <p:cTn id="22" dur="1" fill="hold">
+                                          <p:stCondLst>
+                                            <p:cond delay="0"/>
+                                          </p:stCondLst>
+                                        </p:cTn>
+                                        <p:tgtEl>
+                                          <p:spTgt spid="3">
+                                            <p:txEl>
+                                              <p:pRg st="4" end="4"/>
+                                            </p:txEl>
+                                          </p:spTgt>
+                                        </p:tgtEl>
+                                        <p:attrNameLst>
+                                          <p:attrName>style.visibility</p:attrName>
+                                        </p:attrNameLst>
+                                      </p:cBhvr>
+                                      <p:to>
+                                        <p:strVal val="visible"/>
+                                      </p:to>
+                                    </p:set>
+                                  </p:childTnLst>
+                                </p:cTn>
+                              </p:par>
+                            </p:childTnLst>
+                          </p:cTn>
+                        </p:par>
+                      </p:childTnLst>
+                    </p:cTn>
+                  </p:par>
+                  <p:par>
+                    <p:cTn id="23" fill="hold">
+                      <p:stCondLst>
+                        <p:cond delay="indefinite"/>
+                      </p:stCondLst>
+                      <p:childTnLst>
+                        <p:par>
+                          <p:cTn id="24" fill="hold">
+                            <p:stCondLst>
+                              <p:cond delay="0"/>
+                            </p:stCondLst>
+                            <p:childTnLst>
+                              <p:par>
+                                <p:cTn id="25" presetID="1" presetClass="entr" presetSubtype="0" fill="hold" grpId="0" nodeType="clickEffect">
+                                  <p:stCondLst>
+                                    <p:cond delay="0"/>
+                                  </p:stCondLst>
+                                  <p:childTnLst>
+                                    <p:set>
+                                      <p:cBhvr>
+                                        <p:cTn id="26" dur="1" fill="hold">
+                                          <p:stCondLst>
+                                            <p:cond delay="0"/>
+                                          </p:stCondLst>
+                                        </p:cTn>
+                                        <p:tgtEl>
+                                          <p:spTgt spid="3">
+                                            <p:txEl>
+                                              <p:pRg st="5" end="5"/>
+                                            </p:txEl>
+                                          </p:spTgt>
+                                        </p:tgtEl>
+                                        <p:attrNameLst>
+                                          <p:attrName>style.visibility</p:attrName>
+                                        </p:attrNameLst>
+                                      </p:cBhvr>
+                                      <p:to>
+                                        <p:strVal val="visible"/>
+                                      </p:to>
+                                    </p:set>
+                                  </p:childTnLst>
+                                </p:cTn>
+                              </p:par>
+                            </p:childTnLst>
+                          </p:cTn>
+                        </p:par>
+                      </p:childTnLst>
+                    </p:cTn>
+                  </p:par>
+                  <p:par>
+                    <p:cTn id="27" fill="hold">
+                      <p:stCondLst>
+                        <p:cond delay="indefinite"/>
+                      </p:stCondLst>
+                      <p:childTnLst>
+                        <p:par>
+                          <p:cTn id="28" fill="hold">
+                            <p:stCondLst>
+                              <p:cond delay="0"/>
+                            </p:stCondLst>
+                            <p:childTnLst>
+                              <p:par>
+                                <p:cTn id="29" presetID="1" presetClass="entr" presetSubtype="0" fill="hold" grpId="0" nodeType="clickEffect">
+                                  <p:stCondLst>
+                                    <p:cond delay="0"/>
+                                  </p:stCondLst>
+                                  <p:childTnLst>
+                                    <p:set>
+                                      <p:cBhvr>
+                                        <p:cTn id="30" dur="1" fill="hold">
+                                          <p:stCondLst>
+                                            <p:cond delay="0"/>
+                                          </p:stCondLst>
+                                        </p:cTn>
+                                        <p:tgtEl>
+                                          <p:spTgt spid="3">
+                                            <p:txEl>
+                                              <p:pRg st="6" end="6"/>
+                                            </p:txEl>
+                                          </p:spTgt>
+                                        </p:tgtEl>
+                                        <p:attrNameLst>
+                                          <p:attrName>style.visibility</p:attrName>
+                                        </p:attrNameLst>
+                                      </p:cBhvr>
+                                      <p:to>
+                                        <p:strVal val="visible"/>
+                                      </p:to>
+                                    </p:set>
+                                  </p:childTnLst>
+                                </p:cTn>
+                              </p:par>
+                            </p:childTnLst>
+                          </p:cTn>
+                        </p:par>
+                      </p:childTnLst>
+                    </p:cTn>
+                  </p:par>
+                </p:childTnLst>
+              </p:cTn>
+              <p:prevCondLst>
+                <p:cond evt="onPrev" delay="0">
+                  <p:tgtEl>
+                    <p:sldTgt/>
+                  </p:tgtEl>
+                </p:cond>
+              </p:prevCondLst>
+              <p:nextCondLst>
+                <p:cond evt="onNext" delay="0">
+                  <p:tgtEl>
+                    <p:sldTgt/>
+                  </p:tgtEl>
+                </p:cond>
+              </p:nextCondLst>
+            </p:seq>
+          </p:childTnLst>
+        </p:cTn>
+      </p:par>
+    </p:tnLst>
+    <p:bldLst>
+      <p:bldP spid="3" grpId="0" build="p"/>
+    </p:bldLst>
+  </p:timing>
 </p:sld>
 </file>
 
@@ -20686,7 +27198,11 @@
           <a:p>
             <a:r>
               <a:rPr lang="en-US" dirty="0"/>
-              <a:t>Simple and fast learning algorithm: K2</a:t>
+              <a:t>Simple and fast learning algorithm: </a:t>
+            </a:r>
+            <a:r>
+              <a:rPr lang="en-US" b="1" dirty="0"/>
+              <a:t>K2</a:t>
             </a:r>
           </a:p>
           <a:p>
@@ -20777,6 +27293,578 @@
   <p:clrMapOvr>
     <a:masterClrMapping/>
   </p:clrMapOvr>
+  <p:timing>
+    <p:tnLst>
+      <p:par>
+        <p:cTn id="1" dur="indefinite" restart="never" nodeType="tmRoot">
+          <p:childTnLst>
+            <p:seq concurrent="1" nextAc="seek">
+              <p:cTn id="2" dur="indefinite" nodeType="mainSeq">
+                <p:childTnLst>
+                  <p:par>
+                    <p:cTn id="3" fill="hold">
+                      <p:stCondLst>
+                        <p:cond delay="indefinite"/>
+                      </p:stCondLst>
+                      <p:childTnLst>
+                        <p:par>
+                          <p:cTn id="4" fill="hold">
+                            <p:stCondLst>
+                              <p:cond delay="0"/>
+                            </p:stCondLst>
+                            <p:childTnLst>
+                              <p:par>
+                                <p:cTn id="5" presetID="1" presetClass="entr" presetSubtype="0" fill="hold" grpId="0" nodeType="clickEffect">
+                                  <p:stCondLst>
+                                    <p:cond delay="0"/>
+                                  </p:stCondLst>
+                                  <p:childTnLst>
+                                    <p:set>
+                                      <p:cBhvr>
+                                        <p:cTn id="6" dur="1" fill="hold">
+                                          <p:stCondLst>
+                                            <p:cond delay="0"/>
+                                          </p:stCondLst>
+                                        </p:cTn>
+                                        <p:tgtEl>
+                                          <p:spTgt spid="3">
+                                            <p:txEl>
+                                              <p:pRg st="0" end="0"/>
+                                            </p:txEl>
+                                          </p:spTgt>
+                                        </p:tgtEl>
+                                        <p:attrNameLst>
+                                          <p:attrName>style.visibility</p:attrName>
+                                        </p:attrNameLst>
+                                      </p:cBhvr>
+                                      <p:to>
+                                        <p:strVal val="visible"/>
+                                      </p:to>
+                                    </p:set>
+                                  </p:childTnLst>
+                                </p:cTn>
+                              </p:par>
+                            </p:childTnLst>
+                          </p:cTn>
+                        </p:par>
+                      </p:childTnLst>
+                    </p:cTn>
+                  </p:par>
+                  <p:par>
+                    <p:cTn id="7" fill="hold">
+                      <p:stCondLst>
+                        <p:cond delay="indefinite"/>
+                      </p:stCondLst>
+                      <p:childTnLst>
+                        <p:par>
+                          <p:cTn id="8" fill="hold">
+                            <p:stCondLst>
+                              <p:cond delay="0"/>
+                            </p:stCondLst>
+                            <p:childTnLst>
+                              <p:par>
+                                <p:cTn id="9" presetID="1" presetClass="entr" presetSubtype="0" fill="hold" grpId="0" nodeType="clickEffect">
+                                  <p:stCondLst>
+                                    <p:cond delay="0"/>
+                                  </p:stCondLst>
+                                  <p:childTnLst>
+                                    <p:set>
+                                      <p:cBhvr>
+                                        <p:cTn id="10" dur="1" fill="hold">
+                                          <p:stCondLst>
+                                            <p:cond delay="0"/>
+                                          </p:stCondLst>
+                                        </p:cTn>
+                                        <p:tgtEl>
+                                          <p:spTgt spid="3">
+                                            <p:txEl>
+                                              <p:pRg st="1" end="1"/>
+                                            </p:txEl>
+                                          </p:spTgt>
+                                        </p:tgtEl>
+                                        <p:attrNameLst>
+                                          <p:attrName>style.visibility</p:attrName>
+                                        </p:attrNameLst>
+                                      </p:cBhvr>
+                                      <p:to>
+                                        <p:strVal val="visible"/>
+                                      </p:to>
+                                    </p:set>
+                                  </p:childTnLst>
+                                </p:cTn>
+                              </p:par>
+                            </p:childTnLst>
+                          </p:cTn>
+                        </p:par>
+                      </p:childTnLst>
+                    </p:cTn>
+                  </p:par>
+                  <p:par>
+                    <p:cTn id="11" fill="hold">
+                      <p:stCondLst>
+                        <p:cond delay="indefinite"/>
+                      </p:stCondLst>
+                      <p:childTnLst>
+                        <p:par>
+                          <p:cTn id="12" fill="hold">
+                            <p:stCondLst>
+                              <p:cond delay="0"/>
+                            </p:stCondLst>
+                            <p:childTnLst>
+                              <p:par>
+                                <p:cTn id="13" presetID="1" presetClass="entr" presetSubtype="0" fill="hold" grpId="0" nodeType="clickEffect">
+                                  <p:stCondLst>
+                                    <p:cond delay="0"/>
+                                  </p:stCondLst>
+                                  <p:childTnLst>
+                                    <p:set>
+                                      <p:cBhvr>
+                                        <p:cTn id="14" dur="1" fill="hold">
+                                          <p:stCondLst>
+                                            <p:cond delay="0"/>
+                                          </p:stCondLst>
+                                        </p:cTn>
+                                        <p:tgtEl>
+                                          <p:spTgt spid="3">
+                                            <p:txEl>
+                                              <p:pRg st="2" end="2"/>
+                                            </p:txEl>
+                                          </p:spTgt>
+                                        </p:tgtEl>
+                                        <p:attrNameLst>
+                                          <p:attrName>style.visibility</p:attrName>
+                                        </p:attrNameLst>
+                                      </p:cBhvr>
+                                      <p:to>
+                                        <p:strVal val="visible"/>
+                                      </p:to>
+                                    </p:set>
+                                  </p:childTnLst>
+                                </p:cTn>
+                              </p:par>
+                            </p:childTnLst>
+                          </p:cTn>
+                        </p:par>
+                      </p:childTnLst>
+                    </p:cTn>
+                  </p:par>
+                  <p:par>
+                    <p:cTn id="15" fill="hold">
+                      <p:stCondLst>
+                        <p:cond delay="indefinite"/>
+                      </p:stCondLst>
+                      <p:childTnLst>
+                        <p:par>
+                          <p:cTn id="16" fill="hold">
+                            <p:stCondLst>
+                              <p:cond delay="0"/>
+                            </p:stCondLst>
+                            <p:childTnLst>
+                              <p:par>
+                                <p:cTn id="17" presetID="1" presetClass="entr" presetSubtype="0" fill="hold" grpId="0" nodeType="clickEffect">
+                                  <p:stCondLst>
+                                    <p:cond delay="0"/>
+                                  </p:stCondLst>
+                                  <p:childTnLst>
+                                    <p:set>
+                                      <p:cBhvr>
+                                        <p:cTn id="18" dur="1" fill="hold">
+                                          <p:stCondLst>
+                                            <p:cond delay="0"/>
+                                          </p:stCondLst>
+                                        </p:cTn>
+                                        <p:tgtEl>
+                                          <p:spTgt spid="3">
+                                            <p:txEl>
+                                              <p:pRg st="3" end="3"/>
+                                            </p:txEl>
+                                          </p:spTgt>
+                                        </p:tgtEl>
+                                        <p:attrNameLst>
+                                          <p:attrName>style.visibility</p:attrName>
+                                        </p:attrNameLst>
+                                      </p:cBhvr>
+                                      <p:to>
+                                        <p:strVal val="visible"/>
+                                      </p:to>
+                                    </p:set>
+                                  </p:childTnLst>
+                                </p:cTn>
+                              </p:par>
+                            </p:childTnLst>
+                          </p:cTn>
+                        </p:par>
+                      </p:childTnLst>
+                    </p:cTn>
+                  </p:par>
+                  <p:par>
+                    <p:cTn id="19" fill="hold">
+                      <p:stCondLst>
+                        <p:cond delay="indefinite"/>
+                      </p:stCondLst>
+                      <p:childTnLst>
+                        <p:par>
+                          <p:cTn id="20" fill="hold">
+                            <p:stCondLst>
+                              <p:cond delay="0"/>
+                            </p:stCondLst>
+                            <p:childTnLst>
+                              <p:par>
+                                <p:cTn id="21" presetID="1" presetClass="entr" presetSubtype="0" fill="hold" grpId="0" nodeType="clickEffect">
+                                  <p:stCondLst>
+                                    <p:cond delay="0"/>
+                                  </p:stCondLst>
+                                  <p:childTnLst>
+                                    <p:set>
+                                      <p:cBhvr>
+                                        <p:cTn id="22" dur="1" fill="hold">
+                                          <p:stCondLst>
+                                            <p:cond delay="0"/>
+                                          </p:stCondLst>
+                                        </p:cTn>
+                                        <p:tgtEl>
+                                          <p:spTgt spid="3">
+                                            <p:txEl>
+                                              <p:pRg st="4" end="4"/>
+                                            </p:txEl>
+                                          </p:spTgt>
+                                        </p:tgtEl>
+                                        <p:attrNameLst>
+                                          <p:attrName>style.visibility</p:attrName>
+                                        </p:attrNameLst>
+                                      </p:cBhvr>
+                                      <p:to>
+                                        <p:strVal val="visible"/>
+                                      </p:to>
+                                    </p:set>
+                                  </p:childTnLst>
+                                </p:cTn>
+                              </p:par>
+                            </p:childTnLst>
+                          </p:cTn>
+                        </p:par>
+                      </p:childTnLst>
+                    </p:cTn>
+                  </p:par>
+                  <p:par>
+                    <p:cTn id="23" fill="hold">
+                      <p:stCondLst>
+                        <p:cond delay="indefinite"/>
+                      </p:stCondLst>
+                      <p:childTnLst>
+                        <p:par>
+                          <p:cTn id="24" fill="hold">
+                            <p:stCondLst>
+                              <p:cond delay="0"/>
+                            </p:stCondLst>
+                            <p:childTnLst>
+                              <p:par>
+                                <p:cTn id="25" presetID="1" presetClass="entr" presetSubtype="0" fill="hold" grpId="0" nodeType="clickEffect">
+                                  <p:stCondLst>
+                                    <p:cond delay="0"/>
+                                  </p:stCondLst>
+                                  <p:childTnLst>
+                                    <p:set>
+                                      <p:cBhvr>
+                                        <p:cTn id="26" dur="1" fill="hold">
+                                          <p:stCondLst>
+                                            <p:cond delay="0"/>
+                                          </p:stCondLst>
+                                        </p:cTn>
+                                        <p:tgtEl>
+                                          <p:spTgt spid="3">
+                                            <p:txEl>
+                                              <p:pRg st="5" end="5"/>
+                                            </p:txEl>
+                                          </p:spTgt>
+                                        </p:tgtEl>
+                                        <p:attrNameLst>
+                                          <p:attrName>style.visibility</p:attrName>
+                                        </p:attrNameLst>
+                                      </p:cBhvr>
+                                      <p:to>
+                                        <p:strVal val="visible"/>
+                                      </p:to>
+                                    </p:set>
+                                  </p:childTnLst>
+                                </p:cTn>
+                              </p:par>
+                            </p:childTnLst>
+                          </p:cTn>
+                        </p:par>
+                      </p:childTnLst>
+                    </p:cTn>
+                  </p:par>
+                  <p:par>
+                    <p:cTn id="27" fill="hold">
+                      <p:stCondLst>
+                        <p:cond delay="indefinite"/>
+                      </p:stCondLst>
+                      <p:childTnLst>
+                        <p:par>
+                          <p:cTn id="28" fill="hold">
+                            <p:stCondLst>
+                              <p:cond delay="0"/>
+                            </p:stCondLst>
+                            <p:childTnLst>
+                              <p:par>
+                                <p:cTn id="29" presetID="1" presetClass="entr" presetSubtype="0" fill="hold" grpId="0" nodeType="clickEffect">
+                                  <p:stCondLst>
+                                    <p:cond delay="0"/>
+                                  </p:stCondLst>
+                                  <p:childTnLst>
+                                    <p:set>
+                                      <p:cBhvr>
+                                        <p:cTn id="30" dur="1" fill="hold">
+                                          <p:stCondLst>
+                                            <p:cond delay="0"/>
+                                          </p:stCondLst>
+                                        </p:cTn>
+                                        <p:tgtEl>
+                                          <p:spTgt spid="3">
+                                            <p:txEl>
+                                              <p:pRg st="6" end="6"/>
+                                            </p:txEl>
+                                          </p:spTgt>
+                                        </p:tgtEl>
+                                        <p:attrNameLst>
+                                          <p:attrName>style.visibility</p:attrName>
+                                        </p:attrNameLst>
+                                      </p:cBhvr>
+                                      <p:to>
+                                        <p:strVal val="visible"/>
+                                      </p:to>
+                                    </p:set>
+                                  </p:childTnLst>
+                                </p:cTn>
+                              </p:par>
+                            </p:childTnLst>
+                          </p:cTn>
+                        </p:par>
+                      </p:childTnLst>
+                    </p:cTn>
+                  </p:par>
+                  <p:par>
+                    <p:cTn id="31" fill="hold">
+                      <p:stCondLst>
+                        <p:cond delay="indefinite"/>
+                      </p:stCondLst>
+                      <p:childTnLst>
+                        <p:par>
+                          <p:cTn id="32" fill="hold">
+                            <p:stCondLst>
+                              <p:cond delay="0"/>
+                            </p:stCondLst>
+                            <p:childTnLst>
+                              <p:par>
+                                <p:cTn id="33" presetID="1" presetClass="entr" presetSubtype="0" fill="hold" grpId="0" nodeType="clickEffect">
+                                  <p:stCondLst>
+                                    <p:cond delay="0"/>
+                                  </p:stCondLst>
+                                  <p:childTnLst>
+                                    <p:set>
+                                      <p:cBhvr>
+                                        <p:cTn id="34" dur="1" fill="hold">
+                                          <p:stCondLst>
+                                            <p:cond delay="0"/>
+                                          </p:stCondLst>
+                                        </p:cTn>
+                                        <p:tgtEl>
+                                          <p:spTgt spid="3">
+                                            <p:txEl>
+                                              <p:pRg st="7" end="7"/>
+                                            </p:txEl>
+                                          </p:spTgt>
+                                        </p:tgtEl>
+                                        <p:attrNameLst>
+                                          <p:attrName>style.visibility</p:attrName>
+                                        </p:attrNameLst>
+                                      </p:cBhvr>
+                                      <p:to>
+                                        <p:strVal val="visible"/>
+                                      </p:to>
+                                    </p:set>
+                                  </p:childTnLst>
+                                </p:cTn>
+                              </p:par>
+                            </p:childTnLst>
+                          </p:cTn>
+                        </p:par>
+                      </p:childTnLst>
+                    </p:cTn>
+                  </p:par>
+                  <p:par>
+                    <p:cTn id="35" fill="hold">
+                      <p:stCondLst>
+                        <p:cond delay="indefinite"/>
+                      </p:stCondLst>
+                      <p:childTnLst>
+                        <p:par>
+                          <p:cTn id="36" fill="hold">
+                            <p:stCondLst>
+                              <p:cond delay="0"/>
+                            </p:stCondLst>
+                            <p:childTnLst>
+                              <p:par>
+                                <p:cTn id="37" presetID="1" presetClass="entr" presetSubtype="0" fill="hold" grpId="0" nodeType="clickEffect">
+                                  <p:stCondLst>
+                                    <p:cond delay="0"/>
+                                  </p:stCondLst>
+                                  <p:childTnLst>
+                                    <p:set>
+                                      <p:cBhvr>
+                                        <p:cTn id="38" dur="1" fill="hold">
+                                          <p:stCondLst>
+                                            <p:cond delay="0"/>
+                                          </p:stCondLst>
+                                        </p:cTn>
+                                        <p:tgtEl>
+                                          <p:spTgt spid="3">
+                                            <p:txEl>
+                                              <p:pRg st="8" end="8"/>
+                                            </p:txEl>
+                                          </p:spTgt>
+                                        </p:tgtEl>
+                                        <p:attrNameLst>
+                                          <p:attrName>style.visibility</p:attrName>
+                                        </p:attrNameLst>
+                                      </p:cBhvr>
+                                      <p:to>
+                                        <p:strVal val="visible"/>
+                                      </p:to>
+                                    </p:set>
+                                  </p:childTnLst>
+                                </p:cTn>
+                              </p:par>
+                            </p:childTnLst>
+                          </p:cTn>
+                        </p:par>
+                      </p:childTnLst>
+                    </p:cTn>
+                  </p:par>
+                  <p:par>
+                    <p:cTn id="39" fill="hold">
+                      <p:stCondLst>
+                        <p:cond delay="indefinite"/>
+                      </p:stCondLst>
+                      <p:childTnLst>
+                        <p:par>
+                          <p:cTn id="40" fill="hold">
+                            <p:stCondLst>
+                              <p:cond delay="0"/>
+                            </p:stCondLst>
+                            <p:childTnLst>
+                              <p:par>
+                                <p:cTn id="41" presetID="1" presetClass="entr" presetSubtype="0" fill="hold" grpId="0" nodeType="clickEffect">
+                                  <p:stCondLst>
+                                    <p:cond delay="0"/>
+                                  </p:stCondLst>
+                                  <p:childTnLst>
+                                    <p:set>
+                                      <p:cBhvr>
+                                        <p:cTn id="42" dur="1" fill="hold">
+                                          <p:stCondLst>
+                                            <p:cond delay="0"/>
+                                          </p:stCondLst>
+                                        </p:cTn>
+                                        <p:tgtEl>
+                                          <p:spTgt spid="3">
+                                            <p:txEl>
+                                              <p:pRg st="9" end="9"/>
+                                            </p:txEl>
+                                          </p:spTgt>
+                                        </p:tgtEl>
+                                        <p:attrNameLst>
+                                          <p:attrName>style.visibility</p:attrName>
+                                        </p:attrNameLst>
+                                      </p:cBhvr>
+                                      <p:to>
+                                        <p:strVal val="visible"/>
+                                      </p:to>
+                                    </p:set>
+                                  </p:childTnLst>
+                                </p:cTn>
+                              </p:par>
+                            </p:childTnLst>
+                          </p:cTn>
+                        </p:par>
+                      </p:childTnLst>
+                    </p:cTn>
+                  </p:par>
+                  <p:par>
+                    <p:cTn id="43" fill="hold">
+                      <p:stCondLst>
+                        <p:cond delay="indefinite"/>
+                      </p:stCondLst>
+                      <p:childTnLst>
+                        <p:par>
+                          <p:cTn id="44" fill="hold">
+                            <p:stCondLst>
+                              <p:cond delay="0"/>
+                            </p:stCondLst>
+                            <p:childTnLst>
+                              <p:par>
+                                <p:cTn id="45" presetID="1" presetClass="entr" presetSubtype="0" fill="hold" grpId="0" nodeType="clickEffect">
+                                  <p:stCondLst>
+                                    <p:cond delay="0"/>
+                                  </p:stCondLst>
+                                  <p:childTnLst>
+                                    <p:set>
+                                      <p:cBhvr>
+                                        <p:cTn id="46" dur="1" fill="hold">
+                                          <p:stCondLst>
+                                            <p:cond delay="0"/>
+                                          </p:stCondLst>
+                                        </p:cTn>
+                                        <p:tgtEl>
+                                          <p:spTgt spid="3">
+                                            <p:txEl>
+                                              <p:pRg st="10" end="10"/>
+                                            </p:txEl>
+                                          </p:spTgt>
+                                        </p:tgtEl>
+                                        <p:attrNameLst>
+                                          <p:attrName>style.visibility</p:attrName>
+                                        </p:attrNameLst>
+                                      </p:cBhvr>
+                                      <p:to>
+                                        <p:strVal val="visible"/>
+                                      </p:to>
+                                    </p:set>
+                                  </p:childTnLst>
+                                </p:cTn>
+                              </p:par>
+                            </p:childTnLst>
+                          </p:cTn>
+                        </p:par>
+                      </p:childTnLst>
+                    </p:cTn>
+                  </p:par>
+                </p:childTnLst>
+              </p:cTn>
+              <p:prevCondLst>
+                <p:cond evt="onPrev" delay="0">
+                  <p:tgtEl>
+                    <p:sldTgt/>
+                  </p:tgtEl>
+                </p:cond>
+              </p:prevCondLst>
+              <p:nextCondLst>
+                <p:cond evt="onNext" delay="0">
+                  <p:tgtEl>
+                    <p:sldTgt/>
+                  </p:tgtEl>
+                </p:cond>
+              </p:nextCondLst>
+            </p:seq>
+          </p:childTnLst>
+        </p:cTn>
+      </p:par>
+    </p:tnLst>
+    <p:bldLst>
+      <p:bldP spid="3" grpId="0" build="p"/>
+    </p:bldLst>
+  </p:timing>
 </p:sld>
 </file>
 
@@ -21004,6 +28092,235 @@
   <p:clrMapOvr>
     <a:masterClrMapping/>
   </p:clrMapOvr>
+  <p:timing>
+    <p:tnLst>
+      <p:par>
+        <p:cTn id="1" dur="indefinite" restart="never" nodeType="tmRoot">
+          <p:childTnLst>
+            <p:seq concurrent="1" nextAc="seek">
+              <p:cTn id="2" dur="indefinite" nodeType="mainSeq">
+                <p:childTnLst>
+                  <p:par>
+                    <p:cTn id="3" fill="hold">
+                      <p:stCondLst>
+                        <p:cond delay="indefinite"/>
+                      </p:stCondLst>
+                      <p:childTnLst>
+                        <p:par>
+                          <p:cTn id="4" fill="hold">
+                            <p:stCondLst>
+                              <p:cond delay="0"/>
+                            </p:stCondLst>
+                            <p:childTnLst>
+                              <p:par>
+                                <p:cTn id="5" presetID="1" presetClass="entr" presetSubtype="0" fill="hold" grpId="0" nodeType="clickEffect">
+                                  <p:stCondLst>
+                                    <p:cond delay="0"/>
+                                  </p:stCondLst>
+                                  <p:childTnLst>
+                                    <p:set>
+                                      <p:cBhvr>
+                                        <p:cTn id="6" dur="1" fill="hold">
+                                          <p:stCondLst>
+                                            <p:cond delay="0"/>
+                                          </p:stCondLst>
+                                        </p:cTn>
+                                        <p:tgtEl>
+                                          <p:spTgt spid="3">
+                                            <p:txEl>
+                                              <p:pRg st="0" end="0"/>
+                                            </p:txEl>
+                                          </p:spTgt>
+                                        </p:tgtEl>
+                                        <p:attrNameLst>
+                                          <p:attrName>style.visibility</p:attrName>
+                                        </p:attrNameLst>
+                                      </p:cBhvr>
+                                      <p:to>
+                                        <p:strVal val="visible"/>
+                                      </p:to>
+                                    </p:set>
+                                  </p:childTnLst>
+                                </p:cTn>
+                              </p:par>
+                            </p:childTnLst>
+                          </p:cTn>
+                        </p:par>
+                      </p:childTnLst>
+                    </p:cTn>
+                  </p:par>
+                  <p:par>
+                    <p:cTn id="7" fill="hold">
+                      <p:stCondLst>
+                        <p:cond delay="indefinite"/>
+                      </p:stCondLst>
+                      <p:childTnLst>
+                        <p:par>
+                          <p:cTn id="8" fill="hold">
+                            <p:stCondLst>
+                              <p:cond delay="0"/>
+                            </p:stCondLst>
+                            <p:childTnLst>
+                              <p:par>
+                                <p:cTn id="9" presetID="1" presetClass="entr" presetSubtype="0" fill="hold" grpId="0" nodeType="clickEffect">
+                                  <p:stCondLst>
+                                    <p:cond delay="0"/>
+                                  </p:stCondLst>
+                                  <p:childTnLst>
+                                    <p:set>
+                                      <p:cBhvr>
+                                        <p:cTn id="10" dur="1" fill="hold">
+                                          <p:stCondLst>
+                                            <p:cond delay="0"/>
+                                          </p:stCondLst>
+                                        </p:cTn>
+                                        <p:tgtEl>
+                                          <p:spTgt spid="3">
+                                            <p:txEl>
+                                              <p:pRg st="1" end="1"/>
+                                            </p:txEl>
+                                          </p:spTgt>
+                                        </p:tgtEl>
+                                        <p:attrNameLst>
+                                          <p:attrName>style.visibility</p:attrName>
+                                        </p:attrNameLst>
+                                      </p:cBhvr>
+                                      <p:to>
+                                        <p:strVal val="visible"/>
+                                      </p:to>
+                                    </p:set>
+                                  </p:childTnLst>
+                                </p:cTn>
+                              </p:par>
+                            </p:childTnLst>
+                          </p:cTn>
+                        </p:par>
+                      </p:childTnLst>
+                    </p:cTn>
+                  </p:par>
+                  <p:par>
+                    <p:cTn id="11" fill="hold">
+                      <p:stCondLst>
+                        <p:cond delay="indefinite"/>
+                      </p:stCondLst>
+                      <p:childTnLst>
+                        <p:par>
+                          <p:cTn id="12" fill="hold">
+                            <p:stCondLst>
+                              <p:cond delay="0"/>
+                            </p:stCondLst>
+                            <p:childTnLst>
+                              <p:par>
+                                <p:cTn id="13" presetID="1" presetClass="entr" presetSubtype="0" fill="hold" grpId="0" nodeType="clickEffect">
+                                  <p:stCondLst>
+                                    <p:cond delay="0"/>
+                                  </p:stCondLst>
+                                  <p:childTnLst>
+                                    <p:set>
+                                      <p:cBhvr>
+                                        <p:cTn id="14" dur="1" fill="hold">
+                                          <p:stCondLst>
+                                            <p:cond delay="0"/>
+                                          </p:stCondLst>
+                                        </p:cTn>
+                                        <p:tgtEl>
+                                          <p:spTgt spid="3">
+                                            <p:txEl>
+                                              <p:pRg st="2" end="2"/>
+                                            </p:txEl>
+                                          </p:spTgt>
+                                        </p:tgtEl>
+                                        <p:attrNameLst>
+                                          <p:attrName>style.visibility</p:attrName>
+                                        </p:attrNameLst>
+                                      </p:cBhvr>
+                                      <p:to>
+                                        <p:strVal val="visible"/>
+                                      </p:to>
+                                    </p:set>
+                                  </p:childTnLst>
+                                </p:cTn>
+                              </p:par>
+                            </p:childTnLst>
+                          </p:cTn>
+                        </p:par>
+                      </p:childTnLst>
+                    </p:cTn>
+                  </p:par>
+                  <p:par>
+                    <p:cTn id="15" fill="hold">
+                      <p:stCondLst>
+                        <p:cond delay="indefinite"/>
+                      </p:stCondLst>
+                      <p:childTnLst>
+                        <p:par>
+                          <p:cTn id="16" fill="hold">
+                            <p:stCondLst>
+                              <p:cond delay="0"/>
+                            </p:stCondLst>
+                            <p:childTnLst>
+                              <p:par>
+                                <p:cTn id="17" presetID="1" presetClass="entr" presetSubtype="0" fill="hold" grpId="0" nodeType="clickEffect">
+                                  <p:stCondLst>
+                                    <p:cond delay="0"/>
+                                  </p:stCondLst>
+                                  <p:childTnLst>
+                                    <p:set>
+                                      <p:cBhvr>
+                                        <p:cTn id="18" dur="1" fill="hold">
+                                          <p:stCondLst>
+                                            <p:cond delay="0"/>
+                                          </p:stCondLst>
+                                        </p:cTn>
+                                        <p:tgtEl>
+                                          <p:spTgt spid="3">
+                                            <p:txEl>
+                                              <p:pRg st="3" end="3"/>
+                                            </p:txEl>
+                                          </p:spTgt>
+                                        </p:tgtEl>
+                                        <p:attrNameLst>
+                                          <p:attrName>style.visibility</p:attrName>
+                                        </p:attrNameLst>
+                                      </p:cBhvr>
+                                      <p:to>
+                                        <p:strVal val="visible"/>
+                                      </p:to>
+                                    </p:set>
+                                  </p:childTnLst>
+                                </p:cTn>
+                              </p:par>
+                            </p:childTnLst>
+                          </p:cTn>
+                        </p:par>
+                      </p:childTnLst>
+                    </p:cTn>
+                  </p:par>
+                </p:childTnLst>
+              </p:cTn>
+              <p:prevCondLst>
+                <p:cond evt="onPrev" delay="0">
+                  <p:tgtEl>
+                    <p:sldTgt/>
+                  </p:tgtEl>
+                </p:cond>
+              </p:prevCondLst>
+              <p:nextCondLst>
+                <p:cond evt="onNext" delay="0">
+                  <p:tgtEl>
+                    <p:sldTgt/>
+                  </p:tgtEl>
+                </p:cond>
+              </p:nextCondLst>
+            </p:seq>
+          </p:childTnLst>
+        </p:cTn>
+      </p:par>
+    </p:tnLst>
+    <p:bldLst>
+      <p:bldP spid="3" grpId="0" build="p"/>
+    </p:bldLst>
+  </p:timing>
 </p:sld>
 </file>
 
